--- a/snake.pptx
+++ b/snake.pptx
@@ -22,6 +22,11 @@
     <p:sldId id="270" r:id="rId16"/>
     <p:sldId id="271" r:id="rId17"/>
     <p:sldId id="272" r:id="rId18"/>
+    <p:sldId id="273" r:id="rId19"/>
+    <p:sldId id="274" r:id="rId20"/>
+    <p:sldId id="275" r:id="rId21"/>
+    <p:sldId id="276" r:id="rId22"/>
+    <p:sldId id="277" r:id="rId23"/>
   </p:sldIdLst>
   <p:sldSz cx="12192000" cy="6858000"/>
   <p:notesSz cx="6858000" cy="9144000"/>
@@ -3070,12 +3075,14 @@
         </p:nvSpPr>
         <p:spPr>
           <a:xfrm>
-            <a:off x="4197006" y="3602038"/>
-            <a:ext cx="6470994" cy="1655762"/>
-          </a:xfrm>
-        </p:spPr>
-        <p:txBody>
-          <a:bodyPr/>
+            <a:off x="4197005" y="3602038"/>
+            <a:ext cx="7059573" cy="2071796"/>
+          </a:xfrm>
+        </p:spPr>
+        <p:txBody>
+          <a:bodyPr>
+            <a:normAutofit/>
+          </a:bodyPr>
           <a:lstStyle/>
           <a:p>
             <a:pPr marL="457200" indent="-457200" algn="l">
@@ -3120,6 +3127,40 @@
             <a:r>
               <a:rPr lang="ko-KR" altLang="en-US" dirty="0" smtClean="0"/>
               <a:t>움직이기</a:t>
+            </a:r>
+            <a:endParaRPr lang="en-US" altLang="ko-KR" dirty="0" smtClean="0"/>
+          </a:p>
+          <a:p>
+            <a:pPr marL="457200" indent="-457200" algn="l">
+              <a:buAutoNum type="arabicPeriod"/>
+            </a:pPr>
+            <a:r>
+              <a:rPr lang="ko-KR" altLang="en-US" dirty="0" smtClean="0"/>
+              <a:t>뱀</a:t>
+            </a:r>
+            <a:r>
+              <a:rPr lang="en-US" altLang="ko-KR" dirty="0" smtClean="0"/>
+              <a:t>(Snake)</a:t>
+            </a:r>
+            <a:r>
+              <a:rPr lang="ko-KR" altLang="en-US" dirty="0" smtClean="0"/>
+              <a:t>이 경계</a:t>
+            </a:r>
+            <a:r>
+              <a:rPr lang="en-US" altLang="ko-KR" dirty="0" smtClean="0"/>
+              <a:t>(</a:t>
+            </a:r>
+            <a:r>
+              <a:rPr lang="ko-KR" altLang="en-US" dirty="0" smtClean="0"/>
+              <a:t>벽</a:t>
+            </a:r>
+            <a:r>
+              <a:rPr lang="en-US" altLang="ko-KR" dirty="0" smtClean="0"/>
+              <a:t>)</a:t>
+            </a:r>
+            <a:r>
+              <a:rPr lang="ko-KR" altLang="en-US" dirty="0" smtClean="0"/>
+              <a:t>에 부딪히면 게임 오버</a:t>
             </a:r>
             <a:endParaRPr lang="ko-KR" altLang="en-US" dirty="0"/>
           </a:p>
@@ -4575,10 +4616,44 @@
         </p:nvSpPr>
         <p:spPr/>
         <p:txBody>
-          <a:bodyPr/>
-          <a:lstStyle/>
-          <a:p>
-            <a:endParaRPr lang="ko-KR" altLang="en-US"/>
+          <a:bodyPr>
+            <a:normAutofit/>
+          </a:bodyPr>
+          <a:lstStyle/>
+          <a:p>
+            <a:r>
+              <a:rPr lang="en-US" altLang="ko-KR" sz="3600" dirty="0" smtClean="0"/>
+              <a:t>4.</a:t>
+            </a:r>
+            <a:r>
+              <a:rPr lang="ko-KR" altLang="en-US" sz="3600" dirty="0" smtClean="0"/>
+              <a:t> 뱀</a:t>
+            </a:r>
+            <a:r>
+              <a:rPr lang="en-US" altLang="ko-KR" sz="3600" dirty="0" smtClean="0"/>
+              <a:t>(Snake)</a:t>
+            </a:r>
+            <a:r>
+              <a:rPr lang="ko-KR" altLang="en-US" sz="3600" dirty="0" smtClean="0"/>
+              <a:t>이 경계</a:t>
+            </a:r>
+            <a:r>
+              <a:rPr lang="en-US" altLang="ko-KR" sz="3600" dirty="0" smtClean="0"/>
+              <a:t>(</a:t>
+            </a:r>
+            <a:r>
+              <a:rPr lang="ko-KR" altLang="en-US" sz="3600" dirty="0" smtClean="0"/>
+              <a:t>벽</a:t>
+            </a:r>
+            <a:r>
+              <a:rPr lang="en-US" altLang="ko-KR" sz="3600" dirty="0" smtClean="0"/>
+              <a:t>)</a:t>
+            </a:r>
+            <a:r>
+              <a:rPr lang="ko-KR" altLang="en-US" sz="3600" dirty="0" smtClean="0"/>
+              <a:t>에 부딪히면 게임 오버</a:t>
+            </a:r>
+            <a:endParaRPr lang="ko-KR" altLang="en-US" sz="3600" dirty="0"/>
           </a:p>
         </p:txBody>
       </p:sp>
@@ -4652,22 +4727,59 @@
           </a:fontRef>
         </p:style>
       </p:cxnSp>
-      <p:sp>
-        <p:nvSpPr>
-          <p:cNvPr id="3" name="내용 개체 틀 2"/>
-          <p:cNvSpPr>
-            <a:spLocks noGrp="1"/>
-          </p:cNvSpPr>
+      <p:pic>
+        <p:nvPicPr>
+          <p:cNvPr id="6" name="내용 개체 틀 5"/>
+          <p:cNvPicPr>
+            <a:picLocks noGrp="1" noChangeAspect="1"/>
+          </p:cNvPicPr>
           <p:nvPr>
             <p:ph idx="1"/>
           </p:nvPr>
-        </p:nvSpPr>
-        <p:spPr/>
-        <p:txBody>
-          <a:bodyPr/>
-          <a:lstStyle/>
-          <a:p>
-            <a:endParaRPr lang="ko-KR" altLang="en-US"/>
+        </p:nvPicPr>
+        <p:blipFill>
+          <a:blip r:embed="rId2"/>
+          <a:stretch>
+            <a:fillRect/>
+          </a:stretch>
+        </p:blipFill>
+        <p:spPr>
+          <a:xfrm>
+            <a:off x="2169072" y="1976574"/>
+            <a:ext cx="7533290" cy="4604410"/>
+          </a:xfrm>
+          <a:prstGeom prst="rect">
+            <a:avLst/>
+          </a:prstGeom>
+        </p:spPr>
+      </p:pic>
+      <p:sp>
+        <p:nvSpPr>
+          <p:cNvPr id="7" name="TextBox 6"/>
+          <p:cNvSpPr txBox="1"/>
+          <p:nvPr/>
+        </p:nvSpPr>
+        <p:spPr>
+          <a:xfrm>
+            <a:off x="10515600" y="6214651"/>
+            <a:ext cx="1189749" cy="369332"/>
+          </a:xfrm>
+          <a:prstGeom prst="rect">
+            <a:avLst/>
+          </a:prstGeom>
+          <a:noFill/>
+        </p:spPr>
+        <p:txBody>
+          <a:bodyPr wrap="none" rtlCol="0">
+            <a:spAutoFit/>
+          </a:bodyPr>
+          <a:lstStyle/>
+          <a:p>
+            <a:r>
+              <a:rPr lang="ko-KR" altLang="en-US" dirty="0" smtClean="0"/>
+              <a:t>뒤에 계속</a:t>
+            </a:r>
+            <a:endParaRPr lang="ko-KR" altLang="en-US" dirty="0"/>
           </a:p>
         </p:txBody>
       </p:sp>
@@ -4713,10 +4825,43 @@
         </p:nvSpPr>
         <p:spPr/>
         <p:txBody>
-          <a:bodyPr/>
-          <a:lstStyle/>
-          <a:p>
-            <a:endParaRPr lang="ko-KR" altLang="en-US"/>
+          <a:bodyPr>
+            <a:normAutofit/>
+          </a:bodyPr>
+          <a:lstStyle/>
+          <a:p>
+            <a:r>
+              <a:rPr lang="en-US" altLang="ko-KR" sz="3600" dirty="0"/>
+              <a:t>4.</a:t>
+            </a:r>
+            <a:r>
+              <a:rPr lang="ko-KR" altLang="en-US" sz="3600" dirty="0"/>
+              <a:t> 뱀</a:t>
+            </a:r>
+            <a:r>
+              <a:rPr lang="en-US" altLang="ko-KR" sz="3600" dirty="0"/>
+              <a:t>(Snake)</a:t>
+            </a:r>
+            <a:r>
+              <a:rPr lang="ko-KR" altLang="en-US" sz="3600" dirty="0"/>
+              <a:t>이 경계</a:t>
+            </a:r>
+            <a:r>
+              <a:rPr lang="en-US" altLang="ko-KR" sz="3600" dirty="0"/>
+              <a:t>(</a:t>
+            </a:r>
+            <a:r>
+              <a:rPr lang="ko-KR" altLang="en-US" sz="3600" dirty="0"/>
+              <a:t>벽</a:t>
+            </a:r>
+            <a:r>
+              <a:rPr lang="en-US" altLang="ko-KR" sz="3600" dirty="0"/>
+              <a:t>)</a:t>
+            </a:r>
+            <a:r>
+              <a:rPr lang="ko-KR" altLang="en-US" sz="3600" dirty="0"/>
+              <a:t>에 부딪히면 게임 오버</a:t>
+            </a:r>
           </a:p>
         </p:txBody>
       </p:sp>
@@ -4790,22 +4935,59 @@
           </a:fontRef>
         </p:style>
       </p:cxnSp>
-      <p:sp>
-        <p:nvSpPr>
-          <p:cNvPr id="3" name="내용 개체 틀 2"/>
-          <p:cNvSpPr>
-            <a:spLocks noGrp="1"/>
-          </p:cNvSpPr>
+      <p:pic>
+        <p:nvPicPr>
+          <p:cNvPr id="6" name="내용 개체 틀 5"/>
+          <p:cNvPicPr>
+            <a:picLocks noGrp="1" noChangeAspect="1"/>
+          </p:cNvPicPr>
           <p:nvPr>
             <p:ph idx="1"/>
           </p:nvPr>
-        </p:nvSpPr>
-        <p:spPr/>
-        <p:txBody>
-          <a:bodyPr/>
-          <a:lstStyle/>
-          <a:p>
-            <a:endParaRPr lang="ko-KR" altLang="en-US"/>
+        </p:nvPicPr>
+        <p:blipFill>
+          <a:blip r:embed="rId2"/>
+          <a:stretch>
+            <a:fillRect/>
+          </a:stretch>
+        </p:blipFill>
+        <p:spPr>
+          <a:xfrm>
+            <a:off x="1404116" y="1952442"/>
+            <a:ext cx="9063201" cy="4458035"/>
+          </a:xfrm>
+          <a:prstGeom prst="rect">
+            <a:avLst/>
+          </a:prstGeom>
+        </p:spPr>
+      </p:pic>
+      <p:sp>
+        <p:nvSpPr>
+          <p:cNvPr id="7" name="TextBox 6"/>
+          <p:cNvSpPr txBox="1"/>
+          <p:nvPr/>
+        </p:nvSpPr>
+        <p:spPr>
+          <a:xfrm>
+            <a:off x="10515600" y="6214651"/>
+            <a:ext cx="1189749" cy="369332"/>
+          </a:xfrm>
+          <a:prstGeom prst="rect">
+            <a:avLst/>
+          </a:prstGeom>
+          <a:noFill/>
+        </p:spPr>
+        <p:txBody>
+          <a:bodyPr wrap="none" rtlCol="0">
+            <a:spAutoFit/>
+          </a:bodyPr>
+          <a:lstStyle/>
+          <a:p>
+            <a:r>
+              <a:rPr lang="ko-KR" altLang="en-US" dirty="0" smtClean="0"/>
+              <a:t>뒤에 계속</a:t>
+            </a:r>
+            <a:endParaRPr lang="ko-KR" altLang="en-US" dirty="0"/>
           </a:p>
         </p:txBody>
       </p:sp>
@@ -4813,6 +4995,422 @@
     <p:extLst>
       <p:ext uri="{BB962C8B-B14F-4D97-AF65-F5344CB8AC3E}">
         <p14:creationId xmlns:p14="http://schemas.microsoft.com/office/powerpoint/2010/main" val="2869942780"/>
+      </p:ext>
+    </p:extLst>
+  </p:cSld>
+  <p:clrMapOvr>
+    <a:masterClrMapping/>
+  </p:clrMapOvr>
+</p:sld>
+</file>
+
+<file path=ppt/slides/slide18.xml><?xml version="1.0" encoding="utf-8"?>
+<p:sld xmlns:a="http://schemas.openxmlformats.org/drawingml/2006/main" xmlns:r="http://schemas.openxmlformats.org/officeDocument/2006/relationships" xmlns:p="http://schemas.openxmlformats.org/presentationml/2006/main">
+  <p:cSld>
+    <p:spTree>
+      <p:nvGrpSpPr>
+        <p:cNvPr id="1" name=""/>
+        <p:cNvGrpSpPr/>
+        <p:nvPr/>
+      </p:nvGrpSpPr>
+      <p:grpSpPr>
+        <a:xfrm>
+          <a:off x="0" y="0"/>
+          <a:ext cx="0" cy="0"/>
+          <a:chOff x="0" y="0"/>
+          <a:chExt cx="0" cy="0"/>
+        </a:xfrm>
+      </p:grpSpPr>
+      <p:sp>
+        <p:nvSpPr>
+          <p:cNvPr id="2" name="제목 1"/>
+          <p:cNvSpPr>
+            <a:spLocks noGrp="1"/>
+          </p:cNvSpPr>
+          <p:nvPr>
+            <p:ph type="title"/>
+          </p:nvPr>
+        </p:nvSpPr>
+        <p:spPr/>
+        <p:txBody>
+          <a:bodyPr>
+            <a:normAutofit/>
+          </a:bodyPr>
+          <a:lstStyle/>
+          <a:p>
+            <a:r>
+              <a:rPr lang="en-US" altLang="ko-KR" sz="3600" dirty="0"/>
+              <a:t>4.</a:t>
+            </a:r>
+            <a:r>
+              <a:rPr lang="ko-KR" altLang="en-US" sz="3600" dirty="0"/>
+              <a:t> 뱀</a:t>
+            </a:r>
+            <a:r>
+              <a:rPr lang="en-US" altLang="ko-KR" sz="3600" dirty="0"/>
+              <a:t>(Snake)</a:t>
+            </a:r>
+            <a:r>
+              <a:rPr lang="ko-KR" altLang="en-US" sz="3600" dirty="0"/>
+              <a:t>이 경계</a:t>
+            </a:r>
+            <a:r>
+              <a:rPr lang="en-US" altLang="ko-KR" sz="3600" dirty="0"/>
+              <a:t>(</a:t>
+            </a:r>
+            <a:r>
+              <a:rPr lang="ko-KR" altLang="en-US" sz="3600" dirty="0"/>
+              <a:t>벽</a:t>
+            </a:r>
+            <a:r>
+              <a:rPr lang="en-US" altLang="ko-KR" sz="3600" dirty="0"/>
+              <a:t>)</a:t>
+            </a:r>
+            <a:r>
+              <a:rPr lang="ko-KR" altLang="en-US" sz="3600" dirty="0"/>
+              <a:t>에 부딪히면 게임 오버</a:t>
+            </a:r>
+          </a:p>
+        </p:txBody>
+      </p:sp>
+      <p:cxnSp>
+        <p:nvCxnSpPr>
+          <p:cNvPr id="4" name="직선 연결선 3"/>
+          <p:cNvCxnSpPr/>
+          <p:nvPr/>
+        </p:nvCxnSpPr>
+        <p:spPr>
+          <a:xfrm>
+            <a:off x="220718" y="1690688"/>
+            <a:ext cx="11429999" cy="0"/>
+          </a:xfrm>
+          <a:prstGeom prst="line">
+            <a:avLst/>
+          </a:prstGeom>
+          <a:ln w="57150">
+            <a:solidFill>
+              <a:srgbClr val="00B050"/>
+            </a:solidFill>
+          </a:ln>
+        </p:spPr>
+        <p:style>
+          <a:lnRef idx="1">
+            <a:schemeClr val="accent1"/>
+          </a:lnRef>
+          <a:fillRef idx="0">
+            <a:schemeClr val="accent1"/>
+          </a:fillRef>
+          <a:effectRef idx="0">
+            <a:schemeClr val="accent1"/>
+          </a:effectRef>
+          <a:fontRef idx="minor">
+            <a:schemeClr val="tx1"/>
+          </a:fontRef>
+        </p:style>
+      </p:cxnSp>
+      <p:cxnSp>
+        <p:nvCxnSpPr>
+          <p:cNvPr id="5" name="직선 연결선 4"/>
+          <p:cNvCxnSpPr/>
+          <p:nvPr/>
+        </p:nvCxnSpPr>
+        <p:spPr>
+          <a:xfrm flipH="1">
+            <a:off x="522067" y="488731"/>
+            <a:ext cx="490" cy="1655379"/>
+          </a:xfrm>
+          <a:prstGeom prst="line">
+            <a:avLst/>
+          </a:prstGeom>
+          <a:ln w="28575">
+            <a:solidFill>
+              <a:srgbClr val="92D050"/>
+            </a:solidFill>
+          </a:ln>
+        </p:spPr>
+        <p:style>
+          <a:lnRef idx="1">
+            <a:schemeClr val="accent1"/>
+          </a:lnRef>
+          <a:fillRef idx="0">
+            <a:schemeClr val="accent1"/>
+          </a:fillRef>
+          <a:effectRef idx="0">
+            <a:schemeClr val="accent1"/>
+          </a:effectRef>
+          <a:fontRef idx="minor">
+            <a:schemeClr val="tx1"/>
+          </a:fontRef>
+        </p:style>
+      </p:cxnSp>
+      <p:pic>
+        <p:nvPicPr>
+          <p:cNvPr id="6" name="내용 개체 틀 5"/>
+          <p:cNvPicPr>
+            <a:picLocks noGrp="1" noChangeAspect="1"/>
+          </p:cNvPicPr>
+          <p:nvPr>
+            <p:ph idx="1"/>
+          </p:nvPr>
+        </p:nvPicPr>
+        <p:blipFill>
+          <a:blip r:embed="rId2"/>
+          <a:stretch>
+            <a:fillRect/>
+          </a:stretch>
+        </p:blipFill>
+        <p:spPr>
+          <a:xfrm>
+            <a:off x="1512833" y="1923393"/>
+            <a:ext cx="9207719" cy="4471902"/>
+          </a:xfrm>
+          <a:prstGeom prst="rect">
+            <a:avLst/>
+          </a:prstGeom>
+        </p:spPr>
+      </p:pic>
+      <p:sp>
+        <p:nvSpPr>
+          <p:cNvPr id="7" name="TextBox 6"/>
+          <p:cNvSpPr txBox="1"/>
+          <p:nvPr/>
+        </p:nvSpPr>
+        <p:spPr>
+          <a:xfrm>
+            <a:off x="10720552" y="6210629"/>
+            <a:ext cx="1189749" cy="369332"/>
+          </a:xfrm>
+          <a:prstGeom prst="rect">
+            <a:avLst/>
+          </a:prstGeom>
+          <a:noFill/>
+        </p:spPr>
+        <p:txBody>
+          <a:bodyPr wrap="none" rtlCol="0">
+            <a:spAutoFit/>
+          </a:bodyPr>
+          <a:lstStyle/>
+          <a:p>
+            <a:r>
+              <a:rPr lang="ko-KR" altLang="en-US" dirty="0" smtClean="0"/>
+              <a:t>뒤에 계속</a:t>
+            </a:r>
+            <a:endParaRPr lang="ko-KR" altLang="en-US" dirty="0"/>
+          </a:p>
+        </p:txBody>
+      </p:sp>
+    </p:spTree>
+    <p:extLst>
+      <p:ext uri="{BB962C8B-B14F-4D97-AF65-F5344CB8AC3E}">
+        <p14:creationId xmlns:p14="http://schemas.microsoft.com/office/powerpoint/2010/main" val="1200103281"/>
+      </p:ext>
+    </p:extLst>
+  </p:cSld>
+  <p:clrMapOvr>
+    <a:masterClrMapping/>
+  </p:clrMapOvr>
+</p:sld>
+</file>
+
+<file path=ppt/slides/slide19.xml><?xml version="1.0" encoding="utf-8"?>
+<p:sld xmlns:a="http://schemas.openxmlformats.org/drawingml/2006/main" xmlns:r="http://schemas.openxmlformats.org/officeDocument/2006/relationships" xmlns:p="http://schemas.openxmlformats.org/presentationml/2006/main">
+  <p:cSld>
+    <p:spTree>
+      <p:nvGrpSpPr>
+        <p:cNvPr id="1" name=""/>
+        <p:cNvGrpSpPr/>
+        <p:nvPr/>
+      </p:nvGrpSpPr>
+      <p:grpSpPr>
+        <a:xfrm>
+          <a:off x="0" y="0"/>
+          <a:ext cx="0" cy="0"/>
+          <a:chOff x="0" y="0"/>
+          <a:chExt cx="0" cy="0"/>
+        </a:xfrm>
+      </p:grpSpPr>
+      <p:sp>
+        <p:nvSpPr>
+          <p:cNvPr id="2" name="제목 1"/>
+          <p:cNvSpPr>
+            <a:spLocks noGrp="1"/>
+          </p:cNvSpPr>
+          <p:nvPr>
+            <p:ph type="title"/>
+          </p:nvPr>
+        </p:nvSpPr>
+        <p:spPr/>
+        <p:txBody>
+          <a:bodyPr>
+            <a:normAutofit/>
+          </a:bodyPr>
+          <a:lstStyle/>
+          <a:p>
+            <a:r>
+              <a:rPr lang="en-US" altLang="ko-KR" sz="3600" dirty="0"/>
+              <a:t>4.</a:t>
+            </a:r>
+            <a:r>
+              <a:rPr lang="ko-KR" altLang="en-US" sz="3600" dirty="0"/>
+              <a:t> 뱀</a:t>
+            </a:r>
+            <a:r>
+              <a:rPr lang="en-US" altLang="ko-KR" sz="3600" dirty="0"/>
+              <a:t>(Snake)</a:t>
+            </a:r>
+            <a:r>
+              <a:rPr lang="ko-KR" altLang="en-US" sz="3600" dirty="0"/>
+              <a:t>이 경계</a:t>
+            </a:r>
+            <a:r>
+              <a:rPr lang="en-US" altLang="ko-KR" sz="3600" dirty="0"/>
+              <a:t>(</a:t>
+            </a:r>
+            <a:r>
+              <a:rPr lang="ko-KR" altLang="en-US" sz="3600" dirty="0"/>
+              <a:t>벽</a:t>
+            </a:r>
+            <a:r>
+              <a:rPr lang="en-US" altLang="ko-KR" sz="3600" dirty="0"/>
+              <a:t>)</a:t>
+            </a:r>
+            <a:r>
+              <a:rPr lang="ko-KR" altLang="en-US" sz="3600" dirty="0"/>
+              <a:t>에 부딪히면 게임 오버</a:t>
+            </a:r>
+          </a:p>
+        </p:txBody>
+      </p:sp>
+      <p:cxnSp>
+        <p:nvCxnSpPr>
+          <p:cNvPr id="4" name="직선 연결선 3"/>
+          <p:cNvCxnSpPr/>
+          <p:nvPr/>
+        </p:nvCxnSpPr>
+        <p:spPr>
+          <a:xfrm>
+            <a:off x="220718" y="1690688"/>
+            <a:ext cx="11429999" cy="0"/>
+          </a:xfrm>
+          <a:prstGeom prst="line">
+            <a:avLst/>
+          </a:prstGeom>
+          <a:ln w="57150">
+            <a:solidFill>
+              <a:srgbClr val="00B050"/>
+            </a:solidFill>
+          </a:ln>
+        </p:spPr>
+        <p:style>
+          <a:lnRef idx="1">
+            <a:schemeClr val="accent1"/>
+          </a:lnRef>
+          <a:fillRef idx="0">
+            <a:schemeClr val="accent1"/>
+          </a:fillRef>
+          <a:effectRef idx="0">
+            <a:schemeClr val="accent1"/>
+          </a:effectRef>
+          <a:fontRef idx="minor">
+            <a:schemeClr val="tx1"/>
+          </a:fontRef>
+        </p:style>
+      </p:cxnSp>
+      <p:cxnSp>
+        <p:nvCxnSpPr>
+          <p:cNvPr id="5" name="직선 연결선 4"/>
+          <p:cNvCxnSpPr/>
+          <p:nvPr/>
+        </p:nvCxnSpPr>
+        <p:spPr>
+          <a:xfrm flipH="1">
+            <a:off x="522067" y="488731"/>
+            <a:ext cx="490" cy="1655379"/>
+          </a:xfrm>
+          <a:prstGeom prst="line">
+            <a:avLst/>
+          </a:prstGeom>
+          <a:ln w="28575">
+            <a:solidFill>
+              <a:srgbClr val="92D050"/>
+            </a:solidFill>
+          </a:ln>
+        </p:spPr>
+        <p:style>
+          <a:lnRef idx="1">
+            <a:schemeClr val="accent1"/>
+          </a:lnRef>
+          <a:fillRef idx="0">
+            <a:schemeClr val="accent1"/>
+          </a:fillRef>
+          <a:effectRef idx="0">
+            <a:schemeClr val="accent1"/>
+          </a:effectRef>
+          <a:fontRef idx="minor">
+            <a:schemeClr val="tx1"/>
+          </a:fontRef>
+        </p:style>
+      </p:cxnSp>
+      <p:pic>
+        <p:nvPicPr>
+          <p:cNvPr id="6" name="내용 개체 틀 5"/>
+          <p:cNvPicPr>
+            <a:picLocks noGrp="1" noChangeAspect="1"/>
+          </p:cNvPicPr>
+          <p:nvPr>
+            <p:ph idx="1"/>
+          </p:nvPr>
+        </p:nvPicPr>
+        <p:blipFill>
+          <a:blip r:embed="rId2"/>
+          <a:stretch>
+            <a:fillRect/>
+          </a:stretch>
+        </p:blipFill>
+        <p:spPr>
+          <a:xfrm>
+            <a:off x="2183524" y="1923392"/>
+            <a:ext cx="7504386" cy="4493917"/>
+          </a:xfrm>
+          <a:prstGeom prst="rect">
+            <a:avLst/>
+          </a:prstGeom>
+        </p:spPr>
+      </p:pic>
+      <p:sp>
+        <p:nvSpPr>
+          <p:cNvPr id="7" name="TextBox 6"/>
+          <p:cNvSpPr txBox="1"/>
+          <p:nvPr/>
+        </p:nvSpPr>
+        <p:spPr>
+          <a:xfrm>
+            <a:off x="10515600" y="6214651"/>
+            <a:ext cx="1189749" cy="369332"/>
+          </a:xfrm>
+          <a:prstGeom prst="rect">
+            <a:avLst/>
+          </a:prstGeom>
+          <a:noFill/>
+        </p:spPr>
+        <p:txBody>
+          <a:bodyPr wrap="none" rtlCol="0">
+            <a:spAutoFit/>
+          </a:bodyPr>
+          <a:lstStyle/>
+          <a:p>
+            <a:r>
+              <a:rPr lang="ko-KR" altLang="en-US" dirty="0" smtClean="0"/>
+              <a:t>뒤에 계속</a:t>
+            </a:r>
+            <a:endParaRPr lang="ko-KR" altLang="en-US" dirty="0"/>
+          </a:p>
+        </p:txBody>
+      </p:sp>
+    </p:spTree>
+    <p:extLst>
+      <p:ext uri="{BB962C8B-B14F-4D97-AF65-F5344CB8AC3E}">
+        <p14:creationId xmlns:p14="http://schemas.microsoft.com/office/powerpoint/2010/main" val="1714992414"/>
       </p:ext>
     </p:extLst>
   </p:cSld>
@@ -5055,6 +5653,530 @@
     <p:extLst>
       <p:ext uri="{BB962C8B-B14F-4D97-AF65-F5344CB8AC3E}">
         <p14:creationId xmlns:p14="http://schemas.microsoft.com/office/powerpoint/2010/main" val="2991757000"/>
+      </p:ext>
+    </p:extLst>
+  </p:cSld>
+  <p:clrMapOvr>
+    <a:masterClrMapping/>
+  </p:clrMapOvr>
+</p:sld>
+</file>
+
+<file path=ppt/slides/slide20.xml><?xml version="1.0" encoding="utf-8"?>
+<p:sld xmlns:a="http://schemas.openxmlformats.org/drawingml/2006/main" xmlns:r="http://schemas.openxmlformats.org/officeDocument/2006/relationships" xmlns:p="http://schemas.openxmlformats.org/presentationml/2006/main">
+  <p:cSld>
+    <p:spTree>
+      <p:nvGrpSpPr>
+        <p:cNvPr id="1" name=""/>
+        <p:cNvGrpSpPr/>
+        <p:nvPr/>
+      </p:nvGrpSpPr>
+      <p:grpSpPr>
+        <a:xfrm>
+          <a:off x="0" y="0"/>
+          <a:ext cx="0" cy="0"/>
+          <a:chOff x="0" y="0"/>
+          <a:chExt cx="0" cy="0"/>
+        </a:xfrm>
+      </p:grpSpPr>
+      <p:sp>
+        <p:nvSpPr>
+          <p:cNvPr id="2" name="제목 1"/>
+          <p:cNvSpPr>
+            <a:spLocks noGrp="1"/>
+          </p:cNvSpPr>
+          <p:nvPr>
+            <p:ph type="title"/>
+          </p:nvPr>
+        </p:nvSpPr>
+        <p:spPr/>
+        <p:txBody>
+          <a:bodyPr>
+            <a:normAutofit/>
+          </a:bodyPr>
+          <a:lstStyle/>
+          <a:p>
+            <a:r>
+              <a:rPr lang="en-US" altLang="ko-KR" sz="3600" dirty="0"/>
+              <a:t>4.</a:t>
+            </a:r>
+            <a:r>
+              <a:rPr lang="ko-KR" altLang="en-US" sz="3600" dirty="0"/>
+              <a:t> 뱀</a:t>
+            </a:r>
+            <a:r>
+              <a:rPr lang="en-US" altLang="ko-KR" sz="3600" dirty="0"/>
+              <a:t>(Snake)</a:t>
+            </a:r>
+            <a:r>
+              <a:rPr lang="ko-KR" altLang="en-US" sz="3600" dirty="0"/>
+              <a:t>이 경계</a:t>
+            </a:r>
+            <a:r>
+              <a:rPr lang="en-US" altLang="ko-KR" sz="3600" dirty="0"/>
+              <a:t>(</a:t>
+            </a:r>
+            <a:r>
+              <a:rPr lang="ko-KR" altLang="en-US" sz="3600" dirty="0"/>
+              <a:t>벽</a:t>
+            </a:r>
+            <a:r>
+              <a:rPr lang="en-US" altLang="ko-KR" sz="3600" dirty="0"/>
+              <a:t>)</a:t>
+            </a:r>
+            <a:r>
+              <a:rPr lang="ko-KR" altLang="en-US" sz="3600" dirty="0"/>
+              <a:t>에 부딪히면 게임 오버</a:t>
+            </a:r>
+          </a:p>
+        </p:txBody>
+      </p:sp>
+      <p:cxnSp>
+        <p:nvCxnSpPr>
+          <p:cNvPr id="4" name="직선 연결선 3"/>
+          <p:cNvCxnSpPr/>
+          <p:nvPr/>
+        </p:nvCxnSpPr>
+        <p:spPr>
+          <a:xfrm>
+            <a:off x="220718" y="1690688"/>
+            <a:ext cx="11429999" cy="0"/>
+          </a:xfrm>
+          <a:prstGeom prst="line">
+            <a:avLst/>
+          </a:prstGeom>
+          <a:ln w="57150">
+            <a:solidFill>
+              <a:srgbClr val="00B050"/>
+            </a:solidFill>
+          </a:ln>
+        </p:spPr>
+        <p:style>
+          <a:lnRef idx="1">
+            <a:schemeClr val="accent1"/>
+          </a:lnRef>
+          <a:fillRef idx="0">
+            <a:schemeClr val="accent1"/>
+          </a:fillRef>
+          <a:effectRef idx="0">
+            <a:schemeClr val="accent1"/>
+          </a:effectRef>
+          <a:fontRef idx="minor">
+            <a:schemeClr val="tx1"/>
+          </a:fontRef>
+        </p:style>
+      </p:cxnSp>
+      <p:cxnSp>
+        <p:nvCxnSpPr>
+          <p:cNvPr id="5" name="직선 연결선 4"/>
+          <p:cNvCxnSpPr/>
+          <p:nvPr/>
+        </p:nvCxnSpPr>
+        <p:spPr>
+          <a:xfrm flipH="1">
+            <a:off x="522067" y="488731"/>
+            <a:ext cx="490" cy="1655379"/>
+          </a:xfrm>
+          <a:prstGeom prst="line">
+            <a:avLst/>
+          </a:prstGeom>
+          <a:ln w="28575">
+            <a:solidFill>
+              <a:srgbClr val="92D050"/>
+            </a:solidFill>
+          </a:ln>
+        </p:spPr>
+        <p:style>
+          <a:lnRef idx="1">
+            <a:schemeClr val="accent1"/>
+          </a:lnRef>
+          <a:fillRef idx="0">
+            <a:schemeClr val="accent1"/>
+          </a:fillRef>
+          <a:effectRef idx="0">
+            <a:schemeClr val="accent1"/>
+          </a:effectRef>
+          <a:fontRef idx="minor">
+            <a:schemeClr val="tx1"/>
+          </a:fontRef>
+        </p:style>
+      </p:cxnSp>
+      <p:pic>
+        <p:nvPicPr>
+          <p:cNvPr id="6" name="내용 개체 틀 5"/>
+          <p:cNvPicPr>
+            <a:picLocks noGrp="1" noChangeAspect="1"/>
+          </p:cNvPicPr>
+          <p:nvPr>
+            <p:ph idx="1"/>
+          </p:nvPr>
+        </p:nvPicPr>
+        <p:blipFill>
+          <a:blip r:embed="rId2"/>
+          <a:stretch>
+            <a:fillRect/>
+          </a:stretch>
+        </p:blipFill>
+        <p:spPr>
+          <a:xfrm>
+            <a:off x="1040031" y="1970688"/>
+            <a:ext cx="10153487" cy="4368515"/>
+          </a:xfrm>
+          <a:prstGeom prst="rect">
+            <a:avLst/>
+          </a:prstGeom>
+        </p:spPr>
+      </p:pic>
+      <p:sp>
+        <p:nvSpPr>
+          <p:cNvPr id="7" name="TextBox 6"/>
+          <p:cNvSpPr txBox="1"/>
+          <p:nvPr/>
+        </p:nvSpPr>
+        <p:spPr>
+          <a:xfrm>
+            <a:off x="10758925" y="6434536"/>
+            <a:ext cx="1189749" cy="369332"/>
+          </a:xfrm>
+          <a:prstGeom prst="rect">
+            <a:avLst/>
+          </a:prstGeom>
+          <a:noFill/>
+        </p:spPr>
+        <p:txBody>
+          <a:bodyPr wrap="none" rtlCol="0">
+            <a:spAutoFit/>
+          </a:bodyPr>
+          <a:lstStyle/>
+          <a:p>
+            <a:r>
+              <a:rPr lang="ko-KR" altLang="en-US" dirty="0" smtClean="0"/>
+              <a:t>뒤에 계속</a:t>
+            </a:r>
+            <a:endParaRPr lang="ko-KR" altLang="en-US" dirty="0"/>
+          </a:p>
+        </p:txBody>
+      </p:sp>
+    </p:spTree>
+    <p:extLst>
+      <p:ext uri="{BB962C8B-B14F-4D97-AF65-F5344CB8AC3E}">
+        <p14:creationId xmlns:p14="http://schemas.microsoft.com/office/powerpoint/2010/main" val="3277030609"/>
+      </p:ext>
+    </p:extLst>
+  </p:cSld>
+  <p:clrMapOvr>
+    <a:masterClrMapping/>
+  </p:clrMapOvr>
+</p:sld>
+</file>
+
+<file path=ppt/slides/slide21.xml><?xml version="1.0" encoding="utf-8"?>
+<p:sld xmlns:a="http://schemas.openxmlformats.org/drawingml/2006/main" xmlns:r="http://schemas.openxmlformats.org/officeDocument/2006/relationships" xmlns:p="http://schemas.openxmlformats.org/presentationml/2006/main">
+  <p:cSld>
+    <p:spTree>
+      <p:nvGrpSpPr>
+        <p:cNvPr id="1" name=""/>
+        <p:cNvGrpSpPr/>
+        <p:nvPr/>
+      </p:nvGrpSpPr>
+      <p:grpSpPr>
+        <a:xfrm>
+          <a:off x="0" y="0"/>
+          <a:ext cx="0" cy="0"/>
+          <a:chOff x="0" y="0"/>
+          <a:chExt cx="0" cy="0"/>
+        </a:xfrm>
+      </p:grpSpPr>
+      <p:sp>
+        <p:nvSpPr>
+          <p:cNvPr id="2" name="제목 1"/>
+          <p:cNvSpPr>
+            <a:spLocks noGrp="1"/>
+          </p:cNvSpPr>
+          <p:nvPr>
+            <p:ph type="title"/>
+          </p:nvPr>
+        </p:nvSpPr>
+        <p:spPr/>
+        <p:txBody>
+          <a:bodyPr>
+            <a:normAutofit/>
+          </a:bodyPr>
+          <a:lstStyle/>
+          <a:p>
+            <a:r>
+              <a:rPr lang="en-US" altLang="ko-KR" sz="3600" dirty="0"/>
+              <a:t>4.</a:t>
+            </a:r>
+            <a:r>
+              <a:rPr lang="ko-KR" altLang="en-US" sz="3600" dirty="0"/>
+              <a:t> 뱀</a:t>
+            </a:r>
+            <a:r>
+              <a:rPr lang="en-US" altLang="ko-KR" sz="3600" dirty="0"/>
+              <a:t>(Snake)</a:t>
+            </a:r>
+            <a:r>
+              <a:rPr lang="ko-KR" altLang="en-US" sz="3600" dirty="0"/>
+              <a:t>이 경계</a:t>
+            </a:r>
+            <a:r>
+              <a:rPr lang="en-US" altLang="ko-KR" sz="3600" dirty="0"/>
+              <a:t>(</a:t>
+            </a:r>
+            <a:r>
+              <a:rPr lang="ko-KR" altLang="en-US" sz="3600" dirty="0"/>
+              <a:t>벽</a:t>
+            </a:r>
+            <a:r>
+              <a:rPr lang="en-US" altLang="ko-KR" sz="3600" dirty="0"/>
+              <a:t>)</a:t>
+            </a:r>
+            <a:r>
+              <a:rPr lang="ko-KR" altLang="en-US" sz="3600" dirty="0"/>
+              <a:t>에 부딪히면 게임 오버</a:t>
+            </a:r>
+          </a:p>
+        </p:txBody>
+      </p:sp>
+      <p:cxnSp>
+        <p:nvCxnSpPr>
+          <p:cNvPr id="4" name="직선 연결선 3"/>
+          <p:cNvCxnSpPr/>
+          <p:nvPr/>
+        </p:nvCxnSpPr>
+        <p:spPr>
+          <a:xfrm>
+            <a:off x="220718" y="1690688"/>
+            <a:ext cx="11429999" cy="0"/>
+          </a:xfrm>
+          <a:prstGeom prst="line">
+            <a:avLst/>
+          </a:prstGeom>
+          <a:ln w="57150">
+            <a:solidFill>
+              <a:srgbClr val="00B050"/>
+            </a:solidFill>
+          </a:ln>
+        </p:spPr>
+        <p:style>
+          <a:lnRef idx="1">
+            <a:schemeClr val="accent1"/>
+          </a:lnRef>
+          <a:fillRef idx="0">
+            <a:schemeClr val="accent1"/>
+          </a:fillRef>
+          <a:effectRef idx="0">
+            <a:schemeClr val="accent1"/>
+          </a:effectRef>
+          <a:fontRef idx="minor">
+            <a:schemeClr val="tx1"/>
+          </a:fontRef>
+        </p:style>
+      </p:cxnSp>
+      <p:cxnSp>
+        <p:nvCxnSpPr>
+          <p:cNvPr id="5" name="직선 연결선 4"/>
+          <p:cNvCxnSpPr/>
+          <p:nvPr/>
+        </p:nvCxnSpPr>
+        <p:spPr>
+          <a:xfrm flipH="1">
+            <a:off x="522067" y="488731"/>
+            <a:ext cx="490" cy="1655379"/>
+          </a:xfrm>
+          <a:prstGeom prst="line">
+            <a:avLst/>
+          </a:prstGeom>
+          <a:ln w="28575">
+            <a:solidFill>
+              <a:srgbClr val="92D050"/>
+            </a:solidFill>
+          </a:ln>
+        </p:spPr>
+        <p:style>
+          <a:lnRef idx="1">
+            <a:schemeClr val="accent1"/>
+          </a:lnRef>
+          <a:fillRef idx="0">
+            <a:schemeClr val="accent1"/>
+          </a:fillRef>
+          <a:effectRef idx="0">
+            <a:schemeClr val="accent1"/>
+          </a:effectRef>
+          <a:fontRef idx="minor">
+            <a:schemeClr val="tx1"/>
+          </a:fontRef>
+        </p:style>
+      </p:cxnSp>
+      <p:pic>
+        <p:nvPicPr>
+          <p:cNvPr id="6" name="내용 개체 틀 5"/>
+          <p:cNvPicPr>
+            <a:picLocks noGrp="1" noChangeAspect="1"/>
+          </p:cNvPicPr>
+          <p:nvPr>
+            <p:ph idx="1"/>
+          </p:nvPr>
+        </p:nvPicPr>
+        <p:blipFill>
+          <a:blip r:embed="rId2"/>
+          <a:stretch>
+            <a:fillRect/>
+          </a:stretch>
+        </p:blipFill>
+        <p:spPr>
+          <a:xfrm>
+            <a:off x="838200" y="2017986"/>
+            <a:ext cx="10515600" cy="4493173"/>
+          </a:xfrm>
+          <a:prstGeom prst="rect">
+            <a:avLst/>
+          </a:prstGeom>
+        </p:spPr>
+      </p:pic>
+    </p:spTree>
+    <p:extLst>
+      <p:ext uri="{BB962C8B-B14F-4D97-AF65-F5344CB8AC3E}">
+        <p14:creationId xmlns:p14="http://schemas.microsoft.com/office/powerpoint/2010/main" val="126110199"/>
+      </p:ext>
+    </p:extLst>
+  </p:cSld>
+  <p:clrMapOvr>
+    <a:masterClrMapping/>
+  </p:clrMapOvr>
+</p:sld>
+</file>
+
+<file path=ppt/slides/slide22.xml><?xml version="1.0" encoding="utf-8"?>
+<p:sld xmlns:a="http://schemas.openxmlformats.org/drawingml/2006/main" xmlns:r="http://schemas.openxmlformats.org/officeDocument/2006/relationships" xmlns:p="http://schemas.openxmlformats.org/presentationml/2006/main">
+  <p:cSld>
+    <p:spTree>
+      <p:nvGrpSpPr>
+        <p:cNvPr id="1" name=""/>
+        <p:cNvGrpSpPr/>
+        <p:nvPr/>
+      </p:nvGrpSpPr>
+      <p:grpSpPr>
+        <a:xfrm>
+          <a:off x="0" y="0"/>
+          <a:ext cx="0" cy="0"/>
+          <a:chOff x="0" y="0"/>
+          <a:chExt cx="0" cy="0"/>
+        </a:xfrm>
+      </p:grpSpPr>
+      <p:sp>
+        <p:nvSpPr>
+          <p:cNvPr id="2" name="제목 1"/>
+          <p:cNvSpPr>
+            <a:spLocks noGrp="1"/>
+          </p:cNvSpPr>
+          <p:nvPr>
+            <p:ph type="title"/>
+          </p:nvPr>
+        </p:nvSpPr>
+        <p:spPr/>
+        <p:txBody>
+          <a:bodyPr/>
+          <a:lstStyle/>
+          <a:p>
+            <a:endParaRPr lang="ko-KR" altLang="en-US"/>
+          </a:p>
+        </p:txBody>
+      </p:sp>
+      <p:cxnSp>
+        <p:nvCxnSpPr>
+          <p:cNvPr id="4" name="직선 연결선 3"/>
+          <p:cNvCxnSpPr/>
+          <p:nvPr/>
+        </p:nvCxnSpPr>
+        <p:spPr>
+          <a:xfrm>
+            <a:off x="220718" y="1690688"/>
+            <a:ext cx="11429999" cy="0"/>
+          </a:xfrm>
+          <a:prstGeom prst="line">
+            <a:avLst/>
+          </a:prstGeom>
+          <a:ln w="57150">
+            <a:solidFill>
+              <a:srgbClr val="00B050"/>
+            </a:solidFill>
+          </a:ln>
+        </p:spPr>
+        <p:style>
+          <a:lnRef idx="1">
+            <a:schemeClr val="accent1"/>
+          </a:lnRef>
+          <a:fillRef idx="0">
+            <a:schemeClr val="accent1"/>
+          </a:fillRef>
+          <a:effectRef idx="0">
+            <a:schemeClr val="accent1"/>
+          </a:effectRef>
+          <a:fontRef idx="minor">
+            <a:schemeClr val="tx1"/>
+          </a:fontRef>
+        </p:style>
+      </p:cxnSp>
+      <p:cxnSp>
+        <p:nvCxnSpPr>
+          <p:cNvPr id="5" name="직선 연결선 4"/>
+          <p:cNvCxnSpPr/>
+          <p:nvPr/>
+        </p:nvCxnSpPr>
+        <p:spPr>
+          <a:xfrm flipH="1">
+            <a:off x="522067" y="488731"/>
+            <a:ext cx="490" cy="1655379"/>
+          </a:xfrm>
+          <a:prstGeom prst="line">
+            <a:avLst/>
+          </a:prstGeom>
+          <a:ln w="28575">
+            <a:solidFill>
+              <a:srgbClr val="92D050"/>
+            </a:solidFill>
+          </a:ln>
+        </p:spPr>
+        <p:style>
+          <a:lnRef idx="1">
+            <a:schemeClr val="accent1"/>
+          </a:lnRef>
+          <a:fillRef idx="0">
+            <a:schemeClr val="accent1"/>
+          </a:fillRef>
+          <a:effectRef idx="0">
+            <a:schemeClr val="accent1"/>
+          </a:effectRef>
+          <a:fontRef idx="minor">
+            <a:schemeClr val="tx1"/>
+          </a:fontRef>
+        </p:style>
+      </p:cxnSp>
+      <p:sp>
+        <p:nvSpPr>
+          <p:cNvPr id="3" name="내용 개체 틀 2"/>
+          <p:cNvSpPr>
+            <a:spLocks noGrp="1"/>
+          </p:cNvSpPr>
+          <p:nvPr>
+            <p:ph idx="1"/>
+          </p:nvPr>
+        </p:nvSpPr>
+        <p:spPr/>
+        <p:txBody>
+          <a:bodyPr/>
+          <a:lstStyle/>
+          <a:p>
+            <a:endParaRPr lang="ko-KR" altLang="en-US"/>
+          </a:p>
+        </p:txBody>
+      </p:sp>
+    </p:spTree>
+    <p:extLst>
+      <p:ext uri="{BB962C8B-B14F-4D97-AF65-F5344CB8AC3E}">
+        <p14:creationId xmlns:p14="http://schemas.microsoft.com/office/powerpoint/2010/main" val="1634890966"/>
       </p:ext>
     </p:extLst>
   </p:cSld>

--- a/snake.pptx
+++ b/snake.pptx
@@ -27,6 +27,14 @@
     <p:sldId id="275" r:id="rId21"/>
     <p:sldId id="276" r:id="rId22"/>
     <p:sldId id="277" r:id="rId23"/>
+    <p:sldId id="278" r:id="rId24"/>
+    <p:sldId id="279" r:id="rId25"/>
+    <p:sldId id="280" r:id="rId26"/>
+    <p:sldId id="281" r:id="rId27"/>
+    <p:sldId id="282" r:id="rId28"/>
+    <p:sldId id="283" r:id="rId29"/>
+    <p:sldId id="284" r:id="rId30"/>
+    <p:sldId id="285" r:id="rId31"/>
   </p:sldIdLst>
   <p:sldSz cx="12192000" cy="6858000"/>
   <p:notesSz cx="6858000" cy="9144000"/>
@@ -125,6 +133,11 @@
       </a:defRPr>
     </a:lvl9pPr>
   </p:defaultTextStyle>
+  <p:extLst>
+    <p:ext uri="{EFAFB233-063F-42B5-8137-9DF3F51BA10A}">
+      <p15:sldGuideLst xmlns:p15="http://schemas.microsoft.com/office/powerpoint/2012/main"/>
+    </p:ext>
+  </p:extLst>
 </p:presentation>
 </file>
 
@@ -170,10 +183,9 @@
           </a:lstStyle>
           <a:p>
             <a:r>
-              <a:rPr lang="ko-KR" altLang="en-US" smtClean="0"/>
+              <a:rPr lang="ko-KR" altLang="en-US"/>
               <a:t>마스터 제목 스타일 편집</a:t>
             </a:r>
-            <a:endParaRPr lang="ko-KR" altLang="en-US"/>
           </a:p>
         </p:txBody>
       </p:sp>
@@ -235,10 +247,9 @@
           </a:lstStyle>
           <a:p>
             <a:r>
-              <a:rPr lang="ko-KR" altLang="en-US" smtClean="0"/>
+              <a:rPr lang="ko-KR" altLang="en-US"/>
               <a:t>클릭하여 마스터 부제목 스타일 편집</a:t>
             </a:r>
-            <a:endParaRPr lang="ko-KR" altLang="en-US"/>
           </a:p>
         </p:txBody>
       </p:sp>
@@ -353,10 +364,9 @@
           <a:lstStyle/>
           <a:p>
             <a:r>
-              <a:rPr lang="ko-KR" altLang="en-US" smtClean="0"/>
+              <a:rPr lang="ko-KR" altLang="en-US"/>
               <a:t>마스터 제목 스타일 편집</a:t>
             </a:r>
-            <a:endParaRPr lang="ko-KR" altLang="en-US"/>
           </a:p>
         </p:txBody>
       </p:sp>
@@ -377,38 +387,37 @@
           <a:p>
             <a:pPr lvl="0"/>
             <a:r>
-              <a:rPr lang="ko-KR" altLang="en-US" smtClean="0"/>
+              <a:rPr lang="ko-KR" altLang="en-US"/>
               <a:t>마스터 텍스트 스타일 편집</a:t>
             </a:r>
           </a:p>
           <a:p>
             <a:pPr lvl="1"/>
             <a:r>
-              <a:rPr lang="ko-KR" altLang="en-US" smtClean="0"/>
+              <a:rPr lang="ko-KR" altLang="en-US"/>
               <a:t>둘째 수준</a:t>
             </a:r>
           </a:p>
           <a:p>
             <a:pPr lvl="2"/>
             <a:r>
-              <a:rPr lang="ko-KR" altLang="en-US" smtClean="0"/>
+              <a:rPr lang="ko-KR" altLang="en-US"/>
               <a:t>셋째 수준</a:t>
             </a:r>
           </a:p>
           <a:p>
             <a:pPr lvl="3"/>
             <a:r>
-              <a:rPr lang="ko-KR" altLang="en-US" smtClean="0"/>
+              <a:rPr lang="ko-KR" altLang="en-US"/>
               <a:t>넷째 수준</a:t>
             </a:r>
           </a:p>
           <a:p>
             <a:pPr lvl="4"/>
             <a:r>
-              <a:rPr lang="ko-KR" altLang="en-US" smtClean="0"/>
+              <a:rPr lang="ko-KR" altLang="en-US"/>
               <a:t>다섯째 수준</a:t>
             </a:r>
-            <a:endParaRPr lang="ko-KR" altLang="en-US"/>
           </a:p>
         </p:txBody>
       </p:sp>
@@ -528,10 +537,9 @@
           <a:lstStyle/>
           <a:p>
             <a:r>
-              <a:rPr lang="ko-KR" altLang="en-US" smtClean="0"/>
+              <a:rPr lang="ko-KR" altLang="en-US"/>
               <a:t>마스터 제목 스타일 편집</a:t>
             </a:r>
-            <a:endParaRPr lang="ko-KR" altLang="en-US"/>
           </a:p>
         </p:txBody>
       </p:sp>
@@ -557,38 +565,37 @@
           <a:p>
             <a:pPr lvl="0"/>
             <a:r>
-              <a:rPr lang="ko-KR" altLang="en-US" smtClean="0"/>
+              <a:rPr lang="ko-KR" altLang="en-US"/>
               <a:t>마스터 텍스트 스타일 편집</a:t>
             </a:r>
           </a:p>
           <a:p>
             <a:pPr lvl="1"/>
             <a:r>
-              <a:rPr lang="ko-KR" altLang="en-US" smtClean="0"/>
+              <a:rPr lang="ko-KR" altLang="en-US"/>
               <a:t>둘째 수준</a:t>
             </a:r>
           </a:p>
           <a:p>
             <a:pPr lvl="2"/>
             <a:r>
-              <a:rPr lang="ko-KR" altLang="en-US" smtClean="0"/>
+              <a:rPr lang="ko-KR" altLang="en-US"/>
               <a:t>셋째 수준</a:t>
             </a:r>
           </a:p>
           <a:p>
             <a:pPr lvl="3"/>
             <a:r>
-              <a:rPr lang="ko-KR" altLang="en-US" smtClean="0"/>
+              <a:rPr lang="ko-KR" altLang="en-US"/>
               <a:t>넷째 수준</a:t>
             </a:r>
           </a:p>
           <a:p>
             <a:pPr lvl="4"/>
             <a:r>
-              <a:rPr lang="ko-KR" altLang="en-US" smtClean="0"/>
+              <a:rPr lang="ko-KR" altLang="en-US"/>
               <a:t>다섯째 수준</a:t>
             </a:r>
-            <a:endParaRPr lang="ko-KR" altLang="en-US"/>
           </a:p>
         </p:txBody>
       </p:sp>
@@ -703,10 +710,9 @@
           <a:lstStyle/>
           <a:p>
             <a:r>
-              <a:rPr lang="ko-KR" altLang="en-US" smtClean="0"/>
+              <a:rPr lang="ko-KR" altLang="en-US"/>
               <a:t>마스터 제목 스타일 편집</a:t>
             </a:r>
-            <a:endParaRPr lang="ko-KR" altLang="en-US"/>
           </a:p>
         </p:txBody>
       </p:sp>
@@ -727,38 +733,37 @@
           <a:p>
             <a:pPr lvl="0"/>
             <a:r>
-              <a:rPr lang="ko-KR" altLang="en-US" smtClean="0"/>
+              <a:rPr lang="ko-KR" altLang="en-US"/>
               <a:t>마스터 텍스트 스타일 편집</a:t>
             </a:r>
           </a:p>
           <a:p>
             <a:pPr lvl="1"/>
             <a:r>
-              <a:rPr lang="ko-KR" altLang="en-US" smtClean="0"/>
+              <a:rPr lang="ko-KR" altLang="en-US"/>
               <a:t>둘째 수준</a:t>
             </a:r>
           </a:p>
           <a:p>
             <a:pPr lvl="2"/>
             <a:r>
-              <a:rPr lang="ko-KR" altLang="en-US" smtClean="0"/>
+              <a:rPr lang="ko-KR" altLang="en-US"/>
               <a:t>셋째 수준</a:t>
             </a:r>
           </a:p>
           <a:p>
             <a:pPr lvl="3"/>
             <a:r>
-              <a:rPr lang="ko-KR" altLang="en-US" smtClean="0"/>
+              <a:rPr lang="ko-KR" altLang="en-US"/>
               <a:t>넷째 수준</a:t>
             </a:r>
           </a:p>
           <a:p>
             <a:pPr lvl="4"/>
             <a:r>
-              <a:rPr lang="ko-KR" altLang="en-US" smtClean="0"/>
+              <a:rPr lang="ko-KR" altLang="en-US"/>
               <a:t>다섯째 수준</a:t>
             </a:r>
-            <a:endParaRPr lang="ko-KR" altLang="en-US"/>
           </a:p>
         </p:txBody>
       </p:sp>
@@ -882,10 +887,9 @@
           </a:lstStyle>
           <a:p>
             <a:r>
-              <a:rPr lang="ko-KR" altLang="en-US" smtClean="0"/>
+              <a:rPr lang="ko-KR" altLang="en-US"/>
               <a:t>마스터 제목 스타일 편집</a:t>
             </a:r>
-            <a:endParaRPr lang="ko-KR" altLang="en-US"/>
           </a:p>
         </p:txBody>
       </p:sp>
@@ -1002,7 +1006,7 @@
           <a:p>
             <a:pPr lvl="0"/>
             <a:r>
-              <a:rPr lang="ko-KR" altLang="en-US" smtClean="0"/>
+              <a:rPr lang="ko-KR" altLang="en-US"/>
               <a:t>마스터 텍스트 스타일 편집</a:t>
             </a:r>
           </a:p>
@@ -1119,10 +1123,9 @@
           <a:lstStyle/>
           <a:p>
             <a:r>
-              <a:rPr lang="ko-KR" altLang="en-US" smtClean="0"/>
+              <a:rPr lang="ko-KR" altLang="en-US"/>
               <a:t>마스터 제목 스타일 편집</a:t>
             </a:r>
-            <a:endParaRPr lang="ko-KR" altLang="en-US"/>
           </a:p>
         </p:txBody>
       </p:sp>
@@ -1148,38 +1151,37 @@
           <a:p>
             <a:pPr lvl="0"/>
             <a:r>
-              <a:rPr lang="ko-KR" altLang="en-US" smtClean="0"/>
+              <a:rPr lang="ko-KR" altLang="en-US"/>
               <a:t>마스터 텍스트 스타일 편집</a:t>
             </a:r>
           </a:p>
           <a:p>
             <a:pPr lvl="1"/>
             <a:r>
-              <a:rPr lang="ko-KR" altLang="en-US" smtClean="0"/>
+              <a:rPr lang="ko-KR" altLang="en-US"/>
               <a:t>둘째 수준</a:t>
             </a:r>
           </a:p>
           <a:p>
             <a:pPr lvl="2"/>
             <a:r>
-              <a:rPr lang="ko-KR" altLang="en-US" smtClean="0"/>
+              <a:rPr lang="ko-KR" altLang="en-US"/>
               <a:t>셋째 수준</a:t>
             </a:r>
           </a:p>
           <a:p>
             <a:pPr lvl="3"/>
             <a:r>
-              <a:rPr lang="ko-KR" altLang="en-US" smtClean="0"/>
+              <a:rPr lang="ko-KR" altLang="en-US"/>
               <a:t>넷째 수준</a:t>
             </a:r>
           </a:p>
           <a:p>
             <a:pPr lvl="4"/>
             <a:r>
-              <a:rPr lang="ko-KR" altLang="en-US" smtClean="0"/>
+              <a:rPr lang="ko-KR" altLang="en-US"/>
               <a:t>다섯째 수준</a:t>
             </a:r>
-            <a:endParaRPr lang="ko-KR" altLang="en-US"/>
           </a:p>
         </p:txBody>
       </p:sp>
@@ -1205,38 +1207,37 @@
           <a:p>
             <a:pPr lvl="0"/>
             <a:r>
-              <a:rPr lang="ko-KR" altLang="en-US" smtClean="0"/>
+              <a:rPr lang="ko-KR" altLang="en-US"/>
               <a:t>마스터 텍스트 스타일 편집</a:t>
             </a:r>
           </a:p>
           <a:p>
             <a:pPr lvl="1"/>
             <a:r>
-              <a:rPr lang="ko-KR" altLang="en-US" smtClean="0"/>
+              <a:rPr lang="ko-KR" altLang="en-US"/>
               <a:t>둘째 수준</a:t>
             </a:r>
           </a:p>
           <a:p>
             <a:pPr lvl="2"/>
             <a:r>
-              <a:rPr lang="ko-KR" altLang="en-US" smtClean="0"/>
+              <a:rPr lang="ko-KR" altLang="en-US"/>
               <a:t>셋째 수준</a:t>
             </a:r>
           </a:p>
           <a:p>
             <a:pPr lvl="3"/>
             <a:r>
-              <a:rPr lang="ko-KR" altLang="en-US" smtClean="0"/>
+              <a:rPr lang="ko-KR" altLang="en-US"/>
               <a:t>넷째 수준</a:t>
             </a:r>
           </a:p>
           <a:p>
             <a:pPr lvl="4"/>
             <a:r>
-              <a:rPr lang="ko-KR" altLang="en-US" smtClean="0"/>
+              <a:rPr lang="ko-KR" altLang="en-US"/>
               <a:t>다섯째 수준</a:t>
             </a:r>
-            <a:endParaRPr lang="ko-KR" altLang="en-US"/>
           </a:p>
         </p:txBody>
       </p:sp>
@@ -1356,10 +1357,9 @@
           <a:lstStyle/>
           <a:p>
             <a:r>
-              <a:rPr lang="ko-KR" altLang="en-US" smtClean="0"/>
+              <a:rPr lang="ko-KR" altLang="en-US"/>
               <a:t>마스터 제목 스타일 편집</a:t>
             </a:r>
-            <a:endParaRPr lang="ko-KR" altLang="en-US"/>
           </a:p>
         </p:txBody>
       </p:sp>
@@ -1422,7 +1422,7 @@
           <a:p>
             <a:pPr lvl="0"/>
             <a:r>
-              <a:rPr lang="ko-KR" altLang="en-US" smtClean="0"/>
+              <a:rPr lang="ko-KR" altLang="en-US"/>
               <a:t>마스터 텍스트 스타일 편집</a:t>
             </a:r>
           </a:p>
@@ -1450,38 +1450,37 @@
           <a:p>
             <a:pPr lvl="0"/>
             <a:r>
-              <a:rPr lang="ko-KR" altLang="en-US" smtClean="0"/>
+              <a:rPr lang="ko-KR" altLang="en-US"/>
               <a:t>마스터 텍스트 스타일 편집</a:t>
             </a:r>
           </a:p>
           <a:p>
             <a:pPr lvl="1"/>
             <a:r>
-              <a:rPr lang="ko-KR" altLang="en-US" smtClean="0"/>
+              <a:rPr lang="ko-KR" altLang="en-US"/>
               <a:t>둘째 수준</a:t>
             </a:r>
           </a:p>
           <a:p>
             <a:pPr lvl="2"/>
             <a:r>
-              <a:rPr lang="ko-KR" altLang="en-US" smtClean="0"/>
+              <a:rPr lang="ko-KR" altLang="en-US"/>
               <a:t>셋째 수준</a:t>
             </a:r>
           </a:p>
           <a:p>
             <a:pPr lvl="3"/>
             <a:r>
-              <a:rPr lang="ko-KR" altLang="en-US" smtClean="0"/>
+              <a:rPr lang="ko-KR" altLang="en-US"/>
               <a:t>넷째 수준</a:t>
             </a:r>
           </a:p>
           <a:p>
             <a:pPr lvl="4"/>
             <a:r>
-              <a:rPr lang="ko-KR" altLang="en-US" smtClean="0"/>
+              <a:rPr lang="ko-KR" altLang="en-US"/>
               <a:t>다섯째 수준</a:t>
             </a:r>
-            <a:endParaRPr lang="ko-KR" altLang="en-US"/>
           </a:p>
         </p:txBody>
       </p:sp>
@@ -1544,7 +1543,7 @@
           <a:p>
             <a:pPr lvl="0"/>
             <a:r>
-              <a:rPr lang="ko-KR" altLang="en-US" smtClean="0"/>
+              <a:rPr lang="ko-KR" altLang="en-US"/>
               <a:t>마스터 텍스트 스타일 편집</a:t>
             </a:r>
           </a:p>
@@ -1572,38 +1571,37 @@
           <a:p>
             <a:pPr lvl="0"/>
             <a:r>
-              <a:rPr lang="ko-KR" altLang="en-US" smtClean="0"/>
+              <a:rPr lang="ko-KR" altLang="en-US"/>
               <a:t>마스터 텍스트 스타일 편집</a:t>
             </a:r>
           </a:p>
           <a:p>
             <a:pPr lvl="1"/>
             <a:r>
-              <a:rPr lang="ko-KR" altLang="en-US" smtClean="0"/>
+              <a:rPr lang="ko-KR" altLang="en-US"/>
               <a:t>둘째 수준</a:t>
             </a:r>
           </a:p>
           <a:p>
             <a:pPr lvl="2"/>
             <a:r>
-              <a:rPr lang="ko-KR" altLang="en-US" smtClean="0"/>
+              <a:rPr lang="ko-KR" altLang="en-US"/>
               <a:t>셋째 수준</a:t>
             </a:r>
           </a:p>
           <a:p>
             <a:pPr lvl="3"/>
             <a:r>
-              <a:rPr lang="ko-KR" altLang="en-US" smtClean="0"/>
+              <a:rPr lang="ko-KR" altLang="en-US"/>
               <a:t>넷째 수준</a:t>
             </a:r>
           </a:p>
           <a:p>
             <a:pPr lvl="4"/>
             <a:r>
-              <a:rPr lang="ko-KR" altLang="en-US" smtClean="0"/>
+              <a:rPr lang="ko-KR" altLang="en-US"/>
               <a:t>다섯째 수준</a:t>
             </a:r>
-            <a:endParaRPr lang="ko-KR" altLang="en-US"/>
           </a:p>
         </p:txBody>
       </p:sp>
@@ -1718,10 +1716,9 @@
           <a:lstStyle/>
           <a:p>
             <a:r>
-              <a:rPr lang="ko-KR" altLang="en-US" smtClean="0"/>
+              <a:rPr lang="ko-KR" altLang="en-US"/>
               <a:t>마스터 제목 스타일 편집</a:t>
             </a:r>
-            <a:endParaRPr lang="ko-KR" altLang="en-US"/>
           </a:p>
         </p:txBody>
       </p:sp>
@@ -1940,10 +1937,9 @@
           </a:lstStyle>
           <a:p>
             <a:r>
-              <a:rPr lang="ko-KR" altLang="en-US" smtClean="0"/>
+              <a:rPr lang="ko-KR" altLang="en-US"/>
               <a:t>마스터 제목 스타일 편집</a:t>
             </a:r>
-            <a:endParaRPr lang="ko-KR" altLang="en-US"/>
           </a:p>
         </p:txBody>
       </p:sp>
@@ -1997,38 +1993,37 @@
           <a:p>
             <a:pPr lvl="0"/>
             <a:r>
-              <a:rPr lang="ko-KR" altLang="en-US" smtClean="0"/>
+              <a:rPr lang="ko-KR" altLang="en-US"/>
               <a:t>마스터 텍스트 스타일 편집</a:t>
             </a:r>
           </a:p>
           <a:p>
             <a:pPr lvl="1"/>
             <a:r>
-              <a:rPr lang="ko-KR" altLang="en-US" smtClean="0"/>
+              <a:rPr lang="ko-KR" altLang="en-US"/>
               <a:t>둘째 수준</a:t>
             </a:r>
           </a:p>
           <a:p>
             <a:pPr lvl="2"/>
             <a:r>
-              <a:rPr lang="ko-KR" altLang="en-US" smtClean="0"/>
+              <a:rPr lang="ko-KR" altLang="en-US"/>
               <a:t>셋째 수준</a:t>
             </a:r>
           </a:p>
           <a:p>
             <a:pPr lvl="3"/>
             <a:r>
-              <a:rPr lang="ko-KR" altLang="en-US" smtClean="0"/>
+              <a:rPr lang="ko-KR" altLang="en-US"/>
               <a:t>넷째 수준</a:t>
             </a:r>
           </a:p>
           <a:p>
             <a:pPr lvl="4"/>
             <a:r>
-              <a:rPr lang="ko-KR" altLang="en-US" smtClean="0"/>
+              <a:rPr lang="ko-KR" altLang="en-US"/>
               <a:t>다섯째 수준</a:t>
             </a:r>
-            <a:endParaRPr lang="ko-KR" altLang="en-US"/>
           </a:p>
         </p:txBody>
       </p:sp>
@@ -2091,7 +2086,7 @@
           <a:p>
             <a:pPr lvl="0"/>
             <a:r>
-              <a:rPr lang="ko-KR" altLang="en-US" smtClean="0"/>
+              <a:rPr lang="ko-KR" altLang="en-US"/>
               <a:t>마스터 텍스트 스타일 편집</a:t>
             </a:r>
           </a:p>
@@ -2217,10 +2212,9 @@
           </a:lstStyle>
           <a:p>
             <a:r>
-              <a:rPr lang="ko-KR" altLang="en-US" smtClean="0"/>
+              <a:rPr lang="ko-KR" altLang="en-US"/>
               <a:t>마스터 제목 스타일 편집</a:t>
             </a:r>
-            <a:endParaRPr lang="ko-KR" altLang="en-US"/>
           </a:p>
         </p:txBody>
       </p:sp>
@@ -2344,7 +2338,7 @@
           <a:p>
             <a:pPr lvl="0"/>
             <a:r>
-              <a:rPr lang="ko-KR" altLang="en-US" smtClean="0"/>
+              <a:rPr lang="ko-KR" altLang="en-US"/>
               <a:t>마스터 텍스트 스타일 편집</a:t>
             </a:r>
           </a:p>
@@ -2476,10 +2470,9 @@
           <a:lstStyle/>
           <a:p>
             <a:r>
-              <a:rPr lang="ko-KR" altLang="en-US" smtClean="0"/>
+              <a:rPr lang="ko-KR" altLang="en-US"/>
               <a:t>마스터 제목 스타일 편집</a:t>
             </a:r>
-            <a:endParaRPr lang="ko-KR" altLang="en-US"/>
           </a:p>
         </p:txBody>
       </p:sp>
@@ -2510,38 +2503,37 @@
           <a:p>
             <a:pPr lvl="0"/>
             <a:r>
-              <a:rPr lang="ko-KR" altLang="en-US" smtClean="0"/>
+              <a:rPr lang="ko-KR" altLang="en-US"/>
               <a:t>마스터 텍스트 스타일 편집</a:t>
             </a:r>
           </a:p>
           <a:p>
             <a:pPr lvl="1"/>
             <a:r>
-              <a:rPr lang="ko-KR" altLang="en-US" smtClean="0"/>
+              <a:rPr lang="ko-KR" altLang="en-US"/>
               <a:t>둘째 수준</a:t>
             </a:r>
           </a:p>
           <a:p>
             <a:pPr lvl="2"/>
             <a:r>
-              <a:rPr lang="ko-KR" altLang="en-US" smtClean="0"/>
+              <a:rPr lang="ko-KR" altLang="en-US"/>
               <a:t>셋째 수준</a:t>
             </a:r>
           </a:p>
           <a:p>
             <a:pPr lvl="3"/>
             <a:r>
-              <a:rPr lang="ko-KR" altLang="en-US" smtClean="0"/>
+              <a:rPr lang="ko-KR" altLang="en-US"/>
               <a:t>넷째 수준</a:t>
             </a:r>
           </a:p>
           <a:p>
             <a:pPr lvl="4"/>
             <a:r>
-              <a:rPr lang="ko-KR" altLang="en-US" smtClean="0"/>
+              <a:rPr lang="ko-KR" altLang="en-US"/>
               <a:t>다섯째 수준</a:t>
             </a:r>
-            <a:endParaRPr lang="ko-KR" altLang="en-US"/>
           </a:p>
         </p:txBody>
       </p:sp>
@@ -2997,7 +2989,7 @@
         </p:nvSpPr>
         <p:spPr>
           <a:xfrm>
-            <a:off x="3736428" y="1122363"/>
+            <a:off x="3219591" y="340484"/>
             <a:ext cx="6931572" cy="2387600"/>
           </a:xfrm>
         </p:spPr>
@@ -3011,7 +3003,7 @@
               </a:lnSpc>
             </a:pPr>
             <a:r>
-              <a:rPr lang="en-US" altLang="ko-KR" sz="3600" baseline="30000" dirty="0" smtClean="0">
+              <a:rPr lang="en-US" altLang="ko-KR" sz="3600" baseline="30000" dirty="0">
                 <a:solidFill>
                   <a:schemeClr val="bg2">
                     <a:lumMod val="75000"/>
@@ -3021,7 +3013,7 @@
               <a:t>Pygame</a:t>
             </a:r>
             <a:r>
-              <a:rPr lang="ko-KR" altLang="en-US" sz="3600" baseline="30000" dirty="0" smtClean="0">
+              <a:rPr lang="ko-KR" altLang="en-US" sz="3600" baseline="30000" dirty="0">
                 <a:solidFill>
                   <a:schemeClr val="bg2">
                     <a:lumMod val="75000"/>
@@ -3031,7 +3023,7 @@
               <a:t>을 </a:t>
             </a:r>
             <a:r>
-              <a:rPr lang="ko-KR" altLang="en-US" sz="3600" dirty="0" smtClean="0">
+              <a:rPr lang="ko-KR" altLang="en-US" sz="3600" dirty="0">
                 <a:solidFill>
                   <a:schemeClr val="bg2">
                     <a:lumMod val="75000"/>
@@ -3040,26 +3032,21 @@
               </a:rPr>
               <a:t>이용한</a:t>
             </a:r>
-            <a:r>
-              <a:rPr lang="en-US" altLang="ko-KR" baseline="30000" dirty="0" smtClean="0"/>
-              <a:t/>
-            </a:r>
             <a:br>
-              <a:rPr lang="en-US" altLang="ko-KR" baseline="30000" dirty="0" smtClean="0"/>
+              <a:rPr lang="en-US" altLang="ko-KR" baseline="30000" dirty="0"/>
             </a:br>
             <a:r>
-              <a:rPr lang="ko-KR" altLang="en-US" baseline="30000" dirty="0" smtClean="0"/>
+              <a:rPr lang="ko-KR" altLang="en-US" baseline="30000" dirty="0"/>
               <a:t>뱀</a:t>
             </a:r>
             <a:r>
-              <a:rPr lang="en-US" altLang="ko-KR" baseline="30000" dirty="0" smtClean="0"/>
+              <a:rPr lang="en-US" altLang="ko-KR" baseline="30000" dirty="0"/>
               <a:t>(Snake) </a:t>
             </a:r>
             <a:r>
-              <a:rPr lang="ko-KR" altLang="en-US" baseline="30000" dirty="0" smtClean="0"/>
+              <a:rPr lang="ko-KR" altLang="en-US" baseline="30000" dirty="0"/>
               <a:t>게임 만들기</a:t>
             </a:r>
-            <a:endParaRPr lang="ko-KR" altLang="en-US" baseline="30000" dirty="0"/>
           </a:p>
         </p:txBody>
       </p:sp>
@@ -3075,8 +3062,8 @@
         </p:nvSpPr>
         <p:spPr>
           <a:xfrm>
-            <a:off x="4197005" y="3602038"/>
-            <a:ext cx="7059573" cy="2071796"/>
+            <a:off x="3680168" y="2820158"/>
+            <a:ext cx="7059573" cy="2599979"/>
           </a:xfrm>
         </p:spPr>
         <p:txBody>
@@ -3089,80 +3076,89 @@
               <a:buAutoNum type="arabicPeriod"/>
             </a:pPr>
             <a:r>
-              <a:rPr lang="ko-KR" altLang="en-US" dirty="0" smtClean="0"/>
+              <a:rPr lang="ko-KR" altLang="en-US" dirty="0"/>
               <a:t>화면 만들기</a:t>
             </a:r>
-            <a:endParaRPr lang="en-US" altLang="ko-KR" dirty="0" smtClean="0"/>
+            <a:endParaRPr lang="en-US" altLang="ko-KR" dirty="0"/>
           </a:p>
           <a:p>
             <a:pPr marL="457200" indent="-457200" algn="l">
               <a:buAutoNum type="arabicPeriod"/>
             </a:pPr>
             <a:r>
-              <a:rPr lang="ko-KR" altLang="en-US" dirty="0" smtClean="0"/>
+              <a:rPr lang="ko-KR" altLang="en-US" dirty="0"/>
               <a:t>뱀</a:t>
             </a:r>
             <a:r>
-              <a:rPr lang="en-US" altLang="ko-KR" dirty="0" smtClean="0"/>
+              <a:rPr lang="en-US" altLang="ko-KR" dirty="0"/>
               <a:t>(Snake) </a:t>
             </a:r>
             <a:r>
-              <a:rPr lang="ko-KR" altLang="en-US" dirty="0" smtClean="0"/>
+              <a:rPr lang="ko-KR" altLang="en-US" dirty="0"/>
               <a:t>그리기</a:t>
             </a:r>
-            <a:endParaRPr lang="en-US" altLang="ko-KR" dirty="0" smtClean="0"/>
+            <a:endParaRPr lang="en-US" altLang="ko-KR" dirty="0"/>
           </a:p>
           <a:p>
             <a:pPr marL="457200" indent="-457200" algn="l">
               <a:buAutoNum type="arabicPeriod"/>
             </a:pPr>
             <a:r>
-              <a:rPr lang="ko-KR" altLang="en-US" dirty="0" smtClean="0"/>
+              <a:rPr lang="ko-KR" altLang="en-US" dirty="0"/>
               <a:t>뱀</a:t>
             </a:r>
             <a:r>
-              <a:rPr lang="en-US" altLang="ko-KR" dirty="0" smtClean="0"/>
+              <a:rPr lang="en-US" altLang="ko-KR" dirty="0"/>
               <a:t>(Snake) </a:t>
             </a:r>
             <a:r>
-              <a:rPr lang="ko-KR" altLang="en-US" dirty="0" smtClean="0"/>
+              <a:rPr lang="ko-KR" altLang="en-US" dirty="0"/>
               <a:t>움직이기</a:t>
             </a:r>
-            <a:endParaRPr lang="en-US" altLang="ko-KR" dirty="0" smtClean="0"/>
+            <a:endParaRPr lang="en-US" altLang="ko-KR" dirty="0"/>
           </a:p>
           <a:p>
             <a:pPr marL="457200" indent="-457200" algn="l">
               <a:buAutoNum type="arabicPeriod"/>
             </a:pPr>
             <a:r>
-              <a:rPr lang="ko-KR" altLang="en-US" dirty="0" smtClean="0"/>
+              <a:rPr lang="ko-KR" altLang="en-US" dirty="0"/>
               <a:t>뱀</a:t>
             </a:r>
             <a:r>
-              <a:rPr lang="en-US" altLang="ko-KR" dirty="0" smtClean="0"/>
+              <a:rPr lang="en-US" altLang="ko-KR" dirty="0"/>
               <a:t>(Snake)</a:t>
             </a:r>
             <a:r>
-              <a:rPr lang="ko-KR" altLang="en-US" dirty="0" smtClean="0"/>
+              <a:rPr lang="ko-KR" altLang="en-US" dirty="0"/>
               <a:t>이 경계</a:t>
             </a:r>
             <a:r>
-              <a:rPr lang="en-US" altLang="ko-KR" dirty="0" smtClean="0"/>
+              <a:rPr lang="en-US" altLang="ko-KR" dirty="0"/>
               <a:t>(</a:t>
             </a:r>
             <a:r>
-              <a:rPr lang="ko-KR" altLang="en-US" dirty="0" smtClean="0"/>
+              <a:rPr lang="ko-KR" altLang="en-US" dirty="0"/>
               <a:t>벽</a:t>
             </a:r>
             <a:r>
-              <a:rPr lang="en-US" altLang="ko-KR" dirty="0" smtClean="0"/>
+              <a:rPr lang="en-US" altLang="ko-KR" dirty="0"/>
               <a:t>)</a:t>
             </a:r>
             <a:r>
-              <a:rPr lang="ko-KR" altLang="en-US" dirty="0" smtClean="0"/>
+              <a:rPr lang="ko-KR" altLang="en-US" dirty="0"/>
               <a:t>에 부딪히면 게임 오버</a:t>
             </a:r>
-            <a:endParaRPr lang="ko-KR" altLang="en-US" dirty="0"/>
+            <a:endParaRPr lang="en-US" altLang="ko-KR" dirty="0"/>
+          </a:p>
+          <a:p>
+            <a:pPr marL="457200" indent="-457200" algn="l">
+              <a:buAutoNum type="arabicPeriod"/>
+            </a:pPr>
+            <a:r>
+              <a:rPr lang="ko-KR" altLang="en-US" dirty="0"/>
+              <a:t>음식 추가하기</a:t>
+            </a:r>
           </a:p>
         </p:txBody>
       </p:sp>
@@ -3174,7 +3170,7 @@
         </p:nvCxnSpPr>
         <p:spPr>
           <a:xfrm>
-            <a:off x="1986455" y="3263462"/>
+            <a:off x="1469618" y="2481583"/>
             <a:ext cx="9270124" cy="0"/>
           </a:xfrm>
           <a:prstGeom prst="line">
@@ -3209,7 +3205,7 @@
         </p:nvCxnSpPr>
         <p:spPr>
           <a:xfrm>
-            <a:off x="3077654" y="1324303"/>
+            <a:off x="2560817" y="542424"/>
             <a:ext cx="28153" cy="3547242"/>
           </a:xfrm>
           <a:prstGeom prst="line">
@@ -3259,7 +3255,7 @@
           <a:lstStyle/>
           <a:p>
             <a:r>
-              <a:rPr lang="en-US" altLang="ko-KR" sz="1400" dirty="0" smtClean="0">
+              <a:rPr lang="en-US" altLang="ko-KR" sz="1400" dirty="0">
                 <a:solidFill>
                   <a:schemeClr val="bg1">
                     <a:lumMod val="75000"/>
@@ -3271,7 +3267,7 @@
           </a:p>
           <a:p>
             <a:r>
-              <a:rPr lang="en-US" altLang="ko-KR" sz="1400" dirty="0" smtClean="0">
+              <a:rPr lang="en-US" altLang="ko-KR" sz="1400" dirty="0">
                 <a:solidFill>
                   <a:schemeClr val="bg1">
                     <a:lumMod val="75000"/>
@@ -3283,7 +3279,7 @@
           </a:p>
           <a:p>
             <a:r>
-              <a:rPr lang="en-US" altLang="ko-KR" sz="1400" dirty="0" smtClean="0">
+              <a:rPr lang="en-US" altLang="ko-KR" sz="1400" dirty="0">
                 <a:solidFill>
                   <a:schemeClr val="bg1">
                     <a:lumMod val="75000"/>
@@ -3348,23 +3344,23 @@
           <a:lstStyle/>
           <a:p>
             <a:r>
-              <a:rPr lang="en-US" altLang="ko-KR" dirty="0" smtClean="0"/>
+              <a:rPr lang="en-US" altLang="ko-KR" dirty="0"/>
               <a:t>3. </a:t>
             </a:r>
             <a:r>
-              <a:rPr lang="ko-KR" altLang="en-US" dirty="0" smtClean="0"/>
+              <a:rPr lang="ko-KR" altLang="en-US" dirty="0"/>
               <a:t>뱀</a:t>
             </a:r>
             <a:r>
-              <a:rPr lang="en-US" altLang="ko-KR" dirty="0" smtClean="0"/>
+              <a:rPr lang="en-US" altLang="ko-KR" dirty="0"/>
               <a:t>(Snake) </a:t>
             </a:r>
             <a:r>
-              <a:rPr lang="ko-KR" altLang="en-US" dirty="0" smtClean="0"/>
+              <a:rPr lang="ko-KR" altLang="en-US" dirty="0"/>
               <a:t>움직이기</a:t>
             </a:r>
             <a:r>
-              <a:rPr lang="en-US" altLang="ko-KR" dirty="0" smtClean="0"/>
+              <a:rPr lang="en-US" altLang="ko-KR" dirty="0"/>
               <a:t>(1)</a:t>
             </a:r>
             <a:endParaRPr lang="ko-KR" altLang="en-US" dirty="0"/>
@@ -3392,35 +3388,35 @@
               </a:lnSpc>
             </a:pPr>
             <a:r>
-              <a:rPr lang="ko-KR" altLang="en-US" dirty="0" smtClean="0"/>
+              <a:rPr lang="ko-KR" altLang="en-US" dirty="0"/>
               <a:t>뱀을 움직이려면 </a:t>
             </a:r>
             <a:r>
-              <a:rPr lang="en-US" altLang="ko-KR" dirty="0" smtClean="0"/>
+              <a:rPr lang="en-US" altLang="ko-KR" dirty="0"/>
               <a:t>pygame</a:t>
             </a:r>
             <a:r>
-              <a:rPr lang="ko-KR" altLang="en-US" dirty="0" smtClean="0"/>
+              <a:rPr lang="ko-KR" altLang="en-US" dirty="0"/>
               <a:t>의 </a:t>
             </a:r>
             <a:r>
-              <a:rPr lang="en-US" altLang="ko-KR" dirty="0" smtClean="0"/>
+              <a:rPr lang="en-US" altLang="ko-KR" dirty="0"/>
               <a:t>KEYDOWN </a:t>
             </a:r>
             <a:r>
-              <a:rPr lang="ko-KR" altLang="en-US" dirty="0" smtClean="0"/>
+              <a:rPr lang="ko-KR" altLang="en-US" dirty="0"/>
               <a:t>클래스에 키</a:t>
             </a:r>
             <a:r>
-              <a:rPr lang="en-US" altLang="ko-KR" dirty="0" smtClean="0"/>
+              <a:rPr lang="en-US" altLang="ko-KR" dirty="0"/>
               <a:t>(KEY) </a:t>
             </a:r>
             <a:r>
-              <a:rPr lang="ko-KR" altLang="en-US" dirty="0" smtClean="0"/>
+              <a:rPr lang="ko-KR" altLang="en-US" dirty="0"/>
               <a:t>이벤트를 사용</a:t>
             </a:r>
             <a:r>
-              <a:rPr lang="en-US" altLang="ko-KR" dirty="0" smtClean="0"/>
+              <a:rPr lang="en-US" altLang="ko-KR" dirty="0"/>
               <a:t>.</a:t>
             </a:r>
           </a:p>
@@ -3431,7 +3427,7 @@
               </a:lnSpc>
             </a:pPr>
             <a:r>
-              <a:rPr lang="en-US" altLang="ko-KR" dirty="0" smtClean="0"/>
+              <a:rPr lang="en-US" altLang="ko-KR" dirty="0"/>
               <a:t>K_UP, K_DOWN, K_LEFT, K_RIGHT</a:t>
             </a:r>
           </a:p>
@@ -3450,11 +3446,11 @@
               </a:lnSpc>
             </a:pPr>
             <a:r>
-              <a:rPr lang="en-US" altLang="ko-KR" dirty="0" smtClean="0"/>
+              <a:rPr lang="en-US" altLang="ko-KR" dirty="0"/>
               <a:t>fill()</a:t>
             </a:r>
             <a:r>
-              <a:rPr lang="ko-KR" altLang="en-US" dirty="0" smtClean="0"/>
+              <a:rPr lang="ko-KR" altLang="en-US" dirty="0"/>
               <a:t>메소드를 사용하여 화면을 변경</a:t>
             </a:r>
             <a:endParaRPr lang="en-US" altLang="ko-KR" dirty="0"/>
@@ -3585,30 +3581,29 @@
           <a:lstStyle/>
           <a:p>
             <a:r>
-              <a:rPr lang="en-US" altLang="ko-KR" dirty="0" smtClean="0"/>
+              <a:rPr lang="en-US" altLang="ko-KR" dirty="0"/>
               <a:t>3. </a:t>
             </a:r>
             <a:r>
-              <a:rPr lang="ko-KR" altLang="en-US" dirty="0" smtClean="0"/>
+              <a:rPr lang="ko-KR" altLang="en-US" dirty="0"/>
               <a:t>뱀</a:t>
             </a:r>
             <a:r>
-              <a:rPr lang="en-US" altLang="ko-KR" dirty="0" smtClean="0"/>
+              <a:rPr lang="en-US" altLang="ko-KR" dirty="0"/>
               <a:t>(Snake) </a:t>
             </a:r>
             <a:r>
-              <a:rPr lang="ko-KR" altLang="en-US" dirty="0" smtClean="0"/>
+              <a:rPr lang="ko-KR" altLang="en-US" dirty="0"/>
               <a:t>움직이기</a:t>
             </a:r>
             <a:r>
-              <a:rPr lang="en-US" altLang="ko-KR" dirty="0" smtClean="0"/>
+              <a:rPr lang="en-US" altLang="ko-KR" dirty="0"/>
               <a:t>(2) - </a:t>
             </a:r>
             <a:r>
-              <a:rPr lang="ko-KR" altLang="en-US" dirty="0" smtClean="0"/>
+              <a:rPr lang="ko-KR" altLang="en-US" dirty="0"/>
               <a:t>소스코드</a:t>
             </a:r>
-            <a:endParaRPr lang="ko-KR" altLang="en-US" dirty="0"/>
           </a:p>
         </p:txBody>
       </p:sp>
@@ -3745,10 +3740,9 @@
           <a:lstStyle/>
           <a:p>
             <a:r>
-              <a:rPr lang="ko-KR" altLang="en-US" dirty="0" smtClean="0"/>
+              <a:rPr lang="ko-KR" altLang="en-US" dirty="0"/>
               <a:t>뒤에 계속</a:t>
             </a:r>
-            <a:endParaRPr lang="ko-KR" altLang="en-US" dirty="0"/>
           </a:p>
         </p:txBody>
       </p:sp>
@@ -3798,30 +3792,29 @@
           <a:lstStyle/>
           <a:p>
             <a:r>
-              <a:rPr lang="en-US" altLang="ko-KR" dirty="0" smtClean="0"/>
+              <a:rPr lang="en-US" altLang="ko-KR" dirty="0"/>
               <a:t>3. </a:t>
             </a:r>
             <a:r>
-              <a:rPr lang="ko-KR" altLang="en-US" dirty="0" smtClean="0"/>
+              <a:rPr lang="ko-KR" altLang="en-US" dirty="0"/>
               <a:t>뱀</a:t>
             </a:r>
             <a:r>
-              <a:rPr lang="en-US" altLang="ko-KR" dirty="0" smtClean="0"/>
+              <a:rPr lang="en-US" altLang="ko-KR" dirty="0"/>
               <a:t>(Snake) </a:t>
             </a:r>
             <a:r>
-              <a:rPr lang="ko-KR" altLang="en-US" dirty="0" smtClean="0"/>
+              <a:rPr lang="ko-KR" altLang="en-US" dirty="0"/>
               <a:t>움직이기</a:t>
             </a:r>
             <a:r>
-              <a:rPr lang="en-US" altLang="ko-KR" dirty="0" smtClean="0"/>
+              <a:rPr lang="en-US" altLang="ko-KR" dirty="0"/>
               <a:t>(2) - </a:t>
             </a:r>
             <a:r>
-              <a:rPr lang="ko-KR" altLang="en-US" dirty="0" smtClean="0"/>
+              <a:rPr lang="ko-KR" altLang="en-US" dirty="0"/>
               <a:t>소스코드</a:t>
             </a:r>
-            <a:endParaRPr lang="ko-KR" altLang="en-US" dirty="0"/>
           </a:p>
         </p:txBody>
       </p:sp>
@@ -3958,10 +3951,9 @@
           <a:lstStyle/>
           <a:p>
             <a:r>
-              <a:rPr lang="ko-KR" altLang="en-US" dirty="0" smtClean="0"/>
+              <a:rPr lang="ko-KR" altLang="en-US" dirty="0"/>
               <a:t>뒤에 계속</a:t>
             </a:r>
-            <a:endParaRPr lang="ko-KR" altLang="en-US" dirty="0"/>
           </a:p>
         </p:txBody>
       </p:sp>
@@ -4011,30 +4003,29 @@
           <a:lstStyle/>
           <a:p>
             <a:r>
-              <a:rPr lang="en-US" altLang="ko-KR" dirty="0" smtClean="0"/>
+              <a:rPr lang="en-US" altLang="ko-KR" dirty="0"/>
               <a:t>3. </a:t>
             </a:r>
             <a:r>
-              <a:rPr lang="ko-KR" altLang="en-US" dirty="0" smtClean="0"/>
+              <a:rPr lang="ko-KR" altLang="en-US" dirty="0"/>
               <a:t>뱀</a:t>
             </a:r>
             <a:r>
-              <a:rPr lang="en-US" altLang="ko-KR" dirty="0" smtClean="0"/>
+              <a:rPr lang="en-US" altLang="ko-KR" dirty="0"/>
               <a:t>(Snake) </a:t>
             </a:r>
             <a:r>
-              <a:rPr lang="ko-KR" altLang="en-US" dirty="0" smtClean="0"/>
+              <a:rPr lang="ko-KR" altLang="en-US" dirty="0"/>
               <a:t>움직이기</a:t>
             </a:r>
             <a:r>
-              <a:rPr lang="en-US" altLang="ko-KR" dirty="0" smtClean="0"/>
+              <a:rPr lang="en-US" altLang="ko-KR" dirty="0"/>
               <a:t>(2) - </a:t>
             </a:r>
             <a:r>
-              <a:rPr lang="ko-KR" altLang="en-US" dirty="0" smtClean="0"/>
+              <a:rPr lang="ko-KR" altLang="en-US" dirty="0"/>
               <a:t>소스코드</a:t>
             </a:r>
-            <a:endParaRPr lang="ko-KR" altLang="en-US" dirty="0"/>
           </a:p>
         </p:txBody>
       </p:sp>
@@ -4171,10 +4162,9 @@
           <a:lstStyle/>
           <a:p>
             <a:r>
-              <a:rPr lang="ko-KR" altLang="en-US" dirty="0" smtClean="0"/>
+              <a:rPr lang="ko-KR" altLang="en-US" dirty="0"/>
               <a:t>뒤에 계속</a:t>
             </a:r>
-            <a:endParaRPr lang="ko-KR" altLang="en-US" dirty="0"/>
           </a:p>
         </p:txBody>
       </p:sp>
@@ -4224,30 +4214,29 @@
           <a:lstStyle/>
           <a:p>
             <a:r>
-              <a:rPr lang="en-US" altLang="ko-KR" dirty="0" smtClean="0"/>
+              <a:rPr lang="en-US" altLang="ko-KR" dirty="0"/>
               <a:t>3. </a:t>
             </a:r>
             <a:r>
-              <a:rPr lang="ko-KR" altLang="en-US" dirty="0" smtClean="0"/>
+              <a:rPr lang="ko-KR" altLang="en-US" dirty="0"/>
               <a:t>뱀</a:t>
             </a:r>
             <a:r>
-              <a:rPr lang="en-US" altLang="ko-KR" dirty="0" smtClean="0"/>
+              <a:rPr lang="en-US" altLang="ko-KR" dirty="0"/>
               <a:t>(Snake) </a:t>
             </a:r>
             <a:r>
-              <a:rPr lang="ko-KR" altLang="en-US" dirty="0" smtClean="0"/>
+              <a:rPr lang="ko-KR" altLang="en-US" dirty="0"/>
               <a:t>움직이기</a:t>
             </a:r>
             <a:r>
-              <a:rPr lang="en-US" altLang="ko-KR" dirty="0" smtClean="0"/>
+              <a:rPr lang="en-US" altLang="ko-KR" dirty="0"/>
               <a:t>(2) - </a:t>
             </a:r>
             <a:r>
-              <a:rPr lang="ko-KR" altLang="en-US" dirty="0" smtClean="0"/>
+              <a:rPr lang="ko-KR" altLang="en-US" dirty="0"/>
               <a:t>소스코드</a:t>
             </a:r>
-            <a:endParaRPr lang="ko-KR" altLang="en-US" dirty="0"/>
           </a:p>
         </p:txBody>
       </p:sp>
@@ -4384,10 +4373,9 @@
           <a:lstStyle/>
           <a:p>
             <a:r>
-              <a:rPr lang="ko-KR" altLang="en-US" dirty="0" smtClean="0"/>
+              <a:rPr lang="ko-KR" altLang="en-US" dirty="0"/>
               <a:t>뒤에 계속</a:t>
             </a:r>
-            <a:endParaRPr lang="ko-KR" altLang="en-US" dirty="0"/>
           </a:p>
         </p:txBody>
       </p:sp>
@@ -4437,30 +4425,29 @@
           <a:lstStyle/>
           <a:p>
             <a:r>
-              <a:rPr lang="en-US" altLang="ko-KR" dirty="0" smtClean="0"/>
+              <a:rPr lang="en-US" altLang="ko-KR" dirty="0"/>
               <a:t>3. </a:t>
             </a:r>
             <a:r>
-              <a:rPr lang="ko-KR" altLang="en-US" dirty="0" smtClean="0"/>
+              <a:rPr lang="ko-KR" altLang="en-US" dirty="0"/>
               <a:t>뱀</a:t>
             </a:r>
             <a:r>
-              <a:rPr lang="en-US" altLang="ko-KR" dirty="0" smtClean="0"/>
+              <a:rPr lang="en-US" altLang="ko-KR" dirty="0"/>
               <a:t>(Snake) </a:t>
             </a:r>
             <a:r>
-              <a:rPr lang="ko-KR" altLang="en-US" dirty="0" smtClean="0"/>
+              <a:rPr lang="ko-KR" altLang="en-US" dirty="0"/>
               <a:t>움직이기</a:t>
             </a:r>
             <a:r>
-              <a:rPr lang="en-US" altLang="ko-KR" dirty="0" smtClean="0"/>
+              <a:rPr lang="en-US" altLang="ko-KR" dirty="0"/>
               <a:t>(2) - </a:t>
             </a:r>
             <a:r>
-              <a:rPr lang="ko-KR" altLang="en-US" dirty="0" smtClean="0"/>
+              <a:rPr lang="ko-KR" altLang="en-US" dirty="0"/>
               <a:t>소스코드</a:t>
             </a:r>
-            <a:endParaRPr lang="ko-KR" altLang="en-US" dirty="0"/>
           </a:p>
         </p:txBody>
       </p:sp>
@@ -4622,38 +4609,37 @@
           <a:lstStyle/>
           <a:p>
             <a:r>
-              <a:rPr lang="en-US" altLang="ko-KR" sz="3600" dirty="0" smtClean="0"/>
+              <a:rPr lang="en-US" altLang="ko-KR" sz="3600" dirty="0"/>
               <a:t>4.</a:t>
             </a:r>
             <a:r>
-              <a:rPr lang="ko-KR" altLang="en-US" sz="3600" dirty="0" smtClean="0"/>
+              <a:rPr lang="ko-KR" altLang="en-US" sz="3600" dirty="0"/>
               <a:t> 뱀</a:t>
             </a:r>
             <a:r>
-              <a:rPr lang="en-US" altLang="ko-KR" sz="3600" dirty="0" smtClean="0"/>
+              <a:rPr lang="en-US" altLang="ko-KR" sz="3600" dirty="0"/>
               <a:t>(Snake)</a:t>
             </a:r>
             <a:r>
-              <a:rPr lang="ko-KR" altLang="en-US" sz="3600" dirty="0" smtClean="0"/>
+              <a:rPr lang="ko-KR" altLang="en-US" sz="3600" dirty="0"/>
               <a:t>이 경계</a:t>
             </a:r>
             <a:r>
-              <a:rPr lang="en-US" altLang="ko-KR" sz="3600" dirty="0" smtClean="0"/>
+              <a:rPr lang="en-US" altLang="ko-KR" sz="3600" dirty="0"/>
               <a:t>(</a:t>
             </a:r>
             <a:r>
-              <a:rPr lang="ko-KR" altLang="en-US" sz="3600" dirty="0" smtClean="0"/>
+              <a:rPr lang="ko-KR" altLang="en-US" sz="3600" dirty="0"/>
               <a:t>벽</a:t>
             </a:r>
             <a:r>
-              <a:rPr lang="en-US" altLang="ko-KR" sz="3600" dirty="0" smtClean="0"/>
+              <a:rPr lang="en-US" altLang="ko-KR" sz="3600" dirty="0"/>
               <a:t>)</a:t>
             </a:r>
             <a:r>
-              <a:rPr lang="ko-KR" altLang="en-US" sz="3600" dirty="0" smtClean="0"/>
+              <a:rPr lang="ko-KR" altLang="en-US" sz="3600" dirty="0"/>
               <a:t>에 부딪히면 게임 오버</a:t>
             </a:r>
-            <a:endParaRPr lang="ko-KR" altLang="en-US" sz="3600" dirty="0"/>
           </a:p>
         </p:txBody>
       </p:sp>
@@ -4727,9 +4713,44 @@
           </a:fontRef>
         </p:style>
       </p:cxnSp>
+      <p:sp>
+        <p:nvSpPr>
+          <p:cNvPr id="7" name="TextBox 6"/>
+          <p:cNvSpPr txBox="1"/>
+          <p:nvPr/>
+        </p:nvSpPr>
+        <p:spPr>
+          <a:xfrm>
+            <a:off x="10515600" y="6214651"/>
+            <a:ext cx="1189749" cy="369332"/>
+          </a:xfrm>
+          <a:prstGeom prst="rect">
+            <a:avLst/>
+          </a:prstGeom>
+          <a:noFill/>
+        </p:spPr>
+        <p:txBody>
+          <a:bodyPr wrap="none" rtlCol="0">
+            <a:spAutoFit/>
+          </a:bodyPr>
+          <a:lstStyle/>
+          <a:p>
+            <a:r>
+              <a:rPr lang="ko-KR" altLang="en-US" dirty="0"/>
+              <a:t>뒤에 계속</a:t>
+            </a:r>
+          </a:p>
+        </p:txBody>
+      </p:sp>
       <p:pic>
         <p:nvPicPr>
-          <p:cNvPr id="6" name="내용 개체 틀 5"/>
+          <p:cNvPr id="13" name="내용 개체 틀 12">
+            <a:extLst>
+              <a:ext uri="{FF2B5EF4-FFF2-40B4-BE49-F238E27FC236}">
+                <a16:creationId xmlns:a16="http://schemas.microsoft.com/office/drawing/2014/main" id="{2F0BF2DD-8FD4-4E89-9845-F25827FC6185}"/>
+              </a:ext>
+            </a:extLst>
+          </p:cNvPr>
           <p:cNvPicPr>
             <a:picLocks noGrp="1" noChangeAspect="1"/>
           </p:cNvPicPr>
@@ -4745,44 +4766,28 @@
         </p:blipFill>
         <p:spPr>
           <a:xfrm>
-            <a:off x="2169072" y="1976574"/>
-            <a:ext cx="7533290" cy="4604410"/>
+            <a:off x="2413255" y="1823071"/>
+            <a:ext cx="7044924" cy="4928913"/>
           </a:xfrm>
           <a:prstGeom prst="rect">
             <a:avLst/>
           </a:prstGeom>
+          <a:ln w="38100" cap="sq">
+            <a:solidFill>
+              <a:srgbClr val="000000"/>
+            </a:solidFill>
+            <a:prstDash val="solid"/>
+            <a:miter lim="800000"/>
+          </a:ln>
+          <a:effectLst>
+            <a:outerShdw blurRad="50800" dist="38100" dir="2700000" algn="tl" rotWithShape="0">
+              <a:srgbClr val="000000">
+                <a:alpha val="43000"/>
+              </a:srgbClr>
+            </a:outerShdw>
+          </a:effectLst>
         </p:spPr>
       </p:pic>
-      <p:sp>
-        <p:nvSpPr>
-          <p:cNvPr id="7" name="TextBox 6"/>
-          <p:cNvSpPr txBox="1"/>
-          <p:nvPr/>
-        </p:nvSpPr>
-        <p:spPr>
-          <a:xfrm>
-            <a:off x="10515600" y="6214651"/>
-            <a:ext cx="1189749" cy="369332"/>
-          </a:xfrm>
-          <a:prstGeom prst="rect">
-            <a:avLst/>
-          </a:prstGeom>
-          <a:noFill/>
-        </p:spPr>
-        <p:txBody>
-          <a:bodyPr wrap="none" rtlCol="0">
-            <a:spAutoFit/>
-          </a:bodyPr>
-          <a:lstStyle/>
-          <a:p>
-            <a:r>
-              <a:rPr lang="ko-KR" altLang="en-US" dirty="0" smtClean="0"/>
-              <a:t>뒤에 계속</a:t>
-            </a:r>
-            <a:endParaRPr lang="ko-KR" altLang="en-US" dirty="0"/>
-          </a:p>
-        </p:txBody>
-      </p:sp>
     </p:spTree>
     <p:extLst>
       <p:ext uri="{BB962C8B-B14F-4D97-AF65-F5344CB8AC3E}">
@@ -4935,9 +4940,44 @@
           </a:fontRef>
         </p:style>
       </p:cxnSp>
+      <p:sp>
+        <p:nvSpPr>
+          <p:cNvPr id="7" name="TextBox 6"/>
+          <p:cNvSpPr txBox="1"/>
+          <p:nvPr/>
+        </p:nvSpPr>
+        <p:spPr>
+          <a:xfrm>
+            <a:off x="10515600" y="6214651"/>
+            <a:ext cx="1189749" cy="369332"/>
+          </a:xfrm>
+          <a:prstGeom prst="rect">
+            <a:avLst/>
+          </a:prstGeom>
+          <a:noFill/>
+        </p:spPr>
+        <p:txBody>
+          <a:bodyPr wrap="none" rtlCol="0">
+            <a:spAutoFit/>
+          </a:bodyPr>
+          <a:lstStyle/>
+          <a:p>
+            <a:r>
+              <a:rPr lang="ko-KR" altLang="en-US" dirty="0"/>
+              <a:t>뒤에 계속</a:t>
+            </a:r>
+          </a:p>
+        </p:txBody>
+      </p:sp>
       <p:pic>
         <p:nvPicPr>
-          <p:cNvPr id="6" name="내용 개체 틀 5"/>
+          <p:cNvPr id="9" name="내용 개체 틀 8">
+            <a:extLst>
+              <a:ext uri="{FF2B5EF4-FFF2-40B4-BE49-F238E27FC236}">
+                <a16:creationId xmlns:a16="http://schemas.microsoft.com/office/drawing/2014/main" id="{F2379583-A1AB-4AAA-8E6E-D6D100C94F07}"/>
+              </a:ext>
+            </a:extLst>
+          </p:cNvPr>
           <p:cNvPicPr>
             <a:picLocks noGrp="1" noChangeAspect="1"/>
           </p:cNvPicPr>
@@ -4953,44 +4993,28 @@
         </p:blipFill>
         <p:spPr>
           <a:xfrm>
-            <a:off x="1404116" y="1952442"/>
-            <a:ext cx="9063201" cy="4458035"/>
+            <a:off x="2086503" y="1856927"/>
+            <a:ext cx="8018994" cy="4785105"/>
           </a:xfrm>
           <a:prstGeom prst="rect">
             <a:avLst/>
           </a:prstGeom>
+          <a:ln w="38100" cap="sq">
+            <a:solidFill>
+              <a:srgbClr val="000000"/>
+            </a:solidFill>
+            <a:prstDash val="solid"/>
+            <a:miter lim="800000"/>
+          </a:ln>
+          <a:effectLst>
+            <a:outerShdw blurRad="50800" dist="38100" dir="2700000" algn="tl" rotWithShape="0">
+              <a:srgbClr val="000000">
+                <a:alpha val="43000"/>
+              </a:srgbClr>
+            </a:outerShdw>
+          </a:effectLst>
         </p:spPr>
       </p:pic>
-      <p:sp>
-        <p:nvSpPr>
-          <p:cNvPr id="7" name="TextBox 6"/>
-          <p:cNvSpPr txBox="1"/>
-          <p:nvPr/>
-        </p:nvSpPr>
-        <p:spPr>
-          <a:xfrm>
-            <a:off x="10515600" y="6214651"/>
-            <a:ext cx="1189749" cy="369332"/>
-          </a:xfrm>
-          <a:prstGeom prst="rect">
-            <a:avLst/>
-          </a:prstGeom>
-          <a:noFill/>
-        </p:spPr>
-        <p:txBody>
-          <a:bodyPr wrap="none" rtlCol="0">
-            <a:spAutoFit/>
-          </a:bodyPr>
-          <a:lstStyle/>
-          <a:p>
-            <a:r>
-              <a:rPr lang="ko-KR" altLang="en-US" dirty="0" smtClean="0"/>
-              <a:t>뒤에 계속</a:t>
-            </a:r>
-            <a:endParaRPr lang="ko-KR" altLang="en-US" dirty="0"/>
-          </a:p>
-        </p:txBody>
-      </p:sp>
     </p:spTree>
     <p:extLst>
       <p:ext uri="{BB962C8B-B14F-4D97-AF65-F5344CB8AC3E}">
@@ -5143,9 +5167,44 @@
           </a:fontRef>
         </p:style>
       </p:cxnSp>
+      <p:sp>
+        <p:nvSpPr>
+          <p:cNvPr id="7" name="TextBox 6"/>
+          <p:cNvSpPr txBox="1"/>
+          <p:nvPr/>
+        </p:nvSpPr>
+        <p:spPr>
+          <a:xfrm>
+            <a:off x="10720552" y="6210629"/>
+            <a:ext cx="1189749" cy="369332"/>
+          </a:xfrm>
+          <a:prstGeom prst="rect">
+            <a:avLst/>
+          </a:prstGeom>
+          <a:noFill/>
+        </p:spPr>
+        <p:txBody>
+          <a:bodyPr wrap="none" rtlCol="0">
+            <a:spAutoFit/>
+          </a:bodyPr>
+          <a:lstStyle/>
+          <a:p>
+            <a:r>
+              <a:rPr lang="ko-KR" altLang="en-US" dirty="0"/>
+              <a:t>뒤에 계속</a:t>
+            </a:r>
+          </a:p>
+        </p:txBody>
+      </p:sp>
       <p:pic>
         <p:nvPicPr>
-          <p:cNvPr id="6" name="내용 개체 틀 5"/>
+          <p:cNvPr id="9" name="내용 개체 틀 8">
+            <a:extLst>
+              <a:ext uri="{FF2B5EF4-FFF2-40B4-BE49-F238E27FC236}">
+                <a16:creationId xmlns:a16="http://schemas.microsoft.com/office/drawing/2014/main" id="{5729E05D-AA5C-48FA-8F9D-5A3AF802159F}"/>
+              </a:ext>
+            </a:extLst>
+          </p:cNvPr>
           <p:cNvPicPr>
             <a:picLocks noGrp="1" noChangeAspect="1"/>
           </p:cNvPicPr>
@@ -5161,44 +5220,28 @@
         </p:blipFill>
         <p:spPr>
           <a:xfrm>
-            <a:off x="1512833" y="1923393"/>
-            <a:ext cx="9207719" cy="4471902"/>
+            <a:off x="2569395" y="1848235"/>
+            <a:ext cx="6732643" cy="4731726"/>
           </a:xfrm>
           <a:prstGeom prst="rect">
             <a:avLst/>
           </a:prstGeom>
+          <a:ln w="38100" cap="sq">
+            <a:solidFill>
+              <a:srgbClr val="000000"/>
+            </a:solidFill>
+            <a:prstDash val="solid"/>
+            <a:miter lim="800000"/>
+          </a:ln>
+          <a:effectLst>
+            <a:outerShdw blurRad="50800" dist="38100" dir="2700000" algn="tl" rotWithShape="0">
+              <a:srgbClr val="000000">
+                <a:alpha val="43000"/>
+              </a:srgbClr>
+            </a:outerShdw>
+          </a:effectLst>
         </p:spPr>
       </p:pic>
-      <p:sp>
-        <p:nvSpPr>
-          <p:cNvPr id="7" name="TextBox 6"/>
-          <p:cNvSpPr txBox="1"/>
-          <p:nvPr/>
-        </p:nvSpPr>
-        <p:spPr>
-          <a:xfrm>
-            <a:off x="10720552" y="6210629"/>
-            <a:ext cx="1189749" cy="369332"/>
-          </a:xfrm>
-          <a:prstGeom prst="rect">
-            <a:avLst/>
-          </a:prstGeom>
-          <a:noFill/>
-        </p:spPr>
-        <p:txBody>
-          <a:bodyPr wrap="none" rtlCol="0">
-            <a:spAutoFit/>
-          </a:bodyPr>
-          <a:lstStyle/>
-          <a:p>
-            <a:r>
-              <a:rPr lang="ko-KR" altLang="en-US" dirty="0" smtClean="0"/>
-              <a:t>뒤에 계속</a:t>
-            </a:r>
-            <a:endParaRPr lang="ko-KR" altLang="en-US" dirty="0"/>
-          </a:p>
-        </p:txBody>
-      </p:sp>
     </p:spTree>
     <p:extLst>
       <p:ext uri="{BB962C8B-B14F-4D97-AF65-F5344CB8AC3E}">
@@ -5351,9 +5394,44 @@
           </a:fontRef>
         </p:style>
       </p:cxnSp>
+      <p:sp>
+        <p:nvSpPr>
+          <p:cNvPr id="7" name="TextBox 6"/>
+          <p:cNvSpPr txBox="1"/>
+          <p:nvPr/>
+        </p:nvSpPr>
+        <p:spPr>
+          <a:xfrm>
+            <a:off x="10515600" y="6214651"/>
+            <a:ext cx="1189749" cy="369332"/>
+          </a:xfrm>
+          <a:prstGeom prst="rect">
+            <a:avLst/>
+          </a:prstGeom>
+          <a:noFill/>
+        </p:spPr>
+        <p:txBody>
+          <a:bodyPr wrap="none" rtlCol="0">
+            <a:spAutoFit/>
+          </a:bodyPr>
+          <a:lstStyle/>
+          <a:p>
+            <a:r>
+              <a:rPr lang="ko-KR" altLang="en-US" dirty="0"/>
+              <a:t>뒤에 계속</a:t>
+            </a:r>
+          </a:p>
+        </p:txBody>
+      </p:sp>
       <p:pic>
         <p:nvPicPr>
-          <p:cNvPr id="6" name="내용 개체 틀 5"/>
+          <p:cNvPr id="9" name="내용 개체 틀 8">
+            <a:extLst>
+              <a:ext uri="{FF2B5EF4-FFF2-40B4-BE49-F238E27FC236}">
+                <a16:creationId xmlns:a16="http://schemas.microsoft.com/office/drawing/2014/main" id="{45DE670E-75F9-46DE-AC39-1A5BF82013FC}"/>
+              </a:ext>
+            </a:extLst>
+          </p:cNvPr>
           <p:cNvPicPr>
             <a:picLocks noGrp="1" noChangeAspect="1"/>
           </p:cNvPicPr>
@@ -5369,44 +5447,28 @@
         </p:blipFill>
         <p:spPr>
           <a:xfrm>
-            <a:off x="2183524" y="1923392"/>
-            <a:ext cx="7504386" cy="4493917"/>
+            <a:off x="1710666" y="2014538"/>
+            <a:ext cx="8770668" cy="4626800"/>
           </a:xfrm>
           <a:prstGeom prst="rect">
             <a:avLst/>
           </a:prstGeom>
+          <a:ln w="38100" cap="sq">
+            <a:solidFill>
+              <a:srgbClr val="000000"/>
+            </a:solidFill>
+            <a:prstDash val="solid"/>
+            <a:miter lim="800000"/>
+          </a:ln>
+          <a:effectLst>
+            <a:outerShdw blurRad="50800" dist="38100" dir="2700000" algn="tl" rotWithShape="0">
+              <a:srgbClr val="000000">
+                <a:alpha val="43000"/>
+              </a:srgbClr>
+            </a:outerShdw>
+          </a:effectLst>
         </p:spPr>
       </p:pic>
-      <p:sp>
-        <p:nvSpPr>
-          <p:cNvPr id="7" name="TextBox 6"/>
-          <p:cNvSpPr txBox="1"/>
-          <p:nvPr/>
-        </p:nvSpPr>
-        <p:spPr>
-          <a:xfrm>
-            <a:off x="10515600" y="6214651"/>
-            <a:ext cx="1189749" cy="369332"/>
-          </a:xfrm>
-          <a:prstGeom prst="rect">
-            <a:avLst/>
-          </a:prstGeom>
-          <a:noFill/>
-        </p:spPr>
-        <p:txBody>
-          <a:bodyPr wrap="none" rtlCol="0">
-            <a:spAutoFit/>
-          </a:bodyPr>
-          <a:lstStyle/>
-          <a:p>
-            <a:r>
-              <a:rPr lang="ko-KR" altLang="en-US" dirty="0" smtClean="0"/>
-              <a:t>뒤에 계속</a:t>
-            </a:r>
-            <a:endParaRPr lang="ko-KR" altLang="en-US" dirty="0"/>
-          </a:p>
-        </p:txBody>
-      </p:sp>
     </p:spTree>
     <p:extLst>
       <p:ext uri="{BB962C8B-B14F-4D97-AF65-F5344CB8AC3E}">
@@ -5453,15 +5515,15 @@
           <a:lstStyle/>
           <a:p>
             <a:r>
-              <a:rPr lang="en-US" altLang="ko-KR" dirty="0" smtClean="0"/>
+              <a:rPr lang="en-US" altLang="ko-KR" dirty="0"/>
               <a:t>1. </a:t>
             </a:r>
             <a:r>
-              <a:rPr lang="ko-KR" altLang="en-US" dirty="0" smtClean="0"/>
+              <a:rPr lang="ko-KR" altLang="en-US" dirty="0"/>
               <a:t>화면 만들기</a:t>
             </a:r>
             <a:r>
-              <a:rPr lang="en-US" altLang="ko-KR" dirty="0" smtClean="0"/>
+              <a:rPr lang="en-US" altLang="ko-KR" dirty="0"/>
               <a:t>(1)</a:t>
             </a:r>
             <a:endParaRPr lang="ko-KR" altLang="en-US" dirty="0"/>
@@ -5489,23 +5551,23 @@
               </a:lnSpc>
             </a:pPr>
             <a:r>
-              <a:rPr lang="en-US" altLang="ko-KR" dirty="0" smtClean="0"/>
+              <a:rPr lang="en-US" altLang="ko-KR" dirty="0"/>
               <a:t>Pygame</a:t>
             </a:r>
             <a:r>
-              <a:rPr lang="ko-KR" altLang="en-US" dirty="0" smtClean="0"/>
+              <a:rPr lang="ko-KR" altLang="en-US" dirty="0"/>
               <a:t>을 이용하여 화면을 만들려면 </a:t>
             </a:r>
             <a:r>
-              <a:rPr lang="en-US" altLang="ko-KR" dirty="0" smtClean="0"/>
+              <a:rPr lang="en-US" altLang="ko-KR" dirty="0"/>
               <a:t>display.set_mede() </a:t>
             </a:r>
             <a:r>
-              <a:rPr lang="ko-KR" altLang="en-US" dirty="0" smtClean="0"/>
+              <a:rPr lang="ko-KR" altLang="en-US" dirty="0"/>
               <a:t>함수를 사용</a:t>
             </a:r>
             <a:r>
-              <a:rPr lang="en-US" altLang="ko-KR" dirty="0" smtClean="0"/>
+              <a:rPr lang="en-US" altLang="ko-KR" dirty="0"/>
               <a:t>.</a:t>
             </a:r>
           </a:p>
@@ -5516,30 +5578,30 @@
               </a:lnSpc>
             </a:pPr>
             <a:r>
-              <a:rPr lang="en-US" altLang="ko-KR" dirty="0" smtClean="0"/>
+              <a:rPr lang="en-US" altLang="ko-KR" dirty="0"/>
               <a:t>init() </a:t>
             </a:r>
             <a:r>
-              <a:rPr lang="ko-KR" altLang="en-US" dirty="0" smtClean="0"/>
+              <a:rPr lang="ko-KR" altLang="en-US" dirty="0"/>
               <a:t>및 </a:t>
             </a:r>
             <a:r>
-              <a:rPr lang="en-US" altLang="ko-KR" dirty="0" smtClean="0"/>
+              <a:rPr lang="en-US" altLang="ko-KR" dirty="0"/>
               <a:t>quit() </a:t>
             </a:r>
             <a:r>
-              <a:rPr lang="ko-KR" altLang="en-US" dirty="0" smtClean="0"/>
+              <a:rPr lang="ko-KR" altLang="en-US" dirty="0"/>
               <a:t>메소드를 사용하여 시작과 끝</a:t>
             </a:r>
             <a:r>
-              <a:rPr lang="en-US" altLang="ko-KR" dirty="0" smtClean="0"/>
+              <a:rPr lang="en-US" altLang="ko-KR" dirty="0"/>
               <a:t>, </a:t>
             </a:r>
             <a:r>
-              <a:rPr lang="ko-KR" altLang="en-US" dirty="0" smtClean="0"/>
+              <a:rPr lang="ko-KR" altLang="en-US" dirty="0"/>
               <a:t>동시에 초기화</a:t>
             </a:r>
-            <a:endParaRPr lang="en-US" altLang="ko-KR" dirty="0" smtClean="0"/>
+            <a:endParaRPr lang="en-US" altLang="ko-KR" dirty="0"/>
           </a:p>
           <a:p>
             <a:pPr>
@@ -5548,31 +5610,31 @@
               </a:lnSpc>
             </a:pPr>
             <a:r>
-              <a:rPr lang="en-US" altLang="ko-KR" dirty="0" smtClean="0"/>
+              <a:rPr lang="en-US" altLang="ko-KR" dirty="0"/>
               <a:t>Update() </a:t>
             </a:r>
             <a:r>
-              <a:rPr lang="ko-KR" altLang="en-US" dirty="0" smtClean="0"/>
+              <a:rPr lang="ko-KR" altLang="en-US" dirty="0"/>
               <a:t>메소드는 화면의 변경 사항을 업데이트</a:t>
             </a:r>
             <a:r>
-              <a:rPr lang="en-US" altLang="ko-KR" dirty="0" smtClean="0"/>
+              <a:rPr lang="en-US" altLang="ko-KR" dirty="0"/>
               <a:t>. </a:t>
             </a:r>
             <a:r>
-              <a:rPr lang="ko-KR" altLang="en-US" dirty="0" smtClean="0"/>
+              <a:rPr lang="ko-KR" altLang="en-US" dirty="0"/>
               <a:t>유사하게 작동하는 </a:t>
             </a:r>
             <a:r>
-              <a:rPr lang="en-US" altLang="ko-KR" dirty="0" smtClean="0"/>
+              <a:rPr lang="en-US" altLang="ko-KR" dirty="0"/>
               <a:t>flip() </a:t>
             </a:r>
             <a:r>
-              <a:rPr lang="ko-KR" altLang="en-US" dirty="0" smtClean="0"/>
+              <a:rPr lang="ko-KR" altLang="en-US" dirty="0"/>
               <a:t>메소드도 있음</a:t>
             </a:r>
             <a:r>
-              <a:rPr lang="en-US" altLang="ko-KR" dirty="0" smtClean="0"/>
+              <a:rPr lang="en-US" altLang="ko-KR" dirty="0"/>
               <a:t>.</a:t>
             </a:r>
             <a:endParaRPr lang="ko-KR" altLang="en-US" dirty="0"/>
@@ -5801,9 +5863,44 @@
           </a:fontRef>
         </p:style>
       </p:cxnSp>
+      <p:sp>
+        <p:nvSpPr>
+          <p:cNvPr id="7" name="TextBox 6"/>
+          <p:cNvSpPr txBox="1"/>
+          <p:nvPr/>
+        </p:nvSpPr>
+        <p:spPr>
+          <a:xfrm>
+            <a:off x="10758925" y="6434536"/>
+            <a:ext cx="1189749" cy="369332"/>
+          </a:xfrm>
+          <a:prstGeom prst="rect">
+            <a:avLst/>
+          </a:prstGeom>
+          <a:noFill/>
+        </p:spPr>
+        <p:txBody>
+          <a:bodyPr wrap="none" rtlCol="0">
+            <a:spAutoFit/>
+          </a:bodyPr>
+          <a:lstStyle/>
+          <a:p>
+            <a:r>
+              <a:rPr lang="ko-KR" altLang="en-US" dirty="0"/>
+              <a:t>뒤에 계속</a:t>
+            </a:r>
+          </a:p>
+        </p:txBody>
+      </p:sp>
       <p:pic>
         <p:nvPicPr>
-          <p:cNvPr id="6" name="내용 개체 틀 5"/>
+          <p:cNvPr id="9" name="내용 개체 틀 8">
+            <a:extLst>
+              <a:ext uri="{FF2B5EF4-FFF2-40B4-BE49-F238E27FC236}">
+                <a16:creationId xmlns:a16="http://schemas.microsoft.com/office/drawing/2014/main" id="{763DD251-67D3-4E38-907F-B9DE6D4680CC}"/>
+              </a:ext>
+            </a:extLst>
+          </p:cNvPr>
           <p:cNvPicPr>
             <a:picLocks noGrp="1" noChangeAspect="1"/>
           </p:cNvPicPr>
@@ -5819,44 +5916,28 @@
         </p:blipFill>
         <p:spPr>
           <a:xfrm>
-            <a:off x="1040031" y="1970688"/>
-            <a:ext cx="10153487" cy="4368515"/>
+            <a:off x="318052" y="1828805"/>
+            <a:ext cx="11630622" cy="4540460"/>
           </a:xfrm>
           <a:prstGeom prst="rect">
             <a:avLst/>
           </a:prstGeom>
+          <a:ln w="38100" cap="sq">
+            <a:solidFill>
+              <a:srgbClr val="000000"/>
+            </a:solidFill>
+            <a:prstDash val="solid"/>
+            <a:miter lim="800000"/>
+          </a:ln>
+          <a:effectLst>
+            <a:outerShdw blurRad="50800" dist="38100" dir="2700000" algn="tl" rotWithShape="0">
+              <a:srgbClr val="000000">
+                <a:alpha val="43000"/>
+              </a:srgbClr>
+            </a:outerShdw>
+          </a:effectLst>
         </p:spPr>
       </p:pic>
-      <p:sp>
-        <p:nvSpPr>
-          <p:cNvPr id="7" name="TextBox 6"/>
-          <p:cNvSpPr txBox="1"/>
-          <p:nvPr/>
-        </p:nvSpPr>
-        <p:spPr>
-          <a:xfrm>
-            <a:off x="10758925" y="6434536"/>
-            <a:ext cx="1189749" cy="369332"/>
-          </a:xfrm>
-          <a:prstGeom prst="rect">
-            <a:avLst/>
-          </a:prstGeom>
-          <a:noFill/>
-        </p:spPr>
-        <p:txBody>
-          <a:bodyPr wrap="none" rtlCol="0">
-            <a:spAutoFit/>
-          </a:bodyPr>
-          <a:lstStyle/>
-          <a:p>
-            <a:r>
-              <a:rPr lang="ko-KR" altLang="en-US" dirty="0" smtClean="0"/>
-              <a:t>뒤에 계속</a:t>
-            </a:r>
-            <a:endParaRPr lang="ko-KR" altLang="en-US" dirty="0"/>
-          </a:p>
-        </p:txBody>
-      </p:sp>
     </p:spTree>
     <p:extLst>
       <p:ext uri="{BB962C8B-B14F-4D97-AF65-F5344CB8AC3E}">
@@ -6011,7 +6092,13 @@
       </p:cxnSp>
       <p:pic>
         <p:nvPicPr>
-          <p:cNvPr id="6" name="내용 개체 틀 5"/>
+          <p:cNvPr id="8" name="내용 개체 틀 7">
+            <a:extLst>
+              <a:ext uri="{FF2B5EF4-FFF2-40B4-BE49-F238E27FC236}">
+                <a16:creationId xmlns:a16="http://schemas.microsoft.com/office/drawing/2014/main" id="{11B2B8A5-D36E-4ED1-AB21-CB75CB588AE4}"/>
+              </a:ext>
+            </a:extLst>
+          </p:cNvPr>
           <p:cNvPicPr>
             <a:picLocks noGrp="1" noChangeAspect="1"/>
           </p:cNvPicPr>
@@ -6027,14 +6114,85 @@
         </p:blipFill>
         <p:spPr>
           <a:xfrm>
-            <a:off x="838200" y="2017986"/>
-            <a:ext cx="10515600" cy="4493173"/>
+            <a:off x="522067" y="2015501"/>
+            <a:ext cx="11227437" cy="2450480"/>
           </a:xfrm>
           <a:prstGeom prst="rect">
             <a:avLst/>
           </a:prstGeom>
+          <a:ln w="38100" cap="sq">
+            <a:solidFill>
+              <a:srgbClr val="000000"/>
+            </a:solidFill>
+            <a:prstDash val="solid"/>
+            <a:miter lim="800000"/>
+          </a:ln>
+          <a:effectLst>
+            <a:outerShdw blurRad="50800" dist="38100" dir="2700000" algn="tl" rotWithShape="0">
+              <a:srgbClr val="000000">
+                <a:alpha val="43000"/>
+              </a:srgbClr>
+            </a:outerShdw>
+          </a:effectLst>
         </p:spPr>
       </p:pic>
+      <p:sp>
+        <p:nvSpPr>
+          <p:cNvPr id="9" name="TextBox 8">
+            <a:extLst>
+              <a:ext uri="{FF2B5EF4-FFF2-40B4-BE49-F238E27FC236}">
+                <a16:creationId xmlns:a16="http://schemas.microsoft.com/office/drawing/2014/main" id="{F69C3CA2-9DF5-4766-B7FB-253CE338438D}"/>
+              </a:ext>
+            </a:extLst>
+          </p:cNvPr>
+          <p:cNvSpPr txBox="1"/>
+          <p:nvPr/>
+        </p:nvSpPr>
+        <p:spPr>
+          <a:xfrm>
+            <a:off x="522067" y="5287617"/>
+            <a:ext cx="5295637" cy="646331"/>
+          </a:xfrm>
+          <a:prstGeom prst="rect">
+            <a:avLst/>
+          </a:prstGeom>
+          <a:noFill/>
+        </p:spPr>
+        <p:txBody>
+          <a:bodyPr wrap="square" rtlCol="0">
+            <a:spAutoFit/>
+          </a:bodyPr>
+          <a:lstStyle/>
+          <a:p>
+            <a:r>
+              <a:rPr lang="ko-KR" altLang="en-US" dirty="0"/>
+              <a:t>소스코드</a:t>
+            </a:r>
+            <a:endParaRPr lang="en-US" altLang="ko-KR" dirty="0"/>
+          </a:p>
+          <a:p>
+            <a:r>
+              <a:rPr lang="en-US" altLang="ko-KR" dirty="0">
+                <a:hlinkClick r:id="rId3"/>
+              </a:rPr>
+              <a:t>ui/snake1.py at main · kig2929kig/</a:t>
+            </a:r>
+            <a:r>
+              <a:rPr lang="en-US" altLang="ko-KR" dirty="0" err="1">
+                <a:hlinkClick r:id="rId3"/>
+              </a:rPr>
+              <a:t>ui</a:t>
+            </a:r>
+            <a:r>
+              <a:rPr lang="en-US" altLang="ko-KR" dirty="0">
+                <a:hlinkClick r:id="rId3"/>
+              </a:rPr>
+              <a:t> (github.com)</a:t>
+            </a:r>
+            <a:endParaRPr lang="ko-KR" altLang="en-US" dirty="0"/>
+          </a:p>
+        </p:txBody>
+      </p:sp>
     </p:spTree>
     <p:extLst>
       <p:ext uri="{BB962C8B-B14F-4D97-AF65-F5344CB8AC3E}">
@@ -6077,10 +6235,43 @@
         </p:nvSpPr>
         <p:spPr/>
         <p:txBody>
-          <a:bodyPr/>
-          <a:lstStyle/>
-          <a:p>
-            <a:endParaRPr lang="ko-KR" altLang="en-US"/>
+          <a:bodyPr>
+            <a:normAutofit/>
+          </a:bodyPr>
+          <a:lstStyle/>
+          <a:p>
+            <a:r>
+              <a:rPr lang="en-US" altLang="ko-KR" sz="3600" dirty="0"/>
+              <a:t>4.</a:t>
+            </a:r>
+            <a:r>
+              <a:rPr lang="ko-KR" altLang="en-US" sz="3600" dirty="0"/>
+              <a:t> 뱀</a:t>
+            </a:r>
+            <a:r>
+              <a:rPr lang="en-US" altLang="ko-KR" sz="3600" dirty="0"/>
+              <a:t>(Snake)</a:t>
+            </a:r>
+            <a:r>
+              <a:rPr lang="ko-KR" altLang="en-US" sz="3600" dirty="0"/>
+              <a:t>이 경계</a:t>
+            </a:r>
+            <a:r>
+              <a:rPr lang="en-US" altLang="ko-KR" sz="3600" dirty="0"/>
+              <a:t>(</a:t>
+            </a:r>
+            <a:r>
+              <a:rPr lang="ko-KR" altLang="en-US" sz="3600" dirty="0"/>
+              <a:t>벽</a:t>
+            </a:r>
+            <a:r>
+              <a:rPr lang="en-US" altLang="ko-KR" sz="3600" dirty="0"/>
+              <a:t>)</a:t>
+            </a:r>
+            <a:r>
+              <a:rPr lang="ko-KR" altLang="en-US" sz="3600" dirty="0"/>
+              <a:t>에 부딪히면 게임 오버</a:t>
+            </a:r>
           </a:p>
         </p:txBody>
       </p:sp>
@@ -6154,6 +6345,2196 @@
           </a:fontRef>
         </p:style>
       </p:cxnSp>
+      <p:pic>
+        <p:nvPicPr>
+          <p:cNvPr id="6" name="내용 개체 틀 5">
+            <a:extLst>
+              <a:ext uri="{FF2B5EF4-FFF2-40B4-BE49-F238E27FC236}">
+                <a16:creationId xmlns:a16="http://schemas.microsoft.com/office/drawing/2014/main" id="{4DFC4F11-2253-400D-A318-7BFAAEF37BC5}"/>
+              </a:ext>
+            </a:extLst>
+          </p:cNvPr>
+          <p:cNvPicPr>
+            <a:picLocks noGrp="1" noChangeAspect="1"/>
+          </p:cNvPicPr>
+          <p:nvPr>
+            <p:ph idx="1"/>
+          </p:nvPr>
+        </p:nvPicPr>
+        <p:blipFill>
+          <a:blip r:embed="rId2"/>
+          <a:stretch>
+            <a:fillRect/>
+          </a:stretch>
+        </p:blipFill>
+        <p:spPr>
+          <a:xfrm>
+            <a:off x="3339465" y="1825625"/>
+            <a:ext cx="5513069" cy="4351338"/>
+          </a:xfrm>
+          <a:prstGeom prst="rect">
+            <a:avLst/>
+          </a:prstGeom>
+        </p:spPr>
+      </p:pic>
+    </p:spTree>
+    <p:extLst>
+      <p:ext uri="{BB962C8B-B14F-4D97-AF65-F5344CB8AC3E}">
+        <p14:creationId xmlns:p14="http://schemas.microsoft.com/office/powerpoint/2010/main" val="1634890966"/>
+      </p:ext>
+    </p:extLst>
+  </p:cSld>
+  <p:clrMapOvr>
+    <a:masterClrMapping/>
+  </p:clrMapOvr>
+</p:sld>
+</file>
+
+<file path=ppt/slides/slide23.xml><?xml version="1.0" encoding="utf-8"?>
+<p:sld xmlns:a="http://schemas.openxmlformats.org/drawingml/2006/main" xmlns:r="http://schemas.openxmlformats.org/officeDocument/2006/relationships" xmlns:p="http://schemas.openxmlformats.org/presentationml/2006/main">
+  <p:cSld>
+    <p:spTree>
+      <p:nvGrpSpPr>
+        <p:cNvPr id="1" name=""/>
+        <p:cNvGrpSpPr/>
+        <p:nvPr/>
+      </p:nvGrpSpPr>
+      <p:grpSpPr>
+        <a:xfrm>
+          <a:off x="0" y="0"/>
+          <a:ext cx="0" cy="0"/>
+          <a:chOff x="0" y="0"/>
+          <a:chExt cx="0" cy="0"/>
+        </a:xfrm>
+      </p:grpSpPr>
+      <p:sp>
+        <p:nvSpPr>
+          <p:cNvPr id="2" name="제목 1"/>
+          <p:cNvSpPr>
+            <a:spLocks noGrp="1"/>
+          </p:cNvSpPr>
+          <p:nvPr>
+            <p:ph type="title"/>
+          </p:nvPr>
+        </p:nvSpPr>
+        <p:spPr/>
+        <p:txBody>
+          <a:bodyPr/>
+          <a:lstStyle/>
+          <a:p>
+            <a:r>
+              <a:rPr lang="en-US" altLang="ko-KR" dirty="0"/>
+              <a:t>5. </a:t>
+            </a:r>
+            <a:r>
+              <a:rPr lang="ko-KR" altLang="en-US" dirty="0"/>
+              <a:t>음식 추가하기</a:t>
+            </a:r>
+          </a:p>
+        </p:txBody>
+      </p:sp>
+      <p:cxnSp>
+        <p:nvCxnSpPr>
+          <p:cNvPr id="4" name="직선 연결선 3"/>
+          <p:cNvCxnSpPr/>
+          <p:nvPr/>
+        </p:nvCxnSpPr>
+        <p:spPr>
+          <a:xfrm>
+            <a:off x="220718" y="1690688"/>
+            <a:ext cx="11429999" cy="0"/>
+          </a:xfrm>
+          <a:prstGeom prst="line">
+            <a:avLst/>
+          </a:prstGeom>
+          <a:ln w="57150">
+            <a:solidFill>
+              <a:srgbClr val="00B050"/>
+            </a:solidFill>
+          </a:ln>
+        </p:spPr>
+        <p:style>
+          <a:lnRef idx="1">
+            <a:schemeClr val="accent1"/>
+          </a:lnRef>
+          <a:fillRef idx="0">
+            <a:schemeClr val="accent1"/>
+          </a:fillRef>
+          <a:effectRef idx="0">
+            <a:schemeClr val="accent1"/>
+          </a:effectRef>
+          <a:fontRef idx="minor">
+            <a:schemeClr val="tx1"/>
+          </a:fontRef>
+        </p:style>
+      </p:cxnSp>
+      <p:cxnSp>
+        <p:nvCxnSpPr>
+          <p:cNvPr id="5" name="직선 연결선 4"/>
+          <p:cNvCxnSpPr/>
+          <p:nvPr/>
+        </p:nvCxnSpPr>
+        <p:spPr>
+          <a:xfrm flipH="1">
+            <a:off x="522067" y="488731"/>
+            <a:ext cx="490" cy="1655379"/>
+          </a:xfrm>
+          <a:prstGeom prst="line">
+            <a:avLst/>
+          </a:prstGeom>
+          <a:ln w="28575">
+            <a:solidFill>
+              <a:srgbClr val="92D050"/>
+            </a:solidFill>
+          </a:ln>
+        </p:spPr>
+        <p:style>
+          <a:lnRef idx="1">
+            <a:schemeClr val="accent1"/>
+          </a:lnRef>
+          <a:fillRef idx="0">
+            <a:schemeClr val="accent1"/>
+          </a:fillRef>
+          <a:effectRef idx="0">
+            <a:schemeClr val="accent1"/>
+          </a:effectRef>
+          <a:fontRef idx="minor">
+            <a:schemeClr val="tx1"/>
+          </a:fontRef>
+        </p:style>
+      </p:cxnSp>
+      <p:pic>
+        <p:nvPicPr>
+          <p:cNvPr id="6" name="내용 개체 틀 5">
+            <a:extLst>
+              <a:ext uri="{FF2B5EF4-FFF2-40B4-BE49-F238E27FC236}">
+                <a16:creationId xmlns:a16="http://schemas.microsoft.com/office/drawing/2014/main" id="{3A4147E1-A489-4252-A07F-484B518021D4}"/>
+              </a:ext>
+            </a:extLst>
+          </p:cNvPr>
+          <p:cNvPicPr>
+            <a:picLocks noGrp="1" noChangeAspect="1"/>
+          </p:cNvPicPr>
+          <p:nvPr>
+            <p:ph idx="1"/>
+          </p:nvPr>
+        </p:nvPicPr>
+        <p:blipFill>
+          <a:blip r:embed="rId2"/>
+          <a:stretch>
+            <a:fillRect/>
+          </a:stretch>
+        </p:blipFill>
+        <p:spPr>
+          <a:xfrm>
+            <a:off x="663023" y="1949450"/>
+            <a:ext cx="9142116" cy="4199555"/>
+          </a:xfrm>
+          <a:prstGeom prst="rect">
+            <a:avLst/>
+          </a:prstGeom>
+          <a:ln w="38100" cap="sq">
+            <a:solidFill>
+              <a:srgbClr val="000000"/>
+            </a:solidFill>
+            <a:prstDash val="solid"/>
+            <a:miter lim="800000"/>
+          </a:ln>
+          <a:effectLst>
+            <a:outerShdw blurRad="50800" dist="38100" dir="2700000" algn="tl" rotWithShape="0">
+              <a:srgbClr val="000000">
+                <a:alpha val="43000"/>
+              </a:srgbClr>
+            </a:outerShdw>
+          </a:effectLst>
+        </p:spPr>
+      </p:pic>
+      <p:sp>
+        <p:nvSpPr>
+          <p:cNvPr id="7" name="TextBox 6">
+            <a:extLst>
+              <a:ext uri="{FF2B5EF4-FFF2-40B4-BE49-F238E27FC236}">
+                <a16:creationId xmlns:a16="http://schemas.microsoft.com/office/drawing/2014/main" id="{AAD65868-5077-4DBB-B2B8-0E3632D2D1BF}"/>
+              </a:ext>
+            </a:extLst>
+          </p:cNvPr>
+          <p:cNvSpPr txBox="1"/>
+          <p:nvPr/>
+        </p:nvSpPr>
+        <p:spPr>
+          <a:xfrm>
+            <a:off x="6202017" y="362374"/>
+            <a:ext cx="4990469" cy="923330"/>
+          </a:xfrm>
+          <a:prstGeom prst="rect">
+            <a:avLst/>
+          </a:prstGeom>
+          <a:noFill/>
+        </p:spPr>
+        <p:txBody>
+          <a:bodyPr wrap="none" rtlCol="0">
+            <a:spAutoFit/>
+          </a:bodyPr>
+          <a:lstStyle/>
+          <a:p>
+            <a:r>
+              <a:rPr lang="en-US" altLang="ko-KR" dirty="0"/>
+              <a:t>10 -&gt; </a:t>
+            </a:r>
+            <a:r>
+              <a:rPr lang="ko-KR" altLang="en-US" dirty="0"/>
+              <a:t>왼쪽 테두리</a:t>
+            </a:r>
+            <a:endParaRPr lang="en-US" altLang="ko-KR" dirty="0"/>
+          </a:p>
+          <a:p>
+            <a:r>
+              <a:rPr lang="en-US" altLang="ko-KR" dirty="0"/>
+              <a:t> </a:t>
+            </a:r>
+            <a:r>
+              <a:rPr lang="en-US" altLang="ko-KR" dirty="0" err="1"/>
+              <a:t>snake_size</a:t>
+            </a:r>
+            <a:r>
+              <a:rPr lang="en-US" altLang="ko-KR" dirty="0"/>
+              <a:t>(20) -&gt; </a:t>
+            </a:r>
+            <a:r>
+              <a:rPr lang="ko-KR" altLang="en-US" dirty="0"/>
+              <a:t>오른쪽 테두리</a:t>
+            </a:r>
+            <a:r>
+              <a:rPr lang="en-US" altLang="ko-KR" dirty="0"/>
+              <a:t>(10)</a:t>
+            </a:r>
+            <a:r>
+              <a:rPr lang="ko-KR" altLang="en-US" dirty="0"/>
+              <a:t>과 </a:t>
+            </a:r>
+            <a:endParaRPr lang="en-US" altLang="ko-KR" dirty="0"/>
+          </a:p>
+          <a:p>
+            <a:r>
+              <a:rPr lang="en-US" altLang="ko-KR" dirty="0"/>
+              <a:t>                        </a:t>
+            </a:r>
+            <a:r>
+              <a:rPr lang="ko-KR" altLang="en-US" dirty="0"/>
+              <a:t>뱀 사각형의 크기</a:t>
+            </a:r>
+            <a:r>
+              <a:rPr lang="en-US" altLang="ko-KR" dirty="0"/>
+              <a:t>(</a:t>
+            </a:r>
+            <a:r>
+              <a:rPr lang="ko-KR" altLang="en-US" dirty="0"/>
+              <a:t>왼쪽상단</a:t>
+            </a:r>
+            <a:r>
+              <a:rPr lang="en-US" altLang="ko-KR" dirty="0"/>
+              <a:t>)</a:t>
+            </a:r>
+            <a:endParaRPr lang="ko-KR" altLang="en-US" dirty="0"/>
+          </a:p>
+        </p:txBody>
+      </p:sp>
+      <p:sp>
+        <p:nvSpPr>
+          <p:cNvPr id="8" name="사각형: 둥근 모서리 7">
+            <a:extLst>
+              <a:ext uri="{FF2B5EF4-FFF2-40B4-BE49-F238E27FC236}">
+                <a16:creationId xmlns:a16="http://schemas.microsoft.com/office/drawing/2014/main" id="{96E99BFC-6DD7-4890-B7D3-437CB33DD6B1}"/>
+              </a:ext>
+            </a:extLst>
+          </p:cNvPr>
+          <p:cNvSpPr/>
+          <p:nvPr/>
+        </p:nvSpPr>
+        <p:spPr>
+          <a:xfrm>
+            <a:off x="1656522" y="3127513"/>
+            <a:ext cx="7938052" cy="463826"/>
+          </a:xfrm>
+          <a:prstGeom prst="roundRect">
+            <a:avLst/>
+          </a:prstGeom>
+          <a:noFill/>
+          <a:ln w="19050">
+            <a:solidFill>
+              <a:srgbClr val="FF0000"/>
+            </a:solidFill>
+          </a:ln>
+        </p:spPr>
+        <p:style>
+          <a:lnRef idx="2">
+            <a:schemeClr val="accent1">
+              <a:shade val="50000"/>
+            </a:schemeClr>
+          </a:lnRef>
+          <a:fillRef idx="1">
+            <a:schemeClr val="accent1"/>
+          </a:fillRef>
+          <a:effectRef idx="0">
+            <a:schemeClr val="accent1"/>
+          </a:effectRef>
+          <a:fontRef idx="minor">
+            <a:schemeClr val="lt1"/>
+          </a:fontRef>
+        </p:style>
+        <p:txBody>
+          <a:bodyPr rtlCol="0" anchor="ctr"/>
+          <a:lstStyle/>
+          <a:p>
+            <a:pPr algn="ctr"/>
+            <a:endParaRPr lang="ko-KR" altLang="en-US" dirty="0"/>
+          </a:p>
+        </p:txBody>
+      </p:sp>
+      <p:cxnSp>
+        <p:nvCxnSpPr>
+          <p:cNvPr id="10" name="직선 화살표 연결선 9">
+            <a:extLst>
+              <a:ext uri="{FF2B5EF4-FFF2-40B4-BE49-F238E27FC236}">
+                <a16:creationId xmlns:a16="http://schemas.microsoft.com/office/drawing/2014/main" id="{6A8E457B-4340-48C6-9DAE-0187EF12DF7C}"/>
+              </a:ext>
+            </a:extLst>
+          </p:cNvPr>
+          <p:cNvCxnSpPr/>
+          <p:nvPr/>
+        </p:nvCxnSpPr>
+        <p:spPr>
+          <a:xfrm flipV="1">
+            <a:off x="5261113" y="1285704"/>
+            <a:ext cx="1683026" cy="1841809"/>
+          </a:xfrm>
+          <a:prstGeom prst="straightConnector1">
+            <a:avLst/>
+          </a:prstGeom>
+          <a:ln>
+            <a:solidFill>
+              <a:srgbClr val="FF0000"/>
+            </a:solidFill>
+            <a:tailEnd type="triangle"/>
+          </a:ln>
+        </p:spPr>
+        <p:style>
+          <a:lnRef idx="1">
+            <a:schemeClr val="accent1"/>
+          </a:lnRef>
+          <a:fillRef idx="0">
+            <a:schemeClr val="accent1"/>
+          </a:fillRef>
+          <a:effectRef idx="0">
+            <a:schemeClr val="accent1"/>
+          </a:effectRef>
+          <a:fontRef idx="minor">
+            <a:schemeClr val="tx1"/>
+          </a:fontRef>
+        </p:style>
+      </p:cxnSp>
+      <p:sp>
+        <p:nvSpPr>
+          <p:cNvPr id="11" name="TextBox 10">
+            <a:extLst>
+              <a:ext uri="{FF2B5EF4-FFF2-40B4-BE49-F238E27FC236}">
+                <a16:creationId xmlns:a16="http://schemas.microsoft.com/office/drawing/2014/main" id="{727421B3-D0E3-4CA7-942E-D453748E4363}"/>
+              </a:ext>
+            </a:extLst>
+          </p:cNvPr>
+          <p:cNvSpPr txBox="1"/>
+          <p:nvPr/>
+        </p:nvSpPr>
+        <p:spPr>
+          <a:xfrm>
+            <a:off x="4867569" y="5299829"/>
+            <a:ext cx="4394152" cy="646331"/>
+          </a:xfrm>
+          <a:prstGeom prst="rect">
+            <a:avLst/>
+          </a:prstGeom>
+          <a:noFill/>
+        </p:spPr>
+        <p:txBody>
+          <a:bodyPr wrap="none" rtlCol="0">
+            <a:spAutoFit/>
+          </a:bodyPr>
+          <a:lstStyle/>
+          <a:p>
+            <a:r>
+              <a:rPr lang="ko-KR" altLang="en-US" dirty="0"/>
+              <a:t>현재 뱀의 위치와 같다면 반복문 계속 </a:t>
+            </a:r>
+            <a:endParaRPr lang="en-US" altLang="ko-KR" dirty="0"/>
+          </a:p>
+          <a:p>
+            <a:r>
+              <a:rPr lang="en-US" altLang="ko-KR" dirty="0"/>
+              <a:t>-&gt; </a:t>
+            </a:r>
+            <a:r>
+              <a:rPr lang="ko-KR" altLang="en-US" dirty="0"/>
+              <a:t>음식과 뱀의 위치가 같다는 것을 의미</a:t>
+            </a:r>
+          </a:p>
+        </p:txBody>
+      </p:sp>
+      <p:sp>
+        <p:nvSpPr>
+          <p:cNvPr id="12" name="사각형: 둥근 모서리 11">
+            <a:extLst>
+              <a:ext uri="{FF2B5EF4-FFF2-40B4-BE49-F238E27FC236}">
+                <a16:creationId xmlns:a16="http://schemas.microsoft.com/office/drawing/2014/main" id="{24832874-F70F-40F9-BFD4-472D44AEC358}"/>
+              </a:ext>
+            </a:extLst>
+          </p:cNvPr>
+          <p:cNvSpPr/>
+          <p:nvPr/>
+        </p:nvSpPr>
+        <p:spPr>
+          <a:xfrm>
+            <a:off x="1543878" y="4474133"/>
+            <a:ext cx="5652052" cy="746183"/>
+          </a:xfrm>
+          <a:prstGeom prst="roundRect">
+            <a:avLst/>
+          </a:prstGeom>
+          <a:noFill/>
+          <a:ln w="19050">
+            <a:solidFill>
+              <a:srgbClr val="FF0000"/>
+            </a:solidFill>
+          </a:ln>
+        </p:spPr>
+        <p:style>
+          <a:lnRef idx="2">
+            <a:schemeClr val="accent1">
+              <a:shade val="50000"/>
+            </a:schemeClr>
+          </a:lnRef>
+          <a:fillRef idx="1">
+            <a:schemeClr val="accent1"/>
+          </a:fillRef>
+          <a:effectRef idx="0">
+            <a:schemeClr val="accent1"/>
+          </a:effectRef>
+          <a:fontRef idx="minor">
+            <a:schemeClr val="lt1"/>
+          </a:fontRef>
+        </p:style>
+        <p:txBody>
+          <a:bodyPr rtlCol="0" anchor="ctr"/>
+          <a:lstStyle/>
+          <a:p>
+            <a:pPr algn="ctr"/>
+            <a:endParaRPr lang="ko-KR" altLang="en-US" dirty="0"/>
+          </a:p>
+        </p:txBody>
+      </p:sp>
+      <p:cxnSp>
+        <p:nvCxnSpPr>
+          <p:cNvPr id="13" name="직선 화살표 연결선 12">
+            <a:extLst>
+              <a:ext uri="{FF2B5EF4-FFF2-40B4-BE49-F238E27FC236}">
+                <a16:creationId xmlns:a16="http://schemas.microsoft.com/office/drawing/2014/main" id="{E57DDB2E-04EC-4FB7-8306-66CFDEF07070}"/>
+              </a:ext>
+            </a:extLst>
+          </p:cNvPr>
+          <p:cNvCxnSpPr>
+            <a:cxnSpLocks/>
+          </p:cNvCxnSpPr>
+          <p:nvPr/>
+        </p:nvCxnSpPr>
+        <p:spPr>
+          <a:xfrm>
+            <a:off x="3815491" y="5220317"/>
+            <a:ext cx="841513" cy="351979"/>
+          </a:xfrm>
+          <a:prstGeom prst="straightConnector1">
+            <a:avLst/>
+          </a:prstGeom>
+          <a:ln>
+            <a:solidFill>
+              <a:srgbClr val="FF0000"/>
+            </a:solidFill>
+            <a:tailEnd type="triangle"/>
+          </a:ln>
+        </p:spPr>
+        <p:style>
+          <a:lnRef idx="1">
+            <a:schemeClr val="accent1"/>
+          </a:lnRef>
+          <a:fillRef idx="0">
+            <a:schemeClr val="accent1"/>
+          </a:fillRef>
+          <a:effectRef idx="0">
+            <a:schemeClr val="accent1"/>
+          </a:effectRef>
+          <a:fontRef idx="minor">
+            <a:schemeClr val="tx1"/>
+          </a:fontRef>
+        </p:style>
+      </p:cxnSp>
+    </p:spTree>
+    <p:extLst>
+      <p:ext uri="{BB962C8B-B14F-4D97-AF65-F5344CB8AC3E}">
+        <p14:creationId xmlns:p14="http://schemas.microsoft.com/office/powerpoint/2010/main" val="715979731"/>
+      </p:ext>
+    </p:extLst>
+  </p:cSld>
+  <p:clrMapOvr>
+    <a:masterClrMapping/>
+  </p:clrMapOvr>
+</p:sld>
+</file>
+
+<file path=ppt/slides/slide24.xml><?xml version="1.0" encoding="utf-8"?>
+<p:sld xmlns:a="http://schemas.openxmlformats.org/drawingml/2006/main" xmlns:r="http://schemas.openxmlformats.org/officeDocument/2006/relationships" xmlns:p="http://schemas.openxmlformats.org/presentationml/2006/main">
+  <p:cSld>
+    <p:spTree>
+      <p:nvGrpSpPr>
+        <p:cNvPr id="1" name=""/>
+        <p:cNvGrpSpPr/>
+        <p:nvPr/>
+      </p:nvGrpSpPr>
+      <p:grpSpPr>
+        <a:xfrm>
+          <a:off x="0" y="0"/>
+          <a:ext cx="0" cy="0"/>
+          <a:chOff x="0" y="0"/>
+          <a:chExt cx="0" cy="0"/>
+        </a:xfrm>
+      </p:grpSpPr>
+      <p:sp>
+        <p:nvSpPr>
+          <p:cNvPr id="2" name="제목 1"/>
+          <p:cNvSpPr>
+            <a:spLocks noGrp="1"/>
+          </p:cNvSpPr>
+          <p:nvPr>
+            <p:ph type="title"/>
+          </p:nvPr>
+        </p:nvSpPr>
+        <p:spPr/>
+        <p:txBody>
+          <a:bodyPr/>
+          <a:lstStyle/>
+          <a:p>
+            <a:r>
+              <a:rPr lang="en-US" altLang="ko-KR" dirty="0"/>
+              <a:t>5. </a:t>
+            </a:r>
+            <a:r>
+              <a:rPr lang="ko-KR" altLang="en-US" dirty="0"/>
+              <a:t>음식 추가하기 </a:t>
+            </a:r>
+            <a:r>
+              <a:rPr lang="en-US" altLang="ko-KR" dirty="0"/>
+              <a:t>- </a:t>
+            </a:r>
+            <a:r>
+              <a:rPr lang="ko-KR" altLang="en-US" dirty="0"/>
+              <a:t>소스코드</a:t>
+            </a:r>
+          </a:p>
+        </p:txBody>
+      </p:sp>
+      <p:cxnSp>
+        <p:nvCxnSpPr>
+          <p:cNvPr id="4" name="직선 연결선 3"/>
+          <p:cNvCxnSpPr/>
+          <p:nvPr/>
+        </p:nvCxnSpPr>
+        <p:spPr>
+          <a:xfrm>
+            <a:off x="220718" y="1690688"/>
+            <a:ext cx="11429999" cy="0"/>
+          </a:xfrm>
+          <a:prstGeom prst="line">
+            <a:avLst/>
+          </a:prstGeom>
+          <a:ln w="57150">
+            <a:solidFill>
+              <a:srgbClr val="00B050"/>
+            </a:solidFill>
+          </a:ln>
+        </p:spPr>
+        <p:style>
+          <a:lnRef idx="1">
+            <a:schemeClr val="accent1"/>
+          </a:lnRef>
+          <a:fillRef idx="0">
+            <a:schemeClr val="accent1"/>
+          </a:fillRef>
+          <a:effectRef idx="0">
+            <a:schemeClr val="accent1"/>
+          </a:effectRef>
+          <a:fontRef idx="minor">
+            <a:schemeClr val="tx1"/>
+          </a:fontRef>
+        </p:style>
+      </p:cxnSp>
+      <p:cxnSp>
+        <p:nvCxnSpPr>
+          <p:cNvPr id="5" name="직선 연결선 4"/>
+          <p:cNvCxnSpPr/>
+          <p:nvPr/>
+        </p:nvCxnSpPr>
+        <p:spPr>
+          <a:xfrm flipH="1">
+            <a:off x="522067" y="488731"/>
+            <a:ext cx="490" cy="1655379"/>
+          </a:xfrm>
+          <a:prstGeom prst="line">
+            <a:avLst/>
+          </a:prstGeom>
+          <a:ln w="28575">
+            <a:solidFill>
+              <a:srgbClr val="92D050"/>
+            </a:solidFill>
+          </a:ln>
+        </p:spPr>
+        <p:style>
+          <a:lnRef idx="1">
+            <a:schemeClr val="accent1"/>
+          </a:lnRef>
+          <a:fillRef idx="0">
+            <a:schemeClr val="accent1"/>
+          </a:fillRef>
+          <a:effectRef idx="0">
+            <a:schemeClr val="accent1"/>
+          </a:effectRef>
+          <a:fontRef idx="minor">
+            <a:schemeClr val="tx1"/>
+          </a:fontRef>
+        </p:style>
+      </p:cxnSp>
+      <p:pic>
+        <p:nvPicPr>
+          <p:cNvPr id="6" name="내용 개체 틀 5">
+            <a:extLst>
+              <a:ext uri="{FF2B5EF4-FFF2-40B4-BE49-F238E27FC236}">
+                <a16:creationId xmlns:a16="http://schemas.microsoft.com/office/drawing/2014/main" id="{A067ACA8-FD62-4ABA-B90C-80D51BB996DC}"/>
+              </a:ext>
+            </a:extLst>
+          </p:cNvPr>
+          <p:cNvPicPr>
+            <a:picLocks noGrp="1" noChangeAspect="1"/>
+          </p:cNvPicPr>
+          <p:nvPr>
+            <p:ph idx="1"/>
+          </p:nvPr>
+        </p:nvPicPr>
+        <p:blipFill>
+          <a:blip r:embed="rId2"/>
+          <a:stretch>
+            <a:fillRect/>
+          </a:stretch>
+        </p:blipFill>
+        <p:spPr>
+          <a:xfrm>
+            <a:off x="638377" y="1810305"/>
+            <a:ext cx="4667906" cy="4936434"/>
+          </a:xfrm>
+          <a:prstGeom prst="rect">
+            <a:avLst/>
+          </a:prstGeom>
+          <a:ln w="38100" cap="sq">
+            <a:solidFill>
+              <a:srgbClr val="000000"/>
+            </a:solidFill>
+            <a:prstDash val="solid"/>
+            <a:miter lim="800000"/>
+          </a:ln>
+          <a:effectLst>
+            <a:outerShdw blurRad="50800" dist="38100" dir="2700000" algn="tl" rotWithShape="0">
+              <a:srgbClr val="000000">
+                <a:alpha val="43000"/>
+              </a:srgbClr>
+            </a:outerShdw>
+          </a:effectLst>
+        </p:spPr>
+      </p:pic>
+      <p:pic>
+        <p:nvPicPr>
+          <p:cNvPr id="7" name="그림 6">
+            <a:extLst>
+              <a:ext uri="{FF2B5EF4-FFF2-40B4-BE49-F238E27FC236}">
+                <a16:creationId xmlns:a16="http://schemas.microsoft.com/office/drawing/2014/main" id="{99F4F66F-48BE-422B-8F3D-0E8DC64C01BD}"/>
+              </a:ext>
+            </a:extLst>
+          </p:cNvPr>
+          <p:cNvPicPr>
+            <a:picLocks noChangeAspect="1"/>
+          </p:cNvPicPr>
+          <p:nvPr/>
+        </p:nvPicPr>
+        <p:blipFill>
+          <a:blip r:embed="rId3"/>
+          <a:stretch>
+            <a:fillRect/>
+          </a:stretch>
+        </p:blipFill>
+        <p:spPr>
+          <a:xfrm>
+            <a:off x="5715213" y="1847989"/>
+            <a:ext cx="5772150" cy="4419600"/>
+          </a:xfrm>
+          <a:prstGeom prst="rect">
+            <a:avLst/>
+          </a:prstGeom>
+          <a:ln w="38100" cap="sq">
+            <a:solidFill>
+              <a:srgbClr val="000000"/>
+            </a:solidFill>
+            <a:prstDash val="solid"/>
+            <a:miter lim="800000"/>
+          </a:ln>
+          <a:effectLst>
+            <a:outerShdw blurRad="50800" dist="38100" dir="2700000" algn="tl" rotWithShape="0">
+              <a:srgbClr val="000000">
+                <a:alpha val="43000"/>
+              </a:srgbClr>
+            </a:outerShdw>
+          </a:effectLst>
+        </p:spPr>
+      </p:pic>
+      <p:sp>
+        <p:nvSpPr>
+          <p:cNvPr id="8" name="사각형: 둥근 모서리 7">
+            <a:extLst>
+              <a:ext uri="{FF2B5EF4-FFF2-40B4-BE49-F238E27FC236}">
+                <a16:creationId xmlns:a16="http://schemas.microsoft.com/office/drawing/2014/main" id="{B0703531-AE0B-421C-9CFF-64EEA140CE6E}"/>
+              </a:ext>
+            </a:extLst>
+          </p:cNvPr>
+          <p:cNvSpPr/>
+          <p:nvPr/>
+        </p:nvSpPr>
+        <p:spPr>
+          <a:xfrm>
+            <a:off x="980661" y="2197118"/>
+            <a:ext cx="1205948" cy="214777"/>
+          </a:xfrm>
+          <a:prstGeom prst="roundRect">
+            <a:avLst/>
+          </a:prstGeom>
+          <a:noFill/>
+          <a:ln>
+            <a:solidFill>
+              <a:srgbClr val="FF0000"/>
+            </a:solidFill>
+          </a:ln>
+        </p:spPr>
+        <p:style>
+          <a:lnRef idx="2">
+            <a:schemeClr val="accent1">
+              <a:shade val="50000"/>
+            </a:schemeClr>
+          </a:lnRef>
+          <a:fillRef idx="1">
+            <a:schemeClr val="accent1"/>
+          </a:fillRef>
+          <a:effectRef idx="0">
+            <a:schemeClr val="accent1"/>
+          </a:effectRef>
+          <a:fontRef idx="minor">
+            <a:schemeClr val="lt1"/>
+          </a:fontRef>
+        </p:style>
+        <p:txBody>
+          <a:bodyPr rtlCol="0" anchor="ctr"/>
+          <a:lstStyle/>
+          <a:p>
+            <a:pPr algn="ctr"/>
+            <a:endParaRPr lang="ko-KR" altLang="en-US" dirty="0"/>
+          </a:p>
+        </p:txBody>
+      </p:sp>
+      <p:sp>
+        <p:nvSpPr>
+          <p:cNvPr id="10" name="사각형: 둥근 모서리 9">
+            <a:extLst>
+              <a:ext uri="{FF2B5EF4-FFF2-40B4-BE49-F238E27FC236}">
+                <a16:creationId xmlns:a16="http://schemas.microsoft.com/office/drawing/2014/main" id="{2F591697-2FDA-4287-9672-A38D2CCA4641}"/>
+              </a:ext>
+            </a:extLst>
+          </p:cNvPr>
+          <p:cNvSpPr/>
+          <p:nvPr/>
+        </p:nvSpPr>
+        <p:spPr>
+          <a:xfrm>
+            <a:off x="6149008" y="4291774"/>
+            <a:ext cx="1497495" cy="187461"/>
+          </a:xfrm>
+          <a:prstGeom prst="roundRect">
+            <a:avLst/>
+          </a:prstGeom>
+          <a:noFill/>
+          <a:ln>
+            <a:solidFill>
+              <a:srgbClr val="FF0000"/>
+            </a:solidFill>
+          </a:ln>
+        </p:spPr>
+        <p:style>
+          <a:lnRef idx="2">
+            <a:schemeClr val="accent1">
+              <a:shade val="50000"/>
+            </a:schemeClr>
+          </a:lnRef>
+          <a:fillRef idx="1">
+            <a:schemeClr val="accent1"/>
+          </a:fillRef>
+          <a:effectRef idx="0">
+            <a:schemeClr val="accent1"/>
+          </a:effectRef>
+          <a:fontRef idx="minor">
+            <a:schemeClr val="lt1"/>
+          </a:fontRef>
+        </p:style>
+        <p:txBody>
+          <a:bodyPr rtlCol="0" anchor="ctr"/>
+          <a:lstStyle/>
+          <a:p>
+            <a:pPr algn="ctr"/>
+            <a:endParaRPr lang="ko-KR" altLang="en-US" dirty="0"/>
+          </a:p>
+        </p:txBody>
+      </p:sp>
+      <p:sp>
+        <p:nvSpPr>
+          <p:cNvPr id="11" name="사각형: 둥근 모서리 10">
+            <a:extLst>
+              <a:ext uri="{FF2B5EF4-FFF2-40B4-BE49-F238E27FC236}">
+                <a16:creationId xmlns:a16="http://schemas.microsoft.com/office/drawing/2014/main" id="{615567EB-C49C-495A-A49A-F75E0F18FD14}"/>
+              </a:ext>
+            </a:extLst>
+          </p:cNvPr>
+          <p:cNvSpPr/>
+          <p:nvPr/>
+        </p:nvSpPr>
+        <p:spPr>
+          <a:xfrm>
+            <a:off x="6149008" y="5782644"/>
+            <a:ext cx="1497495" cy="471693"/>
+          </a:xfrm>
+          <a:prstGeom prst="roundRect">
+            <a:avLst/>
+          </a:prstGeom>
+          <a:noFill/>
+          <a:ln>
+            <a:solidFill>
+              <a:srgbClr val="FF0000"/>
+            </a:solidFill>
+          </a:ln>
+        </p:spPr>
+        <p:style>
+          <a:lnRef idx="2">
+            <a:schemeClr val="accent1">
+              <a:shade val="50000"/>
+            </a:schemeClr>
+          </a:lnRef>
+          <a:fillRef idx="1">
+            <a:schemeClr val="accent1"/>
+          </a:fillRef>
+          <a:effectRef idx="0">
+            <a:schemeClr val="accent1"/>
+          </a:effectRef>
+          <a:fontRef idx="minor">
+            <a:schemeClr val="lt1"/>
+          </a:fontRef>
+        </p:style>
+        <p:txBody>
+          <a:bodyPr rtlCol="0" anchor="ctr"/>
+          <a:lstStyle/>
+          <a:p>
+            <a:pPr algn="ctr"/>
+            <a:endParaRPr lang="ko-KR" altLang="en-US" dirty="0"/>
+          </a:p>
+        </p:txBody>
+      </p:sp>
+      <p:sp>
+        <p:nvSpPr>
+          <p:cNvPr id="12" name="사각형: 둥근 모서리 11">
+            <a:extLst>
+              <a:ext uri="{FF2B5EF4-FFF2-40B4-BE49-F238E27FC236}">
+                <a16:creationId xmlns:a16="http://schemas.microsoft.com/office/drawing/2014/main" id="{5CB58DC7-DBAC-423D-B202-C5B3E63B573E}"/>
+              </a:ext>
+            </a:extLst>
+          </p:cNvPr>
+          <p:cNvSpPr/>
+          <p:nvPr/>
+        </p:nvSpPr>
+        <p:spPr>
+          <a:xfrm>
+            <a:off x="9614452" y="2317758"/>
+            <a:ext cx="1872911" cy="213407"/>
+          </a:xfrm>
+          <a:prstGeom prst="roundRect">
+            <a:avLst/>
+          </a:prstGeom>
+          <a:noFill/>
+          <a:ln>
+            <a:solidFill>
+              <a:srgbClr val="FF0000"/>
+            </a:solidFill>
+          </a:ln>
+        </p:spPr>
+        <p:style>
+          <a:lnRef idx="2">
+            <a:schemeClr val="accent1">
+              <a:shade val="50000"/>
+            </a:schemeClr>
+          </a:lnRef>
+          <a:fillRef idx="1">
+            <a:schemeClr val="accent1"/>
+          </a:fillRef>
+          <a:effectRef idx="0">
+            <a:schemeClr val="accent1"/>
+          </a:effectRef>
+          <a:fontRef idx="minor">
+            <a:schemeClr val="lt1"/>
+          </a:fontRef>
+        </p:style>
+        <p:txBody>
+          <a:bodyPr rtlCol="0" anchor="ctr"/>
+          <a:lstStyle/>
+          <a:p>
+            <a:pPr algn="ctr"/>
+            <a:endParaRPr lang="ko-KR" altLang="en-US" dirty="0"/>
+          </a:p>
+        </p:txBody>
+      </p:sp>
+      <p:sp>
+        <p:nvSpPr>
+          <p:cNvPr id="13" name="TextBox 12">
+            <a:extLst>
+              <a:ext uri="{FF2B5EF4-FFF2-40B4-BE49-F238E27FC236}">
+                <a16:creationId xmlns:a16="http://schemas.microsoft.com/office/drawing/2014/main" id="{CC96A2CA-B63C-4199-BE93-F250B8F169B3}"/>
+              </a:ext>
+            </a:extLst>
+          </p:cNvPr>
+          <p:cNvSpPr txBox="1"/>
+          <p:nvPr/>
+        </p:nvSpPr>
+        <p:spPr>
+          <a:xfrm>
+            <a:off x="10720552" y="6356401"/>
+            <a:ext cx="1189749" cy="369332"/>
+          </a:xfrm>
+          <a:prstGeom prst="rect">
+            <a:avLst/>
+          </a:prstGeom>
+          <a:noFill/>
+        </p:spPr>
+        <p:txBody>
+          <a:bodyPr wrap="none" rtlCol="0">
+            <a:spAutoFit/>
+          </a:bodyPr>
+          <a:lstStyle/>
+          <a:p>
+            <a:r>
+              <a:rPr lang="ko-KR" altLang="en-US" dirty="0"/>
+              <a:t>뒤에 계속</a:t>
+            </a:r>
+          </a:p>
+        </p:txBody>
+      </p:sp>
+    </p:spTree>
+    <p:extLst>
+      <p:ext uri="{BB962C8B-B14F-4D97-AF65-F5344CB8AC3E}">
+        <p14:creationId xmlns:p14="http://schemas.microsoft.com/office/powerpoint/2010/main" val="3249417907"/>
+      </p:ext>
+    </p:extLst>
+  </p:cSld>
+  <p:clrMapOvr>
+    <a:masterClrMapping/>
+  </p:clrMapOvr>
+</p:sld>
+</file>
+
+<file path=ppt/slides/slide25.xml><?xml version="1.0" encoding="utf-8"?>
+<p:sld xmlns:a="http://schemas.openxmlformats.org/drawingml/2006/main" xmlns:r="http://schemas.openxmlformats.org/officeDocument/2006/relationships" xmlns:p="http://schemas.openxmlformats.org/presentationml/2006/main">
+  <p:cSld>
+    <p:spTree>
+      <p:nvGrpSpPr>
+        <p:cNvPr id="1" name=""/>
+        <p:cNvGrpSpPr/>
+        <p:nvPr/>
+      </p:nvGrpSpPr>
+      <p:grpSpPr>
+        <a:xfrm>
+          <a:off x="0" y="0"/>
+          <a:ext cx="0" cy="0"/>
+          <a:chOff x="0" y="0"/>
+          <a:chExt cx="0" cy="0"/>
+        </a:xfrm>
+      </p:grpSpPr>
+      <p:sp>
+        <p:nvSpPr>
+          <p:cNvPr id="2" name="제목 1"/>
+          <p:cNvSpPr>
+            <a:spLocks noGrp="1"/>
+          </p:cNvSpPr>
+          <p:nvPr>
+            <p:ph type="title"/>
+          </p:nvPr>
+        </p:nvSpPr>
+        <p:spPr/>
+        <p:txBody>
+          <a:bodyPr/>
+          <a:lstStyle/>
+          <a:p>
+            <a:r>
+              <a:rPr lang="en-US" altLang="ko-KR" dirty="0"/>
+              <a:t>5. </a:t>
+            </a:r>
+            <a:r>
+              <a:rPr lang="ko-KR" altLang="en-US" dirty="0"/>
+              <a:t>음식 추가하기 </a:t>
+            </a:r>
+            <a:r>
+              <a:rPr lang="en-US" altLang="ko-KR" dirty="0"/>
+              <a:t>- </a:t>
+            </a:r>
+            <a:r>
+              <a:rPr lang="ko-KR" altLang="en-US" dirty="0"/>
+              <a:t>소스코드</a:t>
+            </a:r>
+          </a:p>
+        </p:txBody>
+      </p:sp>
+      <p:cxnSp>
+        <p:nvCxnSpPr>
+          <p:cNvPr id="4" name="직선 연결선 3"/>
+          <p:cNvCxnSpPr/>
+          <p:nvPr/>
+        </p:nvCxnSpPr>
+        <p:spPr>
+          <a:xfrm>
+            <a:off x="220718" y="1690688"/>
+            <a:ext cx="11429999" cy="0"/>
+          </a:xfrm>
+          <a:prstGeom prst="line">
+            <a:avLst/>
+          </a:prstGeom>
+          <a:ln w="57150">
+            <a:solidFill>
+              <a:srgbClr val="00B050"/>
+            </a:solidFill>
+          </a:ln>
+        </p:spPr>
+        <p:style>
+          <a:lnRef idx="1">
+            <a:schemeClr val="accent1"/>
+          </a:lnRef>
+          <a:fillRef idx="0">
+            <a:schemeClr val="accent1"/>
+          </a:fillRef>
+          <a:effectRef idx="0">
+            <a:schemeClr val="accent1"/>
+          </a:effectRef>
+          <a:fontRef idx="minor">
+            <a:schemeClr val="tx1"/>
+          </a:fontRef>
+        </p:style>
+      </p:cxnSp>
+      <p:cxnSp>
+        <p:nvCxnSpPr>
+          <p:cNvPr id="5" name="직선 연결선 4"/>
+          <p:cNvCxnSpPr/>
+          <p:nvPr/>
+        </p:nvCxnSpPr>
+        <p:spPr>
+          <a:xfrm flipH="1">
+            <a:off x="522067" y="488731"/>
+            <a:ext cx="490" cy="1655379"/>
+          </a:xfrm>
+          <a:prstGeom prst="line">
+            <a:avLst/>
+          </a:prstGeom>
+          <a:ln w="28575">
+            <a:solidFill>
+              <a:srgbClr val="92D050"/>
+            </a:solidFill>
+          </a:ln>
+        </p:spPr>
+        <p:style>
+          <a:lnRef idx="1">
+            <a:schemeClr val="accent1"/>
+          </a:lnRef>
+          <a:fillRef idx="0">
+            <a:schemeClr val="accent1"/>
+          </a:fillRef>
+          <a:effectRef idx="0">
+            <a:schemeClr val="accent1"/>
+          </a:effectRef>
+          <a:fontRef idx="minor">
+            <a:schemeClr val="tx1"/>
+          </a:fontRef>
+        </p:style>
+      </p:cxnSp>
+      <p:pic>
+        <p:nvPicPr>
+          <p:cNvPr id="6" name="내용 개체 틀 5">
+            <a:extLst>
+              <a:ext uri="{FF2B5EF4-FFF2-40B4-BE49-F238E27FC236}">
+                <a16:creationId xmlns:a16="http://schemas.microsoft.com/office/drawing/2014/main" id="{371AD40F-581C-44B4-B1BA-7936532DFB0C}"/>
+              </a:ext>
+            </a:extLst>
+          </p:cNvPr>
+          <p:cNvPicPr>
+            <a:picLocks noGrp="1" noChangeAspect="1"/>
+          </p:cNvPicPr>
+          <p:nvPr>
+            <p:ph idx="1"/>
+          </p:nvPr>
+        </p:nvPicPr>
+        <p:blipFill>
+          <a:blip r:embed="rId2"/>
+          <a:stretch>
+            <a:fillRect/>
+          </a:stretch>
+        </p:blipFill>
+        <p:spPr>
+          <a:xfrm>
+            <a:off x="933418" y="1900237"/>
+            <a:ext cx="10325163" cy="4699343"/>
+          </a:xfrm>
+          <a:prstGeom prst="rect">
+            <a:avLst/>
+          </a:prstGeom>
+          <a:ln w="38100" cap="sq">
+            <a:solidFill>
+              <a:srgbClr val="000000"/>
+            </a:solidFill>
+            <a:prstDash val="solid"/>
+            <a:miter lim="800000"/>
+          </a:ln>
+          <a:effectLst>
+            <a:outerShdw blurRad="50800" dist="38100" dir="2700000" algn="tl" rotWithShape="0">
+              <a:srgbClr val="000000">
+                <a:alpha val="43000"/>
+              </a:srgbClr>
+            </a:outerShdw>
+          </a:effectLst>
+        </p:spPr>
+      </p:pic>
+      <p:sp>
+        <p:nvSpPr>
+          <p:cNvPr id="7" name="TextBox 6">
+            <a:extLst>
+              <a:ext uri="{FF2B5EF4-FFF2-40B4-BE49-F238E27FC236}">
+                <a16:creationId xmlns:a16="http://schemas.microsoft.com/office/drawing/2014/main" id="{39B7FE53-F695-4302-B04C-59E584DD7643}"/>
+              </a:ext>
+            </a:extLst>
+          </p:cNvPr>
+          <p:cNvSpPr txBox="1"/>
+          <p:nvPr/>
+        </p:nvSpPr>
+        <p:spPr>
+          <a:xfrm>
+            <a:off x="4174435" y="5671930"/>
+            <a:ext cx="5373587" cy="369332"/>
+          </a:xfrm>
+          <a:prstGeom prst="rect">
+            <a:avLst/>
+          </a:prstGeom>
+          <a:noFill/>
+        </p:spPr>
+        <p:txBody>
+          <a:bodyPr wrap="none" rtlCol="0">
+            <a:spAutoFit/>
+          </a:bodyPr>
+          <a:lstStyle/>
+          <a:p>
+            <a:r>
+              <a:rPr lang="ko-KR" altLang="en-US"/>
+              <a:t>음식을 먹을 때마다 점수를 증가 시키기 위한 변수</a:t>
+            </a:r>
+          </a:p>
+        </p:txBody>
+      </p:sp>
+      <p:sp>
+        <p:nvSpPr>
+          <p:cNvPr id="8" name="사각형: 둥근 모서리 7">
+            <a:extLst>
+              <a:ext uri="{FF2B5EF4-FFF2-40B4-BE49-F238E27FC236}">
+                <a16:creationId xmlns:a16="http://schemas.microsoft.com/office/drawing/2014/main" id="{F17FC099-5438-4810-9976-8FD7667C5B34}"/>
+              </a:ext>
+            </a:extLst>
+          </p:cNvPr>
+          <p:cNvSpPr/>
+          <p:nvPr/>
+        </p:nvSpPr>
+        <p:spPr>
+          <a:xfrm>
+            <a:off x="1622364" y="5569570"/>
+            <a:ext cx="1497495" cy="369332"/>
+          </a:xfrm>
+          <a:prstGeom prst="roundRect">
+            <a:avLst/>
+          </a:prstGeom>
+          <a:noFill/>
+          <a:ln>
+            <a:solidFill>
+              <a:srgbClr val="FF0000"/>
+            </a:solidFill>
+          </a:ln>
+        </p:spPr>
+        <p:style>
+          <a:lnRef idx="2">
+            <a:schemeClr val="accent1">
+              <a:shade val="50000"/>
+            </a:schemeClr>
+          </a:lnRef>
+          <a:fillRef idx="1">
+            <a:schemeClr val="accent1"/>
+          </a:fillRef>
+          <a:effectRef idx="0">
+            <a:schemeClr val="accent1"/>
+          </a:effectRef>
+          <a:fontRef idx="minor">
+            <a:schemeClr val="lt1"/>
+          </a:fontRef>
+        </p:style>
+        <p:txBody>
+          <a:bodyPr rtlCol="0" anchor="ctr"/>
+          <a:lstStyle/>
+          <a:p>
+            <a:pPr algn="ctr"/>
+            <a:endParaRPr lang="ko-KR" altLang="en-US" dirty="0"/>
+          </a:p>
+        </p:txBody>
+      </p:sp>
+      <p:cxnSp>
+        <p:nvCxnSpPr>
+          <p:cNvPr id="10" name="직선 화살표 연결선 9">
+            <a:extLst>
+              <a:ext uri="{FF2B5EF4-FFF2-40B4-BE49-F238E27FC236}">
+                <a16:creationId xmlns:a16="http://schemas.microsoft.com/office/drawing/2014/main" id="{18B4AC0D-07D7-4E0B-B95F-4034B3F9F629}"/>
+              </a:ext>
+            </a:extLst>
+          </p:cNvPr>
+          <p:cNvCxnSpPr>
+            <a:endCxn id="7" idx="1"/>
+          </p:cNvCxnSpPr>
+          <p:nvPr/>
+        </p:nvCxnSpPr>
+        <p:spPr>
+          <a:xfrm>
+            <a:off x="3233530" y="5777948"/>
+            <a:ext cx="940905" cy="78648"/>
+          </a:xfrm>
+          <a:prstGeom prst="straightConnector1">
+            <a:avLst/>
+          </a:prstGeom>
+          <a:ln>
+            <a:solidFill>
+              <a:srgbClr val="FF0000"/>
+            </a:solidFill>
+            <a:tailEnd type="triangle"/>
+          </a:ln>
+        </p:spPr>
+        <p:style>
+          <a:lnRef idx="1">
+            <a:schemeClr val="accent1"/>
+          </a:lnRef>
+          <a:fillRef idx="0">
+            <a:schemeClr val="accent1"/>
+          </a:fillRef>
+          <a:effectRef idx="0">
+            <a:schemeClr val="accent1"/>
+          </a:effectRef>
+          <a:fontRef idx="minor">
+            <a:schemeClr val="tx1"/>
+          </a:fontRef>
+        </p:style>
+      </p:cxnSp>
+      <p:sp>
+        <p:nvSpPr>
+          <p:cNvPr id="11" name="TextBox 10">
+            <a:extLst>
+              <a:ext uri="{FF2B5EF4-FFF2-40B4-BE49-F238E27FC236}">
+                <a16:creationId xmlns:a16="http://schemas.microsoft.com/office/drawing/2014/main" id="{0C480E31-501F-4824-AFA6-D7BA14A88389}"/>
+              </a:ext>
+            </a:extLst>
+          </p:cNvPr>
+          <p:cNvSpPr txBox="1"/>
+          <p:nvPr/>
+        </p:nvSpPr>
+        <p:spPr>
+          <a:xfrm>
+            <a:off x="10004934" y="6197376"/>
+            <a:ext cx="1189749" cy="369332"/>
+          </a:xfrm>
+          <a:prstGeom prst="rect">
+            <a:avLst/>
+          </a:prstGeom>
+          <a:noFill/>
+        </p:spPr>
+        <p:txBody>
+          <a:bodyPr wrap="none" rtlCol="0">
+            <a:spAutoFit/>
+          </a:bodyPr>
+          <a:lstStyle/>
+          <a:p>
+            <a:r>
+              <a:rPr lang="ko-KR" altLang="en-US" dirty="0"/>
+              <a:t>뒤에 계속</a:t>
+            </a:r>
+          </a:p>
+        </p:txBody>
+      </p:sp>
+    </p:spTree>
+    <p:extLst>
+      <p:ext uri="{BB962C8B-B14F-4D97-AF65-F5344CB8AC3E}">
+        <p14:creationId xmlns:p14="http://schemas.microsoft.com/office/powerpoint/2010/main" val="29555237"/>
+      </p:ext>
+    </p:extLst>
+  </p:cSld>
+  <p:clrMapOvr>
+    <a:masterClrMapping/>
+  </p:clrMapOvr>
+</p:sld>
+</file>
+
+<file path=ppt/slides/slide26.xml><?xml version="1.0" encoding="utf-8"?>
+<p:sld xmlns:a="http://schemas.openxmlformats.org/drawingml/2006/main" xmlns:r="http://schemas.openxmlformats.org/officeDocument/2006/relationships" xmlns:p="http://schemas.openxmlformats.org/presentationml/2006/main">
+  <p:cSld>
+    <p:spTree>
+      <p:nvGrpSpPr>
+        <p:cNvPr id="1" name=""/>
+        <p:cNvGrpSpPr/>
+        <p:nvPr/>
+      </p:nvGrpSpPr>
+      <p:grpSpPr>
+        <a:xfrm>
+          <a:off x="0" y="0"/>
+          <a:ext cx="0" cy="0"/>
+          <a:chOff x="0" y="0"/>
+          <a:chExt cx="0" cy="0"/>
+        </a:xfrm>
+      </p:grpSpPr>
+      <p:sp>
+        <p:nvSpPr>
+          <p:cNvPr id="2" name="제목 1"/>
+          <p:cNvSpPr>
+            <a:spLocks noGrp="1"/>
+          </p:cNvSpPr>
+          <p:nvPr>
+            <p:ph type="title"/>
+          </p:nvPr>
+        </p:nvSpPr>
+        <p:spPr/>
+        <p:txBody>
+          <a:bodyPr/>
+          <a:lstStyle/>
+          <a:p>
+            <a:r>
+              <a:rPr lang="en-US" altLang="ko-KR" dirty="0"/>
+              <a:t>5. </a:t>
+            </a:r>
+            <a:r>
+              <a:rPr lang="ko-KR" altLang="en-US" dirty="0"/>
+              <a:t>음식 추가하기 </a:t>
+            </a:r>
+            <a:r>
+              <a:rPr lang="en-US" altLang="ko-KR" dirty="0"/>
+              <a:t>- </a:t>
+            </a:r>
+            <a:r>
+              <a:rPr lang="ko-KR" altLang="en-US" dirty="0"/>
+              <a:t>소스코드</a:t>
+            </a:r>
+          </a:p>
+        </p:txBody>
+      </p:sp>
+      <p:cxnSp>
+        <p:nvCxnSpPr>
+          <p:cNvPr id="4" name="직선 연결선 3"/>
+          <p:cNvCxnSpPr/>
+          <p:nvPr/>
+        </p:nvCxnSpPr>
+        <p:spPr>
+          <a:xfrm>
+            <a:off x="220718" y="1690688"/>
+            <a:ext cx="11429999" cy="0"/>
+          </a:xfrm>
+          <a:prstGeom prst="line">
+            <a:avLst/>
+          </a:prstGeom>
+          <a:ln w="57150">
+            <a:solidFill>
+              <a:srgbClr val="00B050"/>
+            </a:solidFill>
+          </a:ln>
+        </p:spPr>
+        <p:style>
+          <a:lnRef idx="1">
+            <a:schemeClr val="accent1"/>
+          </a:lnRef>
+          <a:fillRef idx="0">
+            <a:schemeClr val="accent1"/>
+          </a:fillRef>
+          <a:effectRef idx="0">
+            <a:schemeClr val="accent1"/>
+          </a:effectRef>
+          <a:fontRef idx="minor">
+            <a:schemeClr val="tx1"/>
+          </a:fontRef>
+        </p:style>
+      </p:cxnSp>
+      <p:cxnSp>
+        <p:nvCxnSpPr>
+          <p:cNvPr id="5" name="직선 연결선 4"/>
+          <p:cNvCxnSpPr/>
+          <p:nvPr/>
+        </p:nvCxnSpPr>
+        <p:spPr>
+          <a:xfrm flipH="1">
+            <a:off x="522067" y="488731"/>
+            <a:ext cx="490" cy="1655379"/>
+          </a:xfrm>
+          <a:prstGeom prst="line">
+            <a:avLst/>
+          </a:prstGeom>
+          <a:ln w="28575">
+            <a:solidFill>
+              <a:srgbClr val="92D050"/>
+            </a:solidFill>
+          </a:ln>
+        </p:spPr>
+        <p:style>
+          <a:lnRef idx="1">
+            <a:schemeClr val="accent1"/>
+          </a:lnRef>
+          <a:fillRef idx="0">
+            <a:schemeClr val="accent1"/>
+          </a:fillRef>
+          <a:effectRef idx="0">
+            <a:schemeClr val="accent1"/>
+          </a:effectRef>
+          <a:fontRef idx="minor">
+            <a:schemeClr val="tx1"/>
+          </a:fontRef>
+        </p:style>
+      </p:cxnSp>
+      <p:pic>
+        <p:nvPicPr>
+          <p:cNvPr id="6" name="내용 개체 틀 5">
+            <a:extLst>
+              <a:ext uri="{FF2B5EF4-FFF2-40B4-BE49-F238E27FC236}">
+                <a16:creationId xmlns:a16="http://schemas.microsoft.com/office/drawing/2014/main" id="{65B8598A-CEF8-42C2-BA34-646823D92F01}"/>
+              </a:ext>
+            </a:extLst>
+          </p:cNvPr>
+          <p:cNvPicPr>
+            <a:picLocks noGrp="1" noChangeAspect="1"/>
+          </p:cNvPicPr>
+          <p:nvPr>
+            <p:ph idx="1"/>
+          </p:nvPr>
+        </p:nvPicPr>
+        <p:blipFill>
+          <a:blip r:embed="rId2"/>
+          <a:stretch>
+            <a:fillRect/>
+          </a:stretch>
+        </p:blipFill>
+        <p:spPr>
+          <a:xfrm>
+            <a:off x="823906" y="1891885"/>
+            <a:ext cx="4143698" cy="4874395"/>
+          </a:xfrm>
+          <a:prstGeom prst="rect">
+            <a:avLst/>
+          </a:prstGeom>
+          <a:ln w="38100" cap="sq">
+            <a:solidFill>
+              <a:srgbClr val="000000"/>
+            </a:solidFill>
+            <a:prstDash val="solid"/>
+            <a:miter lim="800000"/>
+          </a:ln>
+          <a:effectLst>
+            <a:outerShdw blurRad="50800" dist="38100" dir="2700000" algn="tl" rotWithShape="0">
+              <a:srgbClr val="000000">
+                <a:alpha val="43000"/>
+              </a:srgbClr>
+            </a:outerShdw>
+          </a:effectLst>
+        </p:spPr>
+      </p:pic>
+      <p:pic>
+        <p:nvPicPr>
+          <p:cNvPr id="7" name="그림 6">
+            <a:extLst>
+              <a:ext uri="{FF2B5EF4-FFF2-40B4-BE49-F238E27FC236}">
+                <a16:creationId xmlns:a16="http://schemas.microsoft.com/office/drawing/2014/main" id="{BF228897-09D1-4410-9697-CC23F918CE8F}"/>
+              </a:ext>
+            </a:extLst>
+          </p:cNvPr>
+          <p:cNvPicPr>
+            <a:picLocks noChangeAspect="1"/>
+          </p:cNvPicPr>
+          <p:nvPr/>
+        </p:nvPicPr>
+        <p:blipFill>
+          <a:blip r:embed="rId3"/>
+          <a:stretch>
+            <a:fillRect/>
+          </a:stretch>
+        </p:blipFill>
+        <p:spPr>
+          <a:xfrm>
+            <a:off x="5268952" y="1891885"/>
+            <a:ext cx="6604995" cy="3369224"/>
+          </a:xfrm>
+          <a:prstGeom prst="rect">
+            <a:avLst/>
+          </a:prstGeom>
+          <a:ln w="38100" cap="sq">
+            <a:solidFill>
+              <a:srgbClr val="000000"/>
+            </a:solidFill>
+            <a:prstDash val="solid"/>
+            <a:miter lim="800000"/>
+          </a:ln>
+          <a:effectLst>
+            <a:outerShdw blurRad="50800" dist="38100" dir="2700000" algn="tl" rotWithShape="0">
+              <a:srgbClr val="000000">
+                <a:alpha val="43000"/>
+              </a:srgbClr>
+            </a:outerShdw>
+          </a:effectLst>
+        </p:spPr>
+      </p:pic>
+      <p:sp>
+        <p:nvSpPr>
+          <p:cNvPr id="8" name="TextBox 7">
+            <a:extLst>
+              <a:ext uri="{FF2B5EF4-FFF2-40B4-BE49-F238E27FC236}">
+                <a16:creationId xmlns:a16="http://schemas.microsoft.com/office/drawing/2014/main" id="{0FF62877-245E-476E-96A8-4034F47B2FB1}"/>
+              </a:ext>
+            </a:extLst>
+          </p:cNvPr>
+          <p:cNvSpPr txBox="1"/>
+          <p:nvPr/>
+        </p:nvSpPr>
+        <p:spPr>
+          <a:xfrm>
+            <a:off x="10684198" y="6123543"/>
+            <a:ext cx="1189749" cy="369332"/>
+          </a:xfrm>
+          <a:prstGeom prst="rect">
+            <a:avLst/>
+          </a:prstGeom>
+          <a:noFill/>
+        </p:spPr>
+        <p:txBody>
+          <a:bodyPr wrap="none" rtlCol="0">
+            <a:spAutoFit/>
+          </a:bodyPr>
+          <a:lstStyle/>
+          <a:p>
+            <a:r>
+              <a:rPr lang="ko-KR" altLang="en-US" dirty="0"/>
+              <a:t>뒤에 계속</a:t>
+            </a:r>
+          </a:p>
+        </p:txBody>
+      </p:sp>
+    </p:spTree>
+    <p:extLst>
+      <p:ext uri="{BB962C8B-B14F-4D97-AF65-F5344CB8AC3E}">
+        <p14:creationId xmlns:p14="http://schemas.microsoft.com/office/powerpoint/2010/main" val="1410355186"/>
+      </p:ext>
+    </p:extLst>
+  </p:cSld>
+  <p:clrMapOvr>
+    <a:masterClrMapping/>
+  </p:clrMapOvr>
+</p:sld>
+</file>
+
+<file path=ppt/slides/slide27.xml><?xml version="1.0" encoding="utf-8"?>
+<p:sld xmlns:a="http://schemas.openxmlformats.org/drawingml/2006/main" xmlns:r="http://schemas.openxmlformats.org/officeDocument/2006/relationships" xmlns:p="http://schemas.openxmlformats.org/presentationml/2006/main">
+  <p:cSld>
+    <p:spTree>
+      <p:nvGrpSpPr>
+        <p:cNvPr id="1" name=""/>
+        <p:cNvGrpSpPr/>
+        <p:nvPr/>
+      </p:nvGrpSpPr>
+      <p:grpSpPr>
+        <a:xfrm>
+          <a:off x="0" y="0"/>
+          <a:ext cx="0" cy="0"/>
+          <a:chOff x="0" y="0"/>
+          <a:chExt cx="0" cy="0"/>
+        </a:xfrm>
+      </p:grpSpPr>
+      <p:sp>
+        <p:nvSpPr>
+          <p:cNvPr id="2" name="제목 1"/>
+          <p:cNvSpPr>
+            <a:spLocks noGrp="1"/>
+          </p:cNvSpPr>
+          <p:nvPr>
+            <p:ph type="title"/>
+          </p:nvPr>
+        </p:nvSpPr>
+        <p:spPr/>
+        <p:txBody>
+          <a:bodyPr/>
+          <a:lstStyle/>
+          <a:p>
+            <a:r>
+              <a:rPr lang="en-US" altLang="ko-KR" dirty="0"/>
+              <a:t>5. </a:t>
+            </a:r>
+            <a:r>
+              <a:rPr lang="ko-KR" altLang="en-US" dirty="0"/>
+              <a:t>음식 추가하기 </a:t>
+            </a:r>
+            <a:r>
+              <a:rPr lang="en-US" altLang="ko-KR" dirty="0"/>
+              <a:t>- </a:t>
+            </a:r>
+            <a:r>
+              <a:rPr lang="ko-KR" altLang="en-US" dirty="0"/>
+              <a:t>소스코드</a:t>
+            </a:r>
+          </a:p>
+        </p:txBody>
+      </p:sp>
+      <p:cxnSp>
+        <p:nvCxnSpPr>
+          <p:cNvPr id="4" name="직선 연결선 3"/>
+          <p:cNvCxnSpPr/>
+          <p:nvPr/>
+        </p:nvCxnSpPr>
+        <p:spPr>
+          <a:xfrm>
+            <a:off x="220718" y="1690688"/>
+            <a:ext cx="11429999" cy="0"/>
+          </a:xfrm>
+          <a:prstGeom prst="line">
+            <a:avLst/>
+          </a:prstGeom>
+          <a:ln w="57150">
+            <a:solidFill>
+              <a:srgbClr val="00B050"/>
+            </a:solidFill>
+          </a:ln>
+        </p:spPr>
+        <p:style>
+          <a:lnRef idx="1">
+            <a:schemeClr val="accent1"/>
+          </a:lnRef>
+          <a:fillRef idx="0">
+            <a:schemeClr val="accent1"/>
+          </a:fillRef>
+          <a:effectRef idx="0">
+            <a:schemeClr val="accent1"/>
+          </a:effectRef>
+          <a:fontRef idx="minor">
+            <a:schemeClr val="tx1"/>
+          </a:fontRef>
+        </p:style>
+      </p:cxnSp>
+      <p:cxnSp>
+        <p:nvCxnSpPr>
+          <p:cNvPr id="5" name="직선 연결선 4"/>
+          <p:cNvCxnSpPr/>
+          <p:nvPr/>
+        </p:nvCxnSpPr>
+        <p:spPr>
+          <a:xfrm flipH="1">
+            <a:off x="522067" y="488731"/>
+            <a:ext cx="490" cy="1655379"/>
+          </a:xfrm>
+          <a:prstGeom prst="line">
+            <a:avLst/>
+          </a:prstGeom>
+          <a:ln w="28575">
+            <a:solidFill>
+              <a:srgbClr val="92D050"/>
+            </a:solidFill>
+          </a:ln>
+        </p:spPr>
+        <p:style>
+          <a:lnRef idx="1">
+            <a:schemeClr val="accent1"/>
+          </a:lnRef>
+          <a:fillRef idx="0">
+            <a:schemeClr val="accent1"/>
+          </a:fillRef>
+          <a:effectRef idx="0">
+            <a:schemeClr val="accent1"/>
+          </a:effectRef>
+          <a:fontRef idx="minor">
+            <a:schemeClr val="tx1"/>
+          </a:fontRef>
+        </p:style>
+      </p:cxnSp>
+      <p:pic>
+        <p:nvPicPr>
+          <p:cNvPr id="6" name="내용 개체 틀 5">
+            <a:extLst>
+              <a:ext uri="{FF2B5EF4-FFF2-40B4-BE49-F238E27FC236}">
+                <a16:creationId xmlns:a16="http://schemas.microsoft.com/office/drawing/2014/main" id="{E601986C-65D6-449B-B14D-ECBB0F868CA0}"/>
+              </a:ext>
+            </a:extLst>
+          </p:cNvPr>
+          <p:cNvPicPr>
+            <a:picLocks noGrp="1" noChangeAspect="1"/>
+          </p:cNvPicPr>
+          <p:nvPr>
+            <p:ph idx="1"/>
+          </p:nvPr>
+        </p:nvPicPr>
+        <p:blipFill>
+          <a:blip r:embed="rId2"/>
+          <a:stretch>
+            <a:fillRect/>
+          </a:stretch>
+        </p:blipFill>
+        <p:spPr>
+          <a:xfrm>
+            <a:off x="729469" y="2011588"/>
+            <a:ext cx="10714336" cy="4097661"/>
+          </a:xfrm>
+          <a:prstGeom prst="rect">
+            <a:avLst/>
+          </a:prstGeom>
+          <a:ln w="38100" cap="sq">
+            <a:solidFill>
+              <a:srgbClr val="000000"/>
+            </a:solidFill>
+            <a:prstDash val="solid"/>
+            <a:miter lim="800000"/>
+          </a:ln>
+          <a:effectLst>
+            <a:outerShdw blurRad="50800" dist="38100" dir="2700000" algn="tl" rotWithShape="0">
+              <a:srgbClr val="000000">
+                <a:alpha val="43000"/>
+              </a:srgbClr>
+            </a:outerShdw>
+          </a:effectLst>
+        </p:spPr>
+      </p:pic>
+      <p:sp>
+        <p:nvSpPr>
+          <p:cNvPr id="7" name="사각형: 둥근 모서리 6">
+            <a:extLst>
+              <a:ext uri="{FF2B5EF4-FFF2-40B4-BE49-F238E27FC236}">
+                <a16:creationId xmlns:a16="http://schemas.microsoft.com/office/drawing/2014/main" id="{F87EB7B3-3250-475C-BDE5-B4DE47A14117}"/>
+              </a:ext>
+            </a:extLst>
+          </p:cNvPr>
+          <p:cNvSpPr/>
+          <p:nvPr/>
+        </p:nvSpPr>
+        <p:spPr>
+          <a:xfrm>
+            <a:off x="1821146" y="2011586"/>
+            <a:ext cx="5664862" cy="1924211"/>
+          </a:xfrm>
+          <a:prstGeom prst="roundRect">
+            <a:avLst/>
+          </a:prstGeom>
+          <a:noFill/>
+          <a:ln>
+            <a:solidFill>
+              <a:srgbClr val="FF0000"/>
+            </a:solidFill>
+          </a:ln>
+        </p:spPr>
+        <p:style>
+          <a:lnRef idx="2">
+            <a:schemeClr val="accent1">
+              <a:shade val="50000"/>
+            </a:schemeClr>
+          </a:lnRef>
+          <a:fillRef idx="1">
+            <a:schemeClr val="accent1"/>
+          </a:fillRef>
+          <a:effectRef idx="0">
+            <a:schemeClr val="accent1"/>
+          </a:effectRef>
+          <a:fontRef idx="minor">
+            <a:schemeClr val="lt1"/>
+          </a:fontRef>
+        </p:style>
+        <p:txBody>
+          <a:bodyPr rtlCol="0" anchor="ctr"/>
+          <a:lstStyle/>
+          <a:p>
+            <a:pPr algn="ctr"/>
+            <a:endParaRPr lang="ko-KR" altLang="en-US" dirty="0"/>
+          </a:p>
+        </p:txBody>
+      </p:sp>
+    </p:spTree>
+    <p:extLst>
+      <p:ext uri="{BB962C8B-B14F-4D97-AF65-F5344CB8AC3E}">
+        <p14:creationId xmlns:p14="http://schemas.microsoft.com/office/powerpoint/2010/main" val="1592652294"/>
+      </p:ext>
+    </p:extLst>
+  </p:cSld>
+  <p:clrMapOvr>
+    <a:masterClrMapping/>
+  </p:clrMapOvr>
+</p:sld>
+</file>
+
+<file path=ppt/slides/slide28.xml><?xml version="1.0" encoding="utf-8"?>
+<p:sld xmlns:a="http://schemas.openxmlformats.org/drawingml/2006/main" xmlns:r="http://schemas.openxmlformats.org/officeDocument/2006/relationships" xmlns:p="http://schemas.openxmlformats.org/presentationml/2006/main">
+  <p:cSld>
+    <p:spTree>
+      <p:nvGrpSpPr>
+        <p:cNvPr id="1" name=""/>
+        <p:cNvGrpSpPr/>
+        <p:nvPr/>
+      </p:nvGrpSpPr>
+      <p:grpSpPr>
+        <a:xfrm>
+          <a:off x="0" y="0"/>
+          <a:ext cx="0" cy="0"/>
+          <a:chOff x="0" y="0"/>
+          <a:chExt cx="0" cy="0"/>
+        </a:xfrm>
+      </p:grpSpPr>
+      <p:sp>
+        <p:nvSpPr>
+          <p:cNvPr id="2" name="제목 1"/>
+          <p:cNvSpPr>
+            <a:spLocks noGrp="1"/>
+          </p:cNvSpPr>
+          <p:nvPr>
+            <p:ph type="title"/>
+          </p:nvPr>
+        </p:nvSpPr>
+        <p:spPr/>
+        <p:txBody>
+          <a:bodyPr/>
+          <a:lstStyle/>
+          <a:p>
+            <a:r>
+              <a:rPr lang="en-US" altLang="ko-KR" dirty="0"/>
+              <a:t>5. </a:t>
+            </a:r>
+            <a:r>
+              <a:rPr lang="ko-KR" altLang="en-US" dirty="0"/>
+              <a:t>음식 추가하기 </a:t>
+            </a:r>
+            <a:r>
+              <a:rPr lang="en-US" altLang="ko-KR" dirty="0"/>
+              <a:t>- </a:t>
+            </a:r>
+            <a:r>
+              <a:rPr lang="ko-KR" altLang="en-US" dirty="0"/>
+              <a:t>실행결과</a:t>
+            </a:r>
+          </a:p>
+        </p:txBody>
+      </p:sp>
+      <p:cxnSp>
+        <p:nvCxnSpPr>
+          <p:cNvPr id="4" name="직선 연결선 3"/>
+          <p:cNvCxnSpPr/>
+          <p:nvPr/>
+        </p:nvCxnSpPr>
+        <p:spPr>
+          <a:xfrm>
+            <a:off x="220718" y="1690688"/>
+            <a:ext cx="11429999" cy="0"/>
+          </a:xfrm>
+          <a:prstGeom prst="line">
+            <a:avLst/>
+          </a:prstGeom>
+          <a:ln w="57150">
+            <a:solidFill>
+              <a:srgbClr val="00B050"/>
+            </a:solidFill>
+          </a:ln>
+        </p:spPr>
+        <p:style>
+          <a:lnRef idx="1">
+            <a:schemeClr val="accent1"/>
+          </a:lnRef>
+          <a:fillRef idx="0">
+            <a:schemeClr val="accent1"/>
+          </a:fillRef>
+          <a:effectRef idx="0">
+            <a:schemeClr val="accent1"/>
+          </a:effectRef>
+          <a:fontRef idx="minor">
+            <a:schemeClr val="tx1"/>
+          </a:fontRef>
+        </p:style>
+      </p:cxnSp>
+      <p:cxnSp>
+        <p:nvCxnSpPr>
+          <p:cNvPr id="5" name="직선 연결선 4"/>
+          <p:cNvCxnSpPr/>
+          <p:nvPr/>
+        </p:nvCxnSpPr>
+        <p:spPr>
+          <a:xfrm flipH="1">
+            <a:off x="522067" y="488731"/>
+            <a:ext cx="490" cy="1655379"/>
+          </a:xfrm>
+          <a:prstGeom prst="line">
+            <a:avLst/>
+          </a:prstGeom>
+          <a:ln w="28575">
+            <a:solidFill>
+              <a:srgbClr val="92D050"/>
+            </a:solidFill>
+          </a:ln>
+        </p:spPr>
+        <p:style>
+          <a:lnRef idx="1">
+            <a:schemeClr val="accent1"/>
+          </a:lnRef>
+          <a:fillRef idx="0">
+            <a:schemeClr val="accent1"/>
+          </a:fillRef>
+          <a:effectRef idx="0">
+            <a:schemeClr val="accent1"/>
+          </a:effectRef>
+          <a:fontRef idx="minor">
+            <a:schemeClr val="tx1"/>
+          </a:fontRef>
+        </p:style>
+      </p:cxnSp>
+      <p:pic>
+        <p:nvPicPr>
+          <p:cNvPr id="6" name="내용 개체 틀 5">
+            <a:extLst>
+              <a:ext uri="{FF2B5EF4-FFF2-40B4-BE49-F238E27FC236}">
+                <a16:creationId xmlns:a16="http://schemas.microsoft.com/office/drawing/2014/main" id="{96C4CA8A-E5A2-4FDF-AC32-3A7687C4307A}"/>
+              </a:ext>
+            </a:extLst>
+          </p:cNvPr>
+          <p:cNvPicPr>
+            <a:picLocks noGrp="1" noChangeAspect="1"/>
+          </p:cNvPicPr>
+          <p:nvPr>
+            <p:ph idx="1"/>
+          </p:nvPr>
+        </p:nvPicPr>
+        <p:blipFill>
+          <a:blip r:embed="rId2"/>
+          <a:stretch>
+            <a:fillRect/>
+          </a:stretch>
+        </p:blipFill>
+        <p:spPr>
+          <a:xfrm>
+            <a:off x="838200" y="1945328"/>
+            <a:ext cx="5542447" cy="4351338"/>
+          </a:xfrm>
+          <a:prstGeom prst="rect">
+            <a:avLst/>
+          </a:prstGeom>
+          <a:ln w="38100" cap="sq">
+            <a:solidFill>
+              <a:srgbClr val="000000"/>
+            </a:solidFill>
+            <a:prstDash val="solid"/>
+            <a:miter lim="800000"/>
+          </a:ln>
+          <a:effectLst>
+            <a:outerShdw blurRad="50800" dist="38100" dir="2700000" algn="tl" rotWithShape="0">
+              <a:srgbClr val="000000">
+                <a:alpha val="43000"/>
+              </a:srgbClr>
+            </a:outerShdw>
+          </a:effectLst>
+        </p:spPr>
+      </p:pic>
+      <p:sp>
+        <p:nvSpPr>
+          <p:cNvPr id="7" name="TextBox 6">
+            <a:extLst>
+              <a:ext uri="{FF2B5EF4-FFF2-40B4-BE49-F238E27FC236}">
+                <a16:creationId xmlns:a16="http://schemas.microsoft.com/office/drawing/2014/main" id="{EB55F116-7BE7-49E5-8134-0D642436680B}"/>
+              </a:ext>
+            </a:extLst>
+          </p:cNvPr>
+          <p:cNvSpPr txBox="1"/>
+          <p:nvPr/>
+        </p:nvSpPr>
+        <p:spPr>
+          <a:xfrm>
+            <a:off x="6696290" y="1945328"/>
+            <a:ext cx="5391091" cy="646331"/>
+          </a:xfrm>
+          <a:prstGeom prst="rect">
+            <a:avLst/>
+          </a:prstGeom>
+          <a:noFill/>
+        </p:spPr>
+        <p:txBody>
+          <a:bodyPr wrap="none" rtlCol="0">
+            <a:spAutoFit/>
+          </a:bodyPr>
+          <a:lstStyle/>
+          <a:p>
+            <a:r>
+              <a:rPr lang="ko-KR" altLang="en-US" dirty="0"/>
+              <a:t>소스코드</a:t>
+            </a:r>
+            <a:endParaRPr lang="en-US" altLang="ko-KR" dirty="0"/>
+          </a:p>
+          <a:p>
+            <a:r>
+              <a:rPr lang="en-US" altLang="ko-KR" dirty="0">
+                <a:hlinkClick r:id="rId3"/>
+              </a:rPr>
+              <a:t>ui/snake2.py at main · kig2929kig/</a:t>
+            </a:r>
+            <a:r>
+              <a:rPr lang="en-US" altLang="ko-KR" dirty="0" err="1">
+                <a:hlinkClick r:id="rId3"/>
+              </a:rPr>
+              <a:t>ui</a:t>
+            </a:r>
+            <a:r>
+              <a:rPr lang="en-US" altLang="ko-KR" dirty="0">
+                <a:hlinkClick r:id="rId3"/>
+              </a:rPr>
+              <a:t> (github.com)</a:t>
+            </a:r>
+            <a:endParaRPr lang="ko-KR" altLang="en-US" dirty="0"/>
+          </a:p>
+        </p:txBody>
+      </p:sp>
+    </p:spTree>
+    <p:extLst>
+      <p:ext uri="{BB962C8B-B14F-4D97-AF65-F5344CB8AC3E}">
+        <p14:creationId xmlns:p14="http://schemas.microsoft.com/office/powerpoint/2010/main" val="3049603329"/>
+      </p:ext>
+    </p:extLst>
+  </p:cSld>
+  <p:clrMapOvr>
+    <a:masterClrMapping/>
+  </p:clrMapOvr>
+</p:sld>
+</file>
+
+<file path=ppt/slides/slide29.xml><?xml version="1.0" encoding="utf-8"?>
+<p:sld xmlns:a="http://schemas.openxmlformats.org/drawingml/2006/main" xmlns:r="http://schemas.openxmlformats.org/officeDocument/2006/relationships" xmlns:p="http://schemas.openxmlformats.org/presentationml/2006/main">
+  <p:cSld>
+    <p:spTree>
+      <p:nvGrpSpPr>
+        <p:cNvPr id="1" name=""/>
+        <p:cNvGrpSpPr/>
+        <p:nvPr/>
+      </p:nvGrpSpPr>
+      <p:grpSpPr>
+        <a:xfrm>
+          <a:off x="0" y="0"/>
+          <a:ext cx="0" cy="0"/>
+          <a:chOff x="0" y="0"/>
+          <a:chExt cx="0" cy="0"/>
+        </a:xfrm>
+      </p:grpSpPr>
+      <p:sp>
+        <p:nvSpPr>
+          <p:cNvPr id="2" name="제목 1"/>
+          <p:cNvSpPr>
+            <a:spLocks noGrp="1"/>
+          </p:cNvSpPr>
+          <p:nvPr>
+            <p:ph type="title"/>
+          </p:nvPr>
+        </p:nvSpPr>
+        <p:spPr/>
+        <p:txBody>
+          <a:bodyPr/>
+          <a:lstStyle/>
+          <a:p>
+            <a:endParaRPr lang="ko-KR" altLang="en-US"/>
+          </a:p>
+        </p:txBody>
+      </p:sp>
+      <p:cxnSp>
+        <p:nvCxnSpPr>
+          <p:cNvPr id="4" name="직선 연결선 3"/>
+          <p:cNvCxnSpPr/>
+          <p:nvPr/>
+        </p:nvCxnSpPr>
+        <p:spPr>
+          <a:xfrm>
+            <a:off x="220718" y="1690688"/>
+            <a:ext cx="11429999" cy="0"/>
+          </a:xfrm>
+          <a:prstGeom prst="line">
+            <a:avLst/>
+          </a:prstGeom>
+          <a:ln w="57150">
+            <a:solidFill>
+              <a:srgbClr val="00B050"/>
+            </a:solidFill>
+          </a:ln>
+        </p:spPr>
+        <p:style>
+          <a:lnRef idx="1">
+            <a:schemeClr val="accent1"/>
+          </a:lnRef>
+          <a:fillRef idx="0">
+            <a:schemeClr val="accent1"/>
+          </a:fillRef>
+          <a:effectRef idx="0">
+            <a:schemeClr val="accent1"/>
+          </a:effectRef>
+          <a:fontRef idx="minor">
+            <a:schemeClr val="tx1"/>
+          </a:fontRef>
+        </p:style>
+      </p:cxnSp>
+      <p:cxnSp>
+        <p:nvCxnSpPr>
+          <p:cNvPr id="5" name="직선 연결선 4"/>
+          <p:cNvCxnSpPr/>
+          <p:nvPr/>
+        </p:nvCxnSpPr>
+        <p:spPr>
+          <a:xfrm flipH="1">
+            <a:off x="522067" y="488731"/>
+            <a:ext cx="490" cy="1655379"/>
+          </a:xfrm>
+          <a:prstGeom prst="line">
+            <a:avLst/>
+          </a:prstGeom>
+          <a:ln w="28575">
+            <a:solidFill>
+              <a:srgbClr val="92D050"/>
+            </a:solidFill>
+          </a:ln>
+        </p:spPr>
+        <p:style>
+          <a:lnRef idx="1">
+            <a:schemeClr val="accent1"/>
+          </a:lnRef>
+          <a:fillRef idx="0">
+            <a:schemeClr val="accent1"/>
+          </a:fillRef>
+          <a:effectRef idx="0">
+            <a:schemeClr val="accent1"/>
+          </a:effectRef>
+          <a:fontRef idx="minor">
+            <a:schemeClr val="tx1"/>
+          </a:fontRef>
+        </p:style>
+      </p:cxnSp>
       <p:sp>
         <p:nvSpPr>
           <p:cNvPr id="3" name="내용 개체 틀 2"/>
@@ -6176,7 +8557,7 @@
     </p:spTree>
     <p:extLst>
       <p:ext uri="{BB962C8B-B14F-4D97-AF65-F5344CB8AC3E}">
-        <p14:creationId xmlns:p14="http://schemas.microsoft.com/office/powerpoint/2010/main" val="1634890966"/>
+        <p14:creationId xmlns:p14="http://schemas.microsoft.com/office/powerpoint/2010/main" val="3344961489"/>
       </p:ext>
     </p:extLst>
   </p:cSld>
@@ -6219,15 +8600,15 @@
           <a:lstStyle/>
           <a:p>
             <a:r>
-              <a:rPr lang="en-US" altLang="ko-KR" dirty="0" smtClean="0"/>
+              <a:rPr lang="en-US" altLang="ko-KR" dirty="0"/>
               <a:t>1. </a:t>
             </a:r>
             <a:r>
-              <a:rPr lang="ko-KR" altLang="en-US" dirty="0" smtClean="0"/>
+              <a:rPr lang="ko-KR" altLang="en-US" dirty="0"/>
               <a:t>화면 만들기</a:t>
             </a:r>
             <a:r>
-              <a:rPr lang="en-US" altLang="ko-KR" dirty="0" smtClean="0"/>
+              <a:rPr lang="en-US" altLang="ko-KR" dirty="0"/>
               <a:t>(2)</a:t>
             </a:r>
             <a:endParaRPr lang="ko-KR" altLang="en-US" dirty="0"/>
@@ -6334,6 +8715,144 @@
     <p:extLst>
       <p:ext uri="{BB962C8B-B14F-4D97-AF65-F5344CB8AC3E}">
         <p14:creationId xmlns:p14="http://schemas.microsoft.com/office/powerpoint/2010/main" val="218484111"/>
+      </p:ext>
+    </p:extLst>
+  </p:cSld>
+  <p:clrMapOvr>
+    <a:masterClrMapping/>
+  </p:clrMapOvr>
+</p:sld>
+</file>
+
+<file path=ppt/slides/slide30.xml><?xml version="1.0" encoding="utf-8"?>
+<p:sld xmlns:a="http://schemas.openxmlformats.org/drawingml/2006/main" xmlns:r="http://schemas.openxmlformats.org/officeDocument/2006/relationships" xmlns:p="http://schemas.openxmlformats.org/presentationml/2006/main">
+  <p:cSld>
+    <p:spTree>
+      <p:nvGrpSpPr>
+        <p:cNvPr id="1" name=""/>
+        <p:cNvGrpSpPr/>
+        <p:nvPr/>
+      </p:nvGrpSpPr>
+      <p:grpSpPr>
+        <a:xfrm>
+          <a:off x="0" y="0"/>
+          <a:ext cx="0" cy="0"/>
+          <a:chOff x="0" y="0"/>
+          <a:chExt cx="0" cy="0"/>
+        </a:xfrm>
+      </p:grpSpPr>
+      <p:sp>
+        <p:nvSpPr>
+          <p:cNvPr id="2" name="제목 1"/>
+          <p:cNvSpPr>
+            <a:spLocks noGrp="1"/>
+          </p:cNvSpPr>
+          <p:nvPr>
+            <p:ph type="title"/>
+          </p:nvPr>
+        </p:nvSpPr>
+        <p:spPr/>
+        <p:txBody>
+          <a:bodyPr/>
+          <a:lstStyle/>
+          <a:p>
+            <a:endParaRPr lang="ko-KR" altLang="en-US"/>
+          </a:p>
+        </p:txBody>
+      </p:sp>
+      <p:cxnSp>
+        <p:nvCxnSpPr>
+          <p:cNvPr id="4" name="직선 연결선 3"/>
+          <p:cNvCxnSpPr/>
+          <p:nvPr/>
+        </p:nvCxnSpPr>
+        <p:spPr>
+          <a:xfrm>
+            <a:off x="220718" y="1690688"/>
+            <a:ext cx="11429999" cy="0"/>
+          </a:xfrm>
+          <a:prstGeom prst="line">
+            <a:avLst/>
+          </a:prstGeom>
+          <a:ln w="57150">
+            <a:solidFill>
+              <a:srgbClr val="00B050"/>
+            </a:solidFill>
+          </a:ln>
+        </p:spPr>
+        <p:style>
+          <a:lnRef idx="1">
+            <a:schemeClr val="accent1"/>
+          </a:lnRef>
+          <a:fillRef idx="0">
+            <a:schemeClr val="accent1"/>
+          </a:fillRef>
+          <a:effectRef idx="0">
+            <a:schemeClr val="accent1"/>
+          </a:effectRef>
+          <a:fontRef idx="minor">
+            <a:schemeClr val="tx1"/>
+          </a:fontRef>
+        </p:style>
+      </p:cxnSp>
+      <p:cxnSp>
+        <p:nvCxnSpPr>
+          <p:cNvPr id="5" name="직선 연결선 4"/>
+          <p:cNvCxnSpPr/>
+          <p:nvPr/>
+        </p:nvCxnSpPr>
+        <p:spPr>
+          <a:xfrm flipH="1">
+            <a:off x="522067" y="488731"/>
+            <a:ext cx="490" cy="1655379"/>
+          </a:xfrm>
+          <a:prstGeom prst="line">
+            <a:avLst/>
+          </a:prstGeom>
+          <a:ln w="28575">
+            <a:solidFill>
+              <a:srgbClr val="92D050"/>
+            </a:solidFill>
+          </a:ln>
+        </p:spPr>
+        <p:style>
+          <a:lnRef idx="1">
+            <a:schemeClr val="accent1"/>
+          </a:lnRef>
+          <a:fillRef idx="0">
+            <a:schemeClr val="accent1"/>
+          </a:fillRef>
+          <a:effectRef idx="0">
+            <a:schemeClr val="accent1"/>
+          </a:effectRef>
+          <a:fontRef idx="minor">
+            <a:schemeClr val="tx1"/>
+          </a:fontRef>
+        </p:style>
+      </p:cxnSp>
+      <p:sp>
+        <p:nvSpPr>
+          <p:cNvPr id="3" name="내용 개체 틀 2"/>
+          <p:cNvSpPr>
+            <a:spLocks noGrp="1"/>
+          </p:cNvSpPr>
+          <p:nvPr>
+            <p:ph idx="1"/>
+          </p:nvPr>
+        </p:nvSpPr>
+        <p:spPr/>
+        <p:txBody>
+          <a:bodyPr/>
+          <a:lstStyle/>
+          <a:p>
+            <a:endParaRPr lang="ko-KR" altLang="en-US"/>
+          </a:p>
+        </p:txBody>
+      </p:sp>
+    </p:spTree>
+    <p:extLst>
+      <p:ext uri="{BB962C8B-B14F-4D97-AF65-F5344CB8AC3E}">
+        <p14:creationId xmlns:p14="http://schemas.microsoft.com/office/powerpoint/2010/main" val="3426489206"/>
       </p:ext>
     </p:extLst>
   </p:cSld>
@@ -6376,22 +8895,21 @@
           <a:lstStyle/>
           <a:p>
             <a:r>
-              <a:rPr lang="en-US" altLang="ko-KR" dirty="0" smtClean="0"/>
+              <a:rPr lang="en-US" altLang="ko-KR" dirty="0"/>
               <a:t>1. </a:t>
             </a:r>
             <a:r>
-              <a:rPr lang="ko-KR" altLang="en-US" dirty="0" smtClean="0"/>
+              <a:rPr lang="ko-KR" altLang="en-US" dirty="0"/>
               <a:t>화면 만들기</a:t>
             </a:r>
             <a:r>
-              <a:rPr lang="en-US" altLang="ko-KR" dirty="0" smtClean="0"/>
+              <a:rPr lang="en-US" altLang="ko-KR" dirty="0"/>
               <a:t>(3) - </a:t>
             </a:r>
             <a:r>
-              <a:rPr lang="ko-KR" altLang="en-US" dirty="0" smtClean="0"/>
+              <a:rPr lang="ko-KR" altLang="en-US" dirty="0"/>
               <a:t>소스코드</a:t>
             </a:r>
-            <a:endParaRPr lang="ko-KR" altLang="en-US" dirty="0"/>
           </a:p>
         </p:txBody>
       </p:sp>
@@ -6498,43 +9016,43 @@
           <a:lstStyle/>
           <a:p>
             <a:r>
-              <a:rPr lang="ko-KR" altLang="en-US" sz="1600" dirty="0" smtClean="0"/>
+              <a:rPr lang="ko-KR" altLang="en-US" sz="1600" dirty="0"/>
               <a:t>코드를 실행하면 화면이 나타나지만 </a:t>
             </a:r>
-            <a:endParaRPr lang="en-US" altLang="ko-KR" sz="1600" dirty="0" smtClean="0"/>
-          </a:p>
-          <a:p>
-            <a:r>
-              <a:rPr lang="ko-KR" altLang="en-US" sz="1600" dirty="0" smtClean="0"/>
+            <a:endParaRPr lang="en-US" altLang="ko-KR" sz="1600" dirty="0"/>
+          </a:p>
+          <a:p>
+            <a:r>
+              <a:rPr lang="ko-KR" altLang="en-US" sz="1600" dirty="0"/>
               <a:t>즉시 닫힙니다</a:t>
             </a:r>
             <a:r>
-              <a:rPr lang="en-US" altLang="ko-KR" sz="1600" dirty="0" smtClean="0"/>
+              <a:rPr lang="en-US" altLang="ko-KR" sz="1600" dirty="0"/>
               <a:t>. </a:t>
             </a:r>
             <a:r>
-              <a:rPr lang="ko-KR" altLang="en-US" sz="1600" dirty="0" smtClean="0"/>
+              <a:rPr lang="ko-KR" altLang="en-US" sz="1600" dirty="0"/>
               <a:t>이 문제를 해결하려면</a:t>
             </a:r>
-            <a:endParaRPr lang="en-US" altLang="ko-KR" sz="1600" dirty="0" smtClean="0"/>
-          </a:p>
-          <a:p>
-            <a:r>
-              <a:rPr lang="ko-KR" altLang="en-US" sz="1600" dirty="0" smtClean="0"/>
+            <a:endParaRPr lang="en-US" altLang="ko-KR" sz="1600" dirty="0"/>
+          </a:p>
+          <a:p>
+            <a:r>
+              <a:rPr lang="ko-KR" altLang="en-US" sz="1600" dirty="0"/>
               <a:t>실제로 게임을 종료하기 전에 </a:t>
             </a:r>
             <a:r>
-              <a:rPr lang="en-US" altLang="ko-KR" sz="1600" dirty="0" smtClean="0"/>
+              <a:rPr lang="en-US" altLang="ko-KR" sz="1600" dirty="0"/>
               <a:t>while </a:t>
             </a:r>
           </a:p>
           <a:p>
             <a:r>
-              <a:rPr lang="ko-KR" altLang="en-US" sz="1600" dirty="0" smtClean="0"/>
+              <a:rPr lang="ko-KR" altLang="en-US" sz="1600" dirty="0"/>
               <a:t>루프를 사용하여 게임 루프를 만듭니다</a:t>
             </a:r>
             <a:r>
-              <a:rPr lang="en-US" altLang="ko-KR" sz="1600" dirty="0" smtClean="0"/>
+              <a:rPr lang="en-US" altLang="ko-KR" sz="1600" dirty="0"/>
               <a:t>.</a:t>
             </a:r>
             <a:endParaRPr lang="ko-KR" altLang="en-US" sz="1600" dirty="0"/>
@@ -6657,20 +9175,16 @@
           <a:lstStyle/>
           <a:p>
             <a:r>
-              <a:rPr lang="en-US" altLang="ko-KR" dirty="0" smtClean="0"/>
+              <a:rPr lang="en-US" altLang="ko-KR" dirty="0"/>
               <a:t>1. </a:t>
             </a:r>
             <a:r>
-              <a:rPr lang="ko-KR" altLang="en-US" dirty="0" smtClean="0"/>
+              <a:rPr lang="ko-KR" altLang="en-US" dirty="0"/>
               <a:t>화면 만들기</a:t>
             </a:r>
             <a:r>
-              <a:rPr lang="en-US" altLang="ko-KR" dirty="0" smtClean="0"/>
-              <a:t>(4) – </a:t>
-            </a:r>
-            <a:r>
-              <a:rPr lang="en-US" altLang="ko-KR" dirty="0" smtClean="0"/>
-              <a:t>while loop</a:t>
+              <a:rPr lang="en-US" altLang="ko-KR" dirty="0"/>
+              <a:t>(4) – while loop</a:t>
             </a:r>
             <a:endParaRPr lang="ko-KR" altLang="en-US" dirty="0"/>
           </a:p>
@@ -7071,13 +9585,6 @@
   <p:clrMapOvr>
     <a:masterClrMapping/>
   </p:clrMapOvr>
-  <p:timing>
-    <p:tnLst>
-      <p:par>
-        <p:cTn id="1" dur="indefinite" restart="never" nodeType="tmRoot"/>
-      </p:par>
-    </p:tnLst>
-  </p:timing>
 </p:sld>
 </file>
 
@@ -7114,23 +9621,23 @@
           <a:lstStyle/>
           <a:p>
             <a:r>
-              <a:rPr lang="en-US" altLang="ko-KR" dirty="0" smtClean="0"/>
+              <a:rPr lang="en-US" altLang="ko-KR" dirty="0"/>
               <a:t>2. </a:t>
             </a:r>
             <a:r>
-              <a:rPr lang="ko-KR" altLang="en-US" dirty="0" smtClean="0"/>
+              <a:rPr lang="ko-KR" altLang="en-US" dirty="0"/>
               <a:t>뱀</a:t>
             </a:r>
             <a:r>
-              <a:rPr lang="en-US" altLang="ko-KR" dirty="0" smtClean="0"/>
+              <a:rPr lang="en-US" altLang="ko-KR" dirty="0"/>
               <a:t>(Snake) </a:t>
             </a:r>
             <a:r>
-              <a:rPr lang="ko-KR" altLang="en-US" dirty="0" smtClean="0"/>
+              <a:rPr lang="ko-KR" altLang="en-US" dirty="0"/>
               <a:t>그리기</a:t>
             </a:r>
             <a:r>
-              <a:rPr lang="en-US" altLang="ko-KR" dirty="0" smtClean="0"/>
+              <a:rPr lang="en-US" altLang="ko-KR" dirty="0"/>
               <a:t>(1)</a:t>
             </a:r>
             <a:endParaRPr lang="ko-KR" altLang="en-US" dirty="0"/>
@@ -7158,69 +9665,69 @@
           <a:lstStyle/>
           <a:p>
             <a:r>
-              <a:rPr lang="en-US" altLang="ko-KR" dirty="0" smtClean="0"/>
+              <a:rPr lang="en-US" altLang="ko-KR" dirty="0"/>
               <a:t>draw.rect() : pygame </a:t>
             </a:r>
             <a:r>
-              <a:rPr lang="ko-KR" altLang="en-US" dirty="0" smtClean="0"/>
+              <a:rPr lang="ko-KR" altLang="en-US" dirty="0"/>
               <a:t>사각형을 그림</a:t>
             </a:r>
             <a:r>
-              <a:rPr lang="en-US" altLang="ko-KR" dirty="0" smtClean="0"/>
+              <a:rPr lang="en-US" altLang="ko-KR" dirty="0"/>
               <a:t>. =&gt; </a:t>
             </a:r>
             <a:r>
-              <a:rPr lang="ko-KR" altLang="en-US" dirty="0" smtClean="0"/>
+              <a:rPr lang="ko-KR" altLang="en-US" dirty="0"/>
               <a:t>원하는 색상</a:t>
             </a:r>
             <a:r>
-              <a:rPr lang="en-US" altLang="ko-KR" dirty="0" smtClean="0"/>
+              <a:rPr lang="en-US" altLang="ko-KR" dirty="0"/>
               <a:t>, </a:t>
             </a:r>
             <a:r>
-              <a:rPr lang="ko-KR" altLang="en-US" dirty="0" smtClean="0"/>
+              <a:rPr lang="ko-KR" altLang="en-US" dirty="0"/>
               <a:t>크기를 설정</a:t>
             </a:r>
-            <a:endParaRPr lang="en-US" altLang="ko-KR" dirty="0" smtClean="0"/>
-          </a:p>
-          <a:p>
             <a:endParaRPr lang="en-US" altLang="ko-KR" dirty="0"/>
           </a:p>
           <a:p>
-            <a:r>
-              <a:rPr lang="en-US" altLang="ko-KR" dirty="0" smtClean="0"/>
+            <a:endParaRPr lang="en-US" altLang="ko-KR" dirty="0"/>
+          </a:p>
+          <a:p>
+            <a:r>
+              <a:rPr lang="en-US" altLang="ko-KR" dirty="0"/>
               <a:t>Draw.rect(surface, color, [x</a:t>
             </a:r>
             <a:r>
-              <a:rPr lang="ko-KR" altLang="en-US" dirty="0" smtClean="0"/>
+              <a:rPr lang="ko-KR" altLang="en-US" dirty="0"/>
               <a:t>축</a:t>
             </a:r>
             <a:r>
-              <a:rPr lang="en-US" altLang="ko-KR" dirty="0" smtClean="0"/>
+              <a:rPr lang="en-US" altLang="ko-KR" dirty="0"/>
               <a:t>, y</a:t>
             </a:r>
             <a:r>
-              <a:rPr lang="ko-KR" altLang="en-US" dirty="0" smtClean="0"/>
+              <a:rPr lang="ko-KR" altLang="en-US" dirty="0"/>
               <a:t>축</a:t>
             </a:r>
             <a:r>
-              <a:rPr lang="en-US" altLang="ko-KR" dirty="0" smtClean="0"/>
+              <a:rPr lang="en-US" altLang="ko-KR" dirty="0"/>
               <a:t>, </a:t>
             </a:r>
             <a:r>
-              <a:rPr lang="ko-KR" altLang="en-US" dirty="0" smtClean="0"/>
+              <a:rPr lang="ko-KR" altLang="en-US" dirty="0"/>
               <a:t>가로 크기</a:t>
             </a:r>
             <a:r>
-              <a:rPr lang="en-US" altLang="ko-KR" dirty="0" smtClean="0"/>
+              <a:rPr lang="en-US" altLang="ko-KR" dirty="0"/>
               <a:t>, </a:t>
             </a:r>
             <a:r>
-              <a:rPr lang="ko-KR" altLang="en-US" dirty="0" smtClean="0"/>
+              <a:rPr lang="ko-KR" altLang="en-US" dirty="0"/>
               <a:t>세로 크기</a:t>
             </a:r>
             <a:r>
-              <a:rPr lang="en-US" altLang="ko-KR" dirty="0" smtClean="0"/>
+              <a:rPr lang="en-US" altLang="ko-KR" dirty="0"/>
               <a:t>])</a:t>
             </a:r>
             <a:endParaRPr lang="ko-KR" altLang="en-US" dirty="0"/>
@@ -7387,30 +9894,29 @@
           <a:lstStyle/>
           <a:p>
             <a:r>
-              <a:rPr lang="en-US" altLang="ko-KR" dirty="0" smtClean="0"/>
+              <a:rPr lang="en-US" altLang="ko-KR" dirty="0"/>
               <a:t>2. </a:t>
             </a:r>
             <a:r>
-              <a:rPr lang="ko-KR" altLang="en-US" dirty="0" smtClean="0"/>
+              <a:rPr lang="ko-KR" altLang="en-US" dirty="0"/>
               <a:t>뱀</a:t>
             </a:r>
             <a:r>
-              <a:rPr lang="en-US" altLang="ko-KR" dirty="0" smtClean="0"/>
+              <a:rPr lang="en-US" altLang="ko-KR" dirty="0"/>
               <a:t>(Snake) </a:t>
             </a:r>
             <a:r>
-              <a:rPr lang="ko-KR" altLang="en-US" dirty="0" smtClean="0"/>
+              <a:rPr lang="ko-KR" altLang="en-US" dirty="0"/>
               <a:t>그리기</a:t>
             </a:r>
             <a:r>
-              <a:rPr lang="en-US" altLang="ko-KR" dirty="0" smtClean="0"/>
+              <a:rPr lang="en-US" altLang="ko-KR" dirty="0"/>
               <a:t>(2) - </a:t>
             </a:r>
             <a:r>
-              <a:rPr lang="ko-KR" altLang="en-US" dirty="0" smtClean="0"/>
+              <a:rPr lang="ko-KR" altLang="en-US" dirty="0"/>
               <a:t>소스코드</a:t>
             </a:r>
-            <a:endParaRPr lang="ko-KR" altLang="en-US" dirty="0"/>
           </a:p>
         </p:txBody>
       </p:sp>
@@ -7547,10 +10053,9 @@
           <a:lstStyle/>
           <a:p>
             <a:r>
-              <a:rPr lang="ko-KR" altLang="en-US" dirty="0" smtClean="0"/>
+              <a:rPr lang="ko-KR" altLang="en-US" dirty="0"/>
               <a:t>뒤에 계속</a:t>
             </a:r>
-            <a:endParaRPr lang="ko-KR" altLang="en-US" dirty="0"/>
           </a:p>
         </p:txBody>
       </p:sp>
@@ -7623,7 +10128,7 @@
           <a:lstStyle/>
           <a:p>
             <a:r>
-              <a:rPr lang="en-US" altLang="ko-KR" dirty="0" smtClean="0"/>
+              <a:rPr lang="en-US" altLang="ko-KR" dirty="0"/>
               <a:t>(Red, Green, Blue)</a:t>
             </a:r>
             <a:endParaRPr lang="ko-KR" altLang="en-US" dirty="0"/>
@@ -7714,30 +10219,29 @@
           <a:lstStyle/>
           <a:p>
             <a:r>
-              <a:rPr lang="en-US" altLang="ko-KR" dirty="0" smtClean="0"/>
+              <a:rPr lang="en-US" altLang="ko-KR" dirty="0"/>
               <a:t>2. </a:t>
             </a:r>
             <a:r>
-              <a:rPr lang="ko-KR" altLang="en-US" dirty="0" smtClean="0"/>
+              <a:rPr lang="ko-KR" altLang="en-US" dirty="0"/>
               <a:t>뱀</a:t>
             </a:r>
             <a:r>
-              <a:rPr lang="en-US" altLang="ko-KR" dirty="0" smtClean="0"/>
+              <a:rPr lang="en-US" altLang="ko-KR" dirty="0"/>
               <a:t>(Snake) </a:t>
             </a:r>
             <a:r>
-              <a:rPr lang="ko-KR" altLang="en-US" dirty="0" smtClean="0"/>
+              <a:rPr lang="ko-KR" altLang="en-US" dirty="0"/>
               <a:t>그리기</a:t>
             </a:r>
             <a:r>
-              <a:rPr lang="en-US" altLang="ko-KR" dirty="0" smtClean="0"/>
+              <a:rPr lang="en-US" altLang="ko-KR" dirty="0"/>
               <a:t>(2) - </a:t>
             </a:r>
             <a:r>
-              <a:rPr lang="ko-KR" altLang="en-US" dirty="0" smtClean="0"/>
+              <a:rPr lang="ko-KR" altLang="en-US" dirty="0"/>
               <a:t>소스코드</a:t>
             </a:r>
-            <a:endParaRPr lang="ko-KR" altLang="en-US" dirty="0"/>
           </a:p>
         </p:txBody>
       </p:sp>
@@ -7920,67 +10424,66 @@
           <a:lstStyle/>
           <a:p>
             <a:r>
-              <a:rPr lang="en-US" altLang="ko-KR" dirty="0" smtClean="0"/>
+              <a:rPr lang="en-US" altLang="ko-KR" dirty="0"/>
               <a:t>[x</a:t>
             </a:r>
             <a:r>
-              <a:rPr lang="ko-KR" altLang="en-US" dirty="0" smtClean="0"/>
+              <a:rPr lang="ko-KR" altLang="en-US" dirty="0"/>
               <a:t>축</a:t>
             </a:r>
             <a:r>
-              <a:rPr lang="en-US" altLang="ko-KR" dirty="0" smtClean="0"/>
+              <a:rPr lang="en-US" altLang="ko-KR" dirty="0"/>
               <a:t>, y</a:t>
             </a:r>
             <a:r>
-              <a:rPr lang="ko-KR" altLang="en-US" dirty="0" smtClean="0"/>
+              <a:rPr lang="ko-KR" altLang="en-US" dirty="0"/>
               <a:t>축</a:t>
             </a:r>
             <a:r>
-              <a:rPr lang="en-US" altLang="ko-KR" dirty="0" smtClean="0"/>
+              <a:rPr lang="en-US" altLang="ko-KR" dirty="0"/>
               <a:t>, </a:t>
             </a:r>
             <a:r>
-              <a:rPr lang="ko-KR" altLang="en-US" dirty="0" smtClean="0"/>
+              <a:rPr lang="ko-KR" altLang="en-US" dirty="0"/>
               <a:t>가로 크기</a:t>
             </a:r>
             <a:r>
-              <a:rPr lang="en-US" altLang="ko-KR" dirty="0" smtClean="0"/>
+              <a:rPr lang="en-US" altLang="ko-KR" dirty="0"/>
               <a:t>, </a:t>
             </a:r>
             <a:r>
-              <a:rPr lang="ko-KR" altLang="en-US" dirty="0" smtClean="0"/>
+              <a:rPr lang="ko-KR" altLang="en-US" dirty="0"/>
               <a:t>세로 크기</a:t>
             </a:r>
             <a:r>
-              <a:rPr lang="en-US" altLang="ko-KR" dirty="0" smtClean="0"/>
+              <a:rPr lang="en-US" altLang="ko-KR" dirty="0"/>
               <a:t>]</a:t>
             </a:r>
           </a:p>
           <a:p>
             <a:r>
-              <a:rPr lang="en-US" altLang="ko-KR" dirty="0" smtClean="0"/>
+              <a:rPr lang="en-US" altLang="ko-KR" dirty="0"/>
               <a:t>=&gt; </a:t>
             </a:r>
             <a:r>
-              <a:rPr lang="ko-KR" altLang="en-US" dirty="0" smtClean="0"/>
+              <a:rPr lang="ko-KR" altLang="en-US" dirty="0"/>
               <a:t>화면 크기의 반에서 뱀의 크기의</a:t>
             </a:r>
-            <a:endParaRPr lang="en-US" altLang="ko-KR" dirty="0" smtClean="0"/>
-          </a:p>
-          <a:p>
-            <a:r>
-              <a:rPr lang="ko-KR" altLang="en-US" dirty="0" smtClean="0"/>
+            <a:endParaRPr lang="en-US" altLang="ko-KR" dirty="0"/>
+          </a:p>
+          <a:p>
+            <a:r>
+              <a:rPr lang="ko-KR" altLang="en-US" dirty="0"/>
               <a:t>반을 뺀 값</a:t>
             </a:r>
             <a:r>
-              <a:rPr lang="en-US" altLang="ko-KR" dirty="0" smtClean="0"/>
+              <a:rPr lang="en-US" altLang="ko-KR" dirty="0"/>
               <a:t>. =&gt; </a:t>
             </a:r>
             <a:r>
-              <a:rPr lang="ko-KR" altLang="en-US" dirty="0" smtClean="0"/>
+              <a:rPr lang="ko-KR" altLang="en-US" dirty="0"/>
               <a:t>화면의 정 가운데</a:t>
             </a:r>
-            <a:endParaRPr lang="ko-KR" altLang="en-US" dirty="0"/>
           </a:p>
         </p:txBody>
       </p:sp>
@@ -8066,30 +10569,29 @@
           <a:lstStyle/>
           <a:p>
             <a:r>
-              <a:rPr lang="en-US" altLang="ko-KR" dirty="0" smtClean="0"/>
+              <a:rPr lang="en-US" altLang="ko-KR" dirty="0"/>
               <a:t>2. </a:t>
             </a:r>
             <a:r>
-              <a:rPr lang="ko-KR" altLang="en-US" dirty="0" smtClean="0"/>
+              <a:rPr lang="ko-KR" altLang="en-US" dirty="0"/>
               <a:t>뱀</a:t>
             </a:r>
             <a:r>
-              <a:rPr lang="en-US" altLang="ko-KR" dirty="0" smtClean="0"/>
+              <a:rPr lang="en-US" altLang="ko-KR" dirty="0"/>
               <a:t>(Snake) </a:t>
             </a:r>
             <a:r>
-              <a:rPr lang="ko-KR" altLang="en-US" dirty="0" smtClean="0"/>
+              <a:rPr lang="ko-KR" altLang="en-US" dirty="0"/>
               <a:t>그리기</a:t>
             </a:r>
             <a:r>
-              <a:rPr lang="en-US" altLang="ko-KR" dirty="0" smtClean="0"/>
+              <a:rPr lang="en-US" altLang="ko-KR" dirty="0"/>
               <a:t>(2) - </a:t>
             </a:r>
             <a:r>
-              <a:rPr lang="ko-KR" altLang="en-US" dirty="0" smtClean="0"/>
+              <a:rPr lang="ko-KR" altLang="en-US" dirty="0"/>
               <a:t>실행결과</a:t>
             </a:r>
-            <a:endParaRPr lang="ko-KR" altLang="en-US" dirty="0"/>
           </a:p>
         </p:txBody>
       </p:sp>
@@ -8284,7 +10786,7 @@
           <a:lstStyle/>
           <a:p>
             <a:r>
-              <a:rPr lang="en-US" altLang="ko-KR" dirty="0" smtClean="0">
+              <a:rPr lang="en-US" altLang="ko-KR" dirty="0">
                 <a:solidFill>
                   <a:srgbClr val="FFFF00"/>
                 </a:solidFill>
@@ -8292,7 +10794,7 @@
               <a:t>Y</a:t>
             </a:r>
             <a:r>
-              <a:rPr lang="ko-KR" altLang="en-US" dirty="0" smtClean="0">
+              <a:rPr lang="ko-KR" altLang="en-US" dirty="0">
                 <a:solidFill>
                   <a:srgbClr val="FFFF00"/>
                 </a:solidFill>
@@ -8300,7 +10802,7 @@
               <a:t>축 </a:t>
             </a:r>
             <a:r>
-              <a:rPr lang="en-US" altLang="ko-KR" dirty="0" smtClean="0">
+              <a:rPr lang="en-US" altLang="ko-KR" dirty="0">
                 <a:solidFill>
                   <a:srgbClr val="FFFF00"/>
                 </a:solidFill>
@@ -8373,7 +10875,7 @@
           <a:lstStyle/>
           <a:p>
             <a:r>
-              <a:rPr lang="en-US" altLang="ko-KR" dirty="0" smtClean="0">
+              <a:rPr lang="en-US" altLang="ko-KR" dirty="0">
                 <a:solidFill>
                   <a:srgbClr val="FFFF00"/>
                 </a:solidFill>
@@ -8381,7 +10883,7 @@
               <a:t>X</a:t>
             </a:r>
             <a:r>
-              <a:rPr lang="ko-KR" altLang="en-US" dirty="0" smtClean="0">
+              <a:rPr lang="ko-KR" altLang="en-US" dirty="0">
                 <a:solidFill>
                   <a:srgbClr val="FFFF00"/>
                 </a:solidFill>
@@ -8394,15 +10896,7 @@
                   <a:srgbClr val="FFFF00"/>
                 </a:solidFill>
               </a:rPr>
-              <a:t>4</a:t>
-            </a:r>
-            <a:r>
-              <a:rPr lang="en-US" altLang="ko-KR" dirty="0" smtClean="0">
-                <a:solidFill>
-                  <a:srgbClr val="FFFF00"/>
-                </a:solidFill>
-              </a:rPr>
-              <a:t>00</a:t>
+              <a:t>400</a:t>
             </a:r>
             <a:endParaRPr lang="ko-KR" altLang="en-US" dirty="0">
               <a:solidFill>
@@ -8435,14 +10929,14 @@
           <a:lstStyle/>
           <a:p>
             <a:r>
-              <a:rPr lang="ko-KR" altLang="en-US" dirty="0" smtClean="0">
+              <a:rPr lang="ko-KR" altLang="en-US" dirty="0">
                 <a:solidFill>
                   <a:srgbClr val="0070C0"/>
                 </a:solidFill>
               </a:rPr>
               <a:t>파란색 사각형 </a:t>
             </a:r>
-            <a:endParaRPr lang="en-US" altLang="ko-KR" dirty="0" smtClean="0">
+            <a:endParaRPr lang="en-US" altLang="ko-KR" dirty="0">
               <a:solidFill>
                 <a:srgbClr val="0070C0"/>
               </a:solidFill>
@@ -8450,7 +10944,7 @@
           </a:p>
           <a:p>
             <a:r>
-              <a:rPr lang="ko-KR" altLang="en-US" dirty="0" smtClean="0">
+              <a:rPr lang="ko-KR" altLang="en-US" dirty="0">
                 <a:solidFill>
                   <a:srgbClr val="0070C0"/>
                 </a:solidFill>
@@ -8458,7 +10952,7 @@
               <a:t>가로세로 크기 </a:t>
             </a:r>
             <a:r>
-              <a:rPr lang="en-US" altLang="ko-KR" dirty="0" smtClean="0">
+              <a:rPr lang="en-US" altLang="ko-KR" dirty="0">
                 <a:solidFill>
                   <a:srgbClr val="0070C0"/>
                 </a:solidFill>
@@ -8496,7 +10990,7 @@
           <a:lstStyle/>
           <a:p>
             <a:r>
-              <a:rPr lang="en-US" altLang="ko-KR" dirty="0" smtClean="0">
+              <a:rPr lang="en-US" altLang="ko-KR" dirty="0">
                 <a:solidFill>
                   <a:srgbClr val="FF0000"/>
                 </a:solidFill>
@@ -8504,7 +10998,7 @@
               <a:t>X</a:t>
             </a:r>
             <a:r>
-              <a:rPr lang="ko-KR" altLang="en-US" dirty="0" smtClean="0">
+              <a:rPr lang="ko-KR" altLang="en-US" dirty="0">
                 <a:solidFill>
                   <a:srgbClr val="FF0000"/>
                 </a:solidFill>
@@ -8512,7 +11006,7 @@
               <a:t>축 전체 크기</a:t>
             </a:r>
             <a:r>
-              <a:rPr lang="en-US" altLang="ko-KR" dirty="0" smtClean="0">
+              <a:rPr lang="en-US" altLang="ko-KR" dirty="0">
                 <a:solidFill>
                   <a:srgbClr val="FF0000"/>
                 </a:solidFill>
@@ -8520,7 +11014,7 @@
               <a:t>(400)</a:t>
             </a:r>
             <a:r>
-              <a:rPr lang="ko-KR" altLang="en-US" dirty="0" smtClean="0">
+              <a:rPr lang="ko-KR" altLang="en-US" dirty="0">
                 <a:solidFill>
                   <a:srgbClr val="FF0000"/>
                 </a:solidFill>
@@ -8528,7 +11022,7 @@
               <a:t>의 반</a:t>
             </a:r>
             <a:r>
-              <a:rPr lang="en-US" altLang="ko-KR" dirty="0" smtClean="0">
+              <a:rPr lang="en-US" altLang="ko-KR" dirty="0">
                 <a:solidFill>
                   <a:srgbClr val="FF0000"/>
                 </a:solidFill>
@@ -8536,14 +11030,14 @@
               <a:t>(/2)</a:t>
             </a:r>
             <a:r>
-              <a:rPr lang="ko-KR" altLang="en-US" dirty="0" smtClean="0">
+              <a:rPr lang="ko-KR" altLang="en-US" dirty="0">
                 <a:solidFill>
                   <a:srgbClr val="FF0000"/>
                 </a:solidFill>
               </a:rPr>
               <a:t>에서 </a:t>
             </a:r>
-            <a:endParaRPr lang="en-US" altLang="ko-KR" dirty="0" smtClean="0">
+            <a:endParaRPr lang="en-US" altLang="ko-KR" dirty="0">
               <a:solidFill>
                 <a:srgbClr val="FF0000"/>
               </a:solidFill>
@@ -8551,7 +11045,7 @@
           </a:p>
           <a:p>
             <a:r>
-              <a:rPr lang="ko-KR" altLang="en-US" dirty="0" smtClean="0">
+              <a:rPr lang="ko-KR" altLang="en-US" dirty="0">
                 <a:solidFill>
                   <a:srgbClr val="FF0000"/>
                 </a:solidFill>
@@ -8559,7 +11053,7 @@
               <a:t>파란색 크기의 반인 </a:t>
             </a:r>
             <a:r>
-              <a:rPr lang="en-US" altLang="ko-KR" dirty="0" smtClean="0">
+              <a:rPr lang="en-US" altLang="ko-KR" dirty="0">
                 <a:solidFill>
                   <a:srgbClr val="FF0000"/>
                 </a:solidFill>
@@ -8567,7 +11061,7 @@
               <a:t> 5</a:t>
             </a:r>
             <a:r>
-              <a:rPr lang="ko-KR" altLang="en-US" dirty="0" smtClean="0">
+              <a:rPr lang="ko-KR" altLang="en-US" dirty="0">
                 <a:solidFill>
                   <a:srgbClr val="FF0000"/>
                 </a:solidFill>
@@ -8575,7 +11069,7 @@
               <a:t>를 뺌</a:t>
             </a:r>
             <a:r>
-              <a:rPr lang="en-US" altLang="ko-KR" dirty="0" smtClean="0">
+              <a:rPr lang="en-US" altLang="ko-KR" dirty="0">
                 <a:solidFill>
                   <a:srgbClr val="FF0000"/>
                 </a:solidFill>
@@ -8592,7 +11086,7 @@
           </a:p>
           <a:p>
             <a:r>
-              <a:rPr lang="en-US" altLang="ko-KR" dirty="0" smtClean="0">
+              <a:rPr lang="en-US" altLang="ko-KR" dirty="0">
                 <a:solidFill>
                   <a:srgbClr val="FF0000"/>
                 </a:solidFill>

--- a/snake.pptx
+++ b/snake.pptx
@@ -35,6 +35,14 @@
     <p:sldId id="283" r:id="rId29"/>
     <p:sldId id="284" r:id="rId30"/>
     <p:sldId id="285" r:id="rId31"/>
+    <p:sldId id="286" r:id="rId32"/>
+    <p:sldId id="287" r:id="rId33"/>
+    <p:sldId id="288" r:id="rId34"/>
+    <p:sldId id="289" r:id="rId35"/>
+    <p:sldId id="290" r:id="rId36"/>
+    <p:sldId id="291" r:id="rId37"/>
+    <p:sldId id="292" r:id="rId38"/>
+    <p:sldId id="293" r:id="rId39"/>
   </p:sldIdLst>
   <p:sldSz cx="12192000" cy="6858000"/>
   <p:notesSz cx="6858000" cy="9144000"/>
@@ -270,7 +278,7 @@
           <a:p>
             <a:fld id="{94965F41-601C-4DA8-977A-5C943E6B251F}" type="datetimeFigureOut">
               <a:rPr lang="ko-KR" altLang="en-US" smtClean="0"/>
-              <a:t>2023-10-31</a:t>
+              <a:t>2023-11-01</a:t>
             </a:fld>
             <a:endParaRPr lang="ko-KR" altLang="en-US"/>
           </a:p>
@@ -438,7 +446,7 @@
           <a:p>
             <a:fld id="{94965F41-601C-4DA8-977A-5C943E6B251F}" type="datetimeFigureOut">
               <a:rPr lang="ko-KR" altLang="en-US" smtClean="0"/>
-              <a:t>2023-10-31</a:t>
+              <a:t>2023-11-01</a:t>
             </a:fld>
             <a:endParaRPr lang="ko-KR" altLang="en-US"/>
           </a:p>
@@ -616,7 +624,7 @@
           <a:p>
             <a:fld id="{94965F41-601C-4DA8-977A-5C943E6B251F}" type="datetimeFigureOut">
               <a:rPr lang="ko-KR" altLang="en-US" smtClean="0"/>
-              <a:t>2023-10-31</a:t>
+              <a:t>2023-11-01</a:t>
             </a:fld>
             <a:endParaRPr lang="ko-KR" altLang="en-US"/>
           </a:p>
@@ -784,7 +792,7 @@
           <a:p>
             <a:fld id="{94965F41-601C-4DA8-977A-5C943E6B251F}" type="datetimeFigureOut">
               <a:rPr lang="ko-KR" altLang="en-US" smtClean="0"/>
-              <a:t>2023-10-31</a:t>
+              <a:t>2023-11-01</a:t>
             </a:fld>
             <a:endParaRPr lang="ko-KR" altLang="en-US"/>
           </a:p>
@@ -1029,7 +1037,7 @@
           <a:p>
             <a:fld id="{94965F41-601C-4DA8-977A-5C943E6B251F}" type="datetimeFigureOut">
               <a:rPr lang="ko-KR" altLang="en-US" smtClean="0"/>
-              <a:t>2023-10-31</a:t>
+              <a:t>2023-11-01</a:t>
             </a:fld>
             <a:endParaRPr lang="ko-KR" altLang="en-US"/>
           </a:p>
@@ -1258,7 +1266,7 @@
           <a:p>
             <a:fld id="{94965F41-601C-4DA8-977A-5C943E6B251F}" type="datetimeFigureOut">
               <a:rPr lang="ko-KR" altLang="en-US" smtClean="0"/>
-              <a:t>2023-10-31</a:t>
+              <a:t>2023-11-01</a:t>
             </a:fld>
             <a:endParaRPr lang="ko-KR" altLang="en-US"/>
           </a:p>
@@ -1622,7 +1630,7 @@
           <a:p>
             <a:fld id="{94965F41-601C-4DA8-977A-5C943E6B251F}" type="datetimeFigureOut">
               <a:rPr lang="ko-KR" altLang="en-US" smtClean="0"/>
-              <a:t>2023-10-31</a:t>
+              <a:t>2023-11-01</a:t>
             </a:fld>
             <a:endParaRPr lang="ko-KR" altLang="en-US"/>
           </a:p>
@@ -1739,7 +1747,7 @@
           <a:p>
             <a:fld id="{94965F41-601C-4DA8-977A-5C943E6B251F}" type="datetimeFigureOut">
               <a:rPr lang="ko-KR" altLang="en-US" smtClean="0"/>
-              <a:t>2023-10-31</a:t>
+              <a:t>2023-11-01</a:t>
             </a:fld>
             <a:endParaRPr lang="ko-KR" altLang="en-US"/>
           </a:p>
@@ -1834,7 +1842,7 @@
           <a:p>
             <a:fld id="{94965F41-601C-4DA8-977A-5C943E6B251F}" type="datetimeFigureOut">
               <a:rPr lang="ko-KR" altLang="en-US" smtClean="0"/>
-              <a:t>2023-10-31</a:t>
+              <a:t>2023-11-01</a:t>
             </a:fld>
             <a:endParaRPr lang="ko-KR" altLang="en-US"/>
           </a:p>
@@ -2109,7 +2117,7 @@
           <a:p>
             <a:fld id="{94965F41-601C-4DA8-977A-5C943E6B251F}" type="datetimeFigureOut">
               <a:rPr lang="ko-KR" altLang="en-US" smtClean="0"/>
-              <a:t>2023-10-31</a:t>
+              <a:t>2023-11-01</a:t>
             </a:fld>
             <a:endParaRPr lang="ko-KR" altLang="en-US"/>
           </a:p>
@@ -2361,7 +2369,7 @@
           <a:p>
             <a:fld id="{94965F41-601C-4DA8-977A-5C943E6B251F}" type="datetimeFigureOut">
               <a:rPr lang="ko-KR" altLang="en-US" smtClean="0"/>
-              <a:t>2023-10-31</a:t>
+              <a:t>2023-11-01</a:t>
             </a:fld>
             <a:endParaRPr lang="ko-KR" altLang="en-US"/>
           </a:p>
@@ -2572,7 +2580,7 @@
           <a:p>
             <a:fld id="{94965F41-601C-4DA8-977A-5C943E6B251F}" type="datetimeFigureOut">
               <a:rPr lang="ko-KR" altLang="en-US" smtClean="0"/>
-              <a:t>2023-10-31</a:t>
+              <a:t>2023-11-01</a:t>
             </a:fld>
             <a:endParaRPr lang="ko-KR" altLang="en-US"/>
           </a:p>
@@ -3063,7 +3071,7 @@
         <p:spPr>
           <a:xfrm>
             <a:off x="3680168" y="2820158"/>
-            <a:ext cx="7059573" cy="2599979"/>
+            <a:ext cx="7059573" cy="3100176"/>
           </a:xfrm>
         </p:spPr>
         <p:txBody>
@@ -3158,6 +3166,24 @@
             <a:r>
               <a:rPr lang="ko-KR" altLang="en-US" dirty="0"/>
               <a:t>음식 추가하기</a:t>
+            </a:r>
+            <a:endParaRPr lang="en-US" altLang="ko-KR" dirty="0"/>
+          </a:p>
+          <a:p>
+            <a:pPr marL="457200" indent="-457200" algn="l">
+              <a:buAutoNum type="arabicPeriod"/>
+            </a:pPr>
+            <a:r>
+              <a:rPr lang="ko-KR" altLang="en-US" dirty="0"/>
+              <a:t>뱀</a:t>
+            </a:r>
+            <a:r>
+              <a:rPr lang="en-US" altLang="ko-KR" dirty="0"/>
+              <a:t>(Snake) </a:t>
+            </a:r>
+            <a:r>
+              <a:rPr lang="ko-KR" altLang="en-US" dirty="0"/>
+              <a:t>길이 늘리기</a:t>
             </a:r>
           </a:p>
         </p:txBody>
@@ -8461,7 +8487,14 @@
           <a:bodyPr/>
           <a:lstStyle/>
           <a:p>
-            <a:endParaRPr lang="ko-KR" altLang="en-US"/>
+            <a:r>
+              <a:rPr lang="en-US" altLang="ko-KR" dirty="0"/>
+              <a:t>6. </a:t>
+            </a:r>
+            <a:r>
+              <a:rPr lang="ko-KR" altLang="en-US" dirty="0"/>
+              <a:t>뱀 길이 늘리기</a:t>
+            </a:r>
           </a:p>
         </p:txBody>
       </p:sp>
@@ -8535,22 +8568,134 @@
           </a:fontRef>
         </p:style>
       </p:cxnSp>
-      <p:sp>
-        <p:nvSpPr>
-          <p:cNvPr id="3" name="내용 개체 틀 2"/>
-          <p:cNvSpPr>
-            <a:spLocks noGrp="1"/>
-          </p:cNvSpPr>
-          <p:nvPr>
-            <p:ph idx="1"/>
-          </p:nvPr>
-        </p:nvSpPr>
-        <p:spPr/>
-        <p:txBody>
-          <a:bodyPr/>
-          <a:lstStyle/>
-          <a:p>
-            <a:endParaRPr lang="ko-KR" altLang="en-US"/>
+      <p:pic>
+        <p:nvPicPr>
+          <p:cNvPr id="12" name="그림 11">
+            <a:extLst>
+              <a:ext uri="{FF2B5EF4-FFF2-40B4-BE49-F238E27FC236}">
+                <a16:creationId xmlns:a16="http://schemas.microsoft.com/office/drawing/2014/main" id="{B6ACBD1E-A421-4514-A8C0-75784A284359}"/>
+              </a:ext>
+            </a:extLst>
+          </p:cNvPr>
+          <p:cNvPicPr>
+            <a:picLocks noChangeAspect="1"/>
+          </p:cNvPicPr>
+          <p:nvPr/>
+        </p:nvPicPr>
+        <p:blipFill>
+          <a:blip r:embed="rId2"/>
+          <a:stretch>
+            <a:fillRect/>
+          </a:stretch>
+        </p:blipFill>
+        <p:spPr>
+          <a:xfrm>
+            <a:off x="5541859" y="488731"/>
+            <a:ext cx="6108858" cy="6124104"/>
+          </a:xfrm>
+          <a:prstGeom prst="rect">
+            <a:avLst/>
+          </a:prstGeom>
+          <a:ln w="38100" cap="sq">
+            <a:solidFill>
+              <a:srgbClr val="000000"/>
+            </a:solidFill>
+            <a:prstDash val="solid"/>
+            <a:miter lim="800000"/>
+          </a:ln>
+          <a:effectLst>
+            <a:outerShdw blurRad="50800" dist="38100" dir="2700000" algn="tl" rotWithShape="0">
+              <a:srgbClr val="000000">
+                <a:alpha val="43000"/>
+              </a:srgbClr>
+            </a:outerShdw>
+          </a:effectLst>
+        </p:spPr>
+      </p:pic>
+      <p:sp>
+        <p:nvSpPr>
+          <p:cNvPr id="13" name="사각형: 둥근 모서리 12">
+            <a:extLst>
+              <a:ext uri="{FF2B5EF4-FFF2-40B4-BE49-F238E27FC236}">
+                <a16:creationId xmlns:a16="http://schemas.microsoft.com/office/drawing/2014/main" id="{03ECB654-49DD-43D7-A026-EA793435C105}"/>
+              </a:ext>
+            </a:extLst>
+          </p:cNvPr>
+          <p:cNvSpPr/>
+          <p:nvPr/>
+        </p:nvSpPr>
+        <p:spPr>
+          <a:xfrm>
+            <a:off x="6135755" y="6066753"/>
+            <a:ext cx="5446643" cy="214776"/>
+          </a:xfrm>
+          <a:prstGeom prst="roundRect">
+            <a:avLst/>
+          </a:prstGeom>
+          <a:noFill/>
+          <a:ln>
+            <a:solidFill>
+              <a:srgbClr val="FF0000"/>
+            </a:solidFill>
+          </a:ln>
+        </p:spPr>
+        <p:style>
+          <a:lnRef idx="2">
+            <a:schemeClr val="accent1">
+              <a:shade val="50000"/>
+            </a:schemeClr>
+          </a:lnRef>
+          <a:fillRef idx="1">
+            <a:schemeClr val="accent1"/>
+          </a:fillRef>
+          <a:effectRef idx="0">
+            <a:schemeClr val="accent1"/>
+          </a:effectRef>
+          <a:fontRef idx="minor">
+            <a:schemeClr val="lt1"/>
+          </a:fontRef>
+        </p:style>
+        <p:txBody>
+          <a:bodyPr rtlCol="0" anchor="ctr"/>
+          <a:lstStyle/>
+          <a:p>
+            <a:pPr algn="ctr"/>
+            <a:endParaRPr lang="ko-KR" altLang="en-US" dirty="0"/>
+          </a:p>
+        </p:txBody>
+      </p:sp>
+      <p:sp>
+        <p:nvSpPr>
+          <p:cNvPr id="15" name="TextBox 14">
+            <a:extLst>
+              <a:ext uri="{FF2B5EF4-FFF2-40B4-BE49-F238E27FC236}">
+                <a16:creationId xmlns:a16="http://schemas.microsoft.com/office/drawing/2014/main" id="{D8FB18E5-1116-4B1E-8993-ADB4CE304AC7}"/>
+              </a:ext>
+            </a:extLst>
+          </p:cNvPr>
+          <p:cNvSpPr txBox="1"/>
+          <p:nvPr/>
+        </p:nvSpPr>
+        <p:spPr>
+          <a:xfrm>
+            <a:off x="3938841" y="6123543"/>
+            <a:ext cx="1189749" cy="369332"/>
+          </a:xfrm>
+          <a:prstGeom prst="rect">
+            <a:avLst/>
+          </a:prstGeom>
+          <a:noFill/>
+        </p:spPr>
+        <p:txBody>
+          <a:bodyPr wrap="none" rtlCol="0">
+            <a:spAutoFit/>
+          </a:bodyPr>
+          <a:lstStyle/>
+          <a:p>
+            <a:r>
+              <a:rPr lang="ko-KR" altLang="en-US" dirty="0"/>
+              <a:t>뒤에 계속</a:t>
+            </a:r>
           </a:p>
         </p:txBody>
       </p:sp>
@@ -8756,7 +8901,14 @@
           <a:bodyPr/>
           <a:lstStyle/>
           <a:p>
-            <a:endParaRPr lang="ko-KR" altLang="en-US"/>
+            <a:r>
+              <a:rPr lang="en-US" altLang="ko-KR" dirty="0"/>
+              <a:t>6. </a:t>
+            </a:r>
+            <a:r>
+              <a:rPr lang="ko-KR" altLang="en-US" dirty="0"/>
+              <a:t>뱀 길이 늘리기</a:t>
+            </a:r>
           </a:p>
         </p:txBody>
       </p:sp>
@@ -8830,6 +8982,1793 @@
           </a:fontRef>
         </p:style>
       </p:cxnSp>
+      <p:pic>
+        <p:nvPicPr>
+          <p:cNvPr id="6" name="내용 개체 틀 5">
+            <a:extLst>
+              <a:ext uri="{FF2B5EF4-FFF2-40B4-BE49-F238E27FC236}">
+                <a16:creationId xmlns:a16="http://schemas.microsoft.com/office/drawing/2014/main" id="{06E52480-8544-4F1F-B347-1A12700B2426}"/>
+              </a:ext>
+            </a:extLst>
+          </p:cNvPr>
+          <p:cNvPicPr>
+            <a:picLocks noGrp="1" noChangeAspect="1"/>
+          </p:cNvPicPr>
+          <p:nvPr>
+            <p:ph idx="1"/>
+          </p:nvPr>
+        </p:nvPicPr>
+        <p:blipFill>
+          <a:blip r:embed="rId2"/>
+          <a:stretch>
+            <a:fillRect/>
+          </a:stretch>
+        </p:blipFill>
+        <p:spPr>
+          <a:xfrm>
+            <a:off x="1077313" y="2144110"/>
+            <a:ext cx="10037373" cy="4018151"/>
+          </a:xfrm>
+          <a:prstGeom prst="rect">
+            <a:avLst/>
+          </a:prstGeom>
+          <a:ln w="38100" cap="sq">
+            <a:solidFill>
+              <a:srgbClr val="000000"/>
+            </a:solidFill>
+            <a:prstDash val="solid"/>
+            <a:miter lim="800000"/>
+          </a:ln>
+          <a:effectLst>
+            <a:outerShdw blurRad="50800" dist="38100" dir="2700000" algn="tl" rotWithShape="0">
+              <a:srgbClr val="000000">
+                <a:alpha val="43000"/>
+              </a:srgbClr>
+            </a:outerShdw>
+          </a:effectLst>
+        </p:spPr>
+      </p:pic>
+      <p:sp>
+        <p:nvSpPr>
+          <p:cNvPr id="7" name="사각형: 둥근 모서리 6">
+            <a:extLst>
+              <a:ext uri="{FF2B5EF4-FFF2-40B4-BE49-F238E27FC236}">
+                <a16:creationId xmlns:a16="http://schemas.microsoft.com/office/drawing/2014/main" id="{AC572C5F-37B6-4AC3-90B0-DDB2E6304CA9}"/>
+              </a:ext>
+            </a:extLst>
+          </p:cNvPr>
+          <p:cNvSpPr/>
+          <p:nvPr/>
+        </p:nvSpPr>
+        <p:spPr>
+          <a:xfrm>
+            <a:off x="1855304" y="3601849"/>
+            <a:ext cx="4041914" cy="400308"/>
+          </a:xfrm>
+          <a:prstGeom prst="roundRect">
+            <a:avLst/>
+          </a:prstGeom>
+          <a:noFill/>
+          <a:ln>
+            <a:solidFill>
+              <a:srgbClr val="FF0000"/>
+            </a:solidFill>
+          </a:ln>
+        </p:spPr>
+        <p:style>
+          <a:lnRef idx="2">
+            <a:schemeClr val="accent1">
+              <a:shade val="50000"/>
+            </a:schemeClr>
+          </a:lnRef>
+          <a:fillRef idx="1">
+            <a:schemeClr val="accent1"/>
+          </a:fillRef>
+          <a:effectRef idx="0">
+            <a:schemeClr val="accent1"/>
+          </a:effectRef>
+          <a:fontRef idx="minor">
+            <a:schemeClr val="lt1"/>
+          </a:fontRef>
+        </p:style>
+        <p:txBody>
+          <a:bodyPr rtlCol="0" anchor="ctr"/>
+          <a:lstStyle/>
+          <a:p>
+            <a:pPr algn="ctr"/>
+            <a:endParaRPr lang="ko-KR" altLang="en-US" dirty="0"/>
+          </a:p>
+        </p:txBody>
+      </p:sp>
+      <p:sp>
+        <p:nvSpPr>
+          <p:cNvPr id="8" name="TextBox 7">
+            <a:extLst>
+              <a:ext uri="{FF2B5EF4-FFF2-40B4-BE49-F238E27FC236}">
+                <a16:creationId xmlns:a16="http://schemas.microsoft.com/office/drawing/2014/main" id="{97F94E32-4180-4B04-9D6D-AF241AB17530}"/>
+              </a:ext>
+            </a:extLst>
+          </p:cNvPr>
+          <p:cNvSpPr txBox="1"/>
+          <p:nvPr/>
+        </p:nvSpPr>
+        <p:spPr>
+          <a:xfrm>
+            <a:off x="10164051" y="6308209"/>
+            <a:ext cx="1189749" cy="369332"/>
+          </a:xfrm>
+          <a:prstGeom prst="rect">
+            <a:avLst/>
+          </a:prstGeom>
+          <a:noFill/>
+        </p:spPr>
+        <p:txBody>
+          <a:bodyPr wrap="none" rtlCol="0">
+            <a:spAutoFit/>
+          </a:bodyPr>
+          <a:lstStyle/>
+          <a:p>
+            <a:r>
+              <a:rPr lang="ko-KR" altLang="en-US" dirty="0"/>
+              <a:t>뒤에 계속</a:t>
+            </a:r>
+          </a:p>
+        </p:txBody>
+      </p:sp>
+    </p:spTree>
+    <p:extLst>
+      <p:ext uri="{BB962C8B-B14F-4D97-AF65-F5344CB8AC3E}">
+        <p14:creationId xmlns:p14="http://schemas.microsoft.com/office/powerpoint/2010/main" val="3426489206"/>
+      </p:ext>
+    </p:extLst>
+  </p:cSld>
+  <p:clrMapOvr>
+    <a:masterClrMapping/>
+  </p:clrMapOvr>
+</p:sld>
+</file>
+
+<file path=ppt/slides/slide31.xml><?xml version="1.0" encoding="utf-8"?>
+<p:sld xmlns:a="http://schemas.openxmlformats.org/drawingml/2006/main" xmlns:r="http://schemas.openxmlformats.org/officeDocument/2006/relationships" xmlns:p="http://schemas.openxmlformats.org/presentationml/2006/main">
+  <p:cSld>
+    <p:spTree>
+      <p:nvGrpSpPr>
+        <p:cNvPr id="1" name=""/>
+        <p:cNvGrpSpPr/>
+        <p:nvPr/>
+      </p:nvGrpSpPr>
+      <p:grpSpPr>
+        <a:xfrm>
+          <a:off x="0" y="0"/>
+          <a:ext cx="0" cy="0"/>
+          <a:chOff x="0" y="0"/>
+          <a:chExt cx="0" cy="0"/>
+        </a:xfrm>
+      </p:grpSpPr>
+      <p:sp>
+        <p:nvSpPr>
+          <p:cNvPr id="2" name="제목 1"/>
+          <p:cNvSpPr>
+            <a:spLocks noGrp="1"/>
+          </p:cNvSpPr>
+          <p:nvPr>
+            <p:ph type="title"/>
+          </p:nvPr>
+        </p:nvSpPr>
+        <p:spPr/>
+        <p:txBody>
+          <a:bodyPr/>
+          <a:lstStyle/>
+          <a:p>
+            <a:r>
+              <a:rPr lang="en-US" altLang="ko-KR" dirty="0"/>
+              <a:t>6. </a:t>
+            </a:r>
+            <a:r>
+              <a:rPr lang="ko-KR" altLang="en-US" dirty="0"/>
+              <a:t>뱀 길이 늘리기</a:t>
+            </a:r>
+          </a:p>
+        </p:txBody>
+      </p:sp>
+      <p:cxnSp>
+        <p:nvCxnSpPr>
+          <p:cNvPr id="4" name="직선 연결선 3"/>
+          <p:cNvCxnSpPr/>
+          <p:nvPr/>
+        </p:nvCxnSpPr>
+        <p:spPr>
+          <a:xfrm>
+            <a:off x="220718" y="1690688"/>
+            <a:ext cx="11429999" cy="0"/>
+          </a:xfrm>
+          <a:prstGeom prst="line">
+            <a:avLst/>
+          </a:prstGeom>
+          <a:ln w="57150">
+            <a:solidFill>
+              <a:srgbClr val="00B050"/>
+            </a:solidFill>
+          </a:ln>
+        </p:spPr>
+        <p:style>
+          <a:lnRef idx="1">
+            <a:schemeClr val="accent1"/>
+          </a:lnRef>
+          <a:fillRef idx="0">
+            <a:schemeClr val="accent1"/>
+          </a:fillRef>
+          <a:effectRef idx="0">
+            <a:schemeClr val="accent1"/>
+          </a:effectRef>
+          <a:fontRef idx="minor">
+            <a:schemeClr val="tx1"/>
+          </a:fontRef>
+        </p:style>
+      </p:cxnSp>
+      <p:cxnSp>
+        <p:nvCxnSpPr>
+          <p:cNvPr id="5" name="직선 연결선 4"/>
+          <p:cNvCxnSpPr/>
+          <p:nvPr/>
+        </p:nvCxnSpPr>
+        <p:spPr>
+          <a:xfrm flipH="1">
+            <a:off x="522067" y="488731"/>
+            <a:ext cx="490" cy="1655379"/>
+          </a:xfrm>
+          <a:prstGeom prst="line">
+            <a:avLst/>
+          </a:prstGeom>
+          <a:ln w="28575">
+            <a:solidFill>
+              <a:srgbClr val="92D050"/>
+            </a:solidFill>
+          </a:ln>
+        </p:spPr>
+        <p:style>
+          <a:lnRef idx="1">
+            <a:schemeClr val="accent1"/>
+          </a:lnRef>
+          <a:fillRef idx="0">
+            <a:schemeClr val="accent1"/>
+          </a:fillRef>
+          <a:effectRef idx="0">
+            <a:schemeClr val="accent1"/>
+          </a:effectRef>
+          <a:fontRef idx="minor">
+            <a:schemeClr val="tx1"/>
+          </a:fontRef>
+        </p:style>
+      </p:cxnSp>
+      <p:pic>
+        <p:nvPicPr>
+          <p:cNvPr id="6" name="내용 개체 틀 5">
+            <a:extLst>
+              <a:ext uri="{FF2B5EF4-FFF2-40B4-BE49-F238E27FC236}">
+                <a16:creationId xmlns:a16="http://schemas.microsoft.com/office/drawing/2014/main" id="{C8881172-E3B4-4AC4-B6DF-19A165CDEAC4}"/>
+              </a:ext>
+            </a:extLst>
+          </p:cNvPr>
+          <p:cNvPicPr>
+            <a:picLocks noGrp="1" noChangeAspect="1"/>
+          </p:cNvPicPr>
+          <p:nvPr>
+            <p:ph idx="1"/>
+          </p:nvPr>
+        </p:nvPicPr>
+        <p:blipFill>
+          <a:blip r:embed="rId2"/>
+          <a:stretch>
+            <a:fillRect/>
+          </a:stretch>
+        </p:blipFill>
+        <p:spPr>
+          <a:xfrm>
+            <a:off x="839670" y="1943486"/>
+            <a:ext cx="10514130" cy="4549389"/>
+          </a:xfrm>
+          <a:prstGeom prst="rect">
+            <a:avLst/>
+          </a:prstGeom>
+          <a:ln w="38100" cap="sq">
+            <a:solidFill>
+              <a:srgbClr val="000000"/>
+            </a:solidFill>
+            <a:prstDash val="solid"/>
+            <a:miter lim="800000"/>
+          </a:ln>
+          <a:effectLst>
+            <a:outerShdw blurRad="50800" dist="38100" dir="2700000" algn="tl" rotWithShape="0">
+              <a:srgbClr val="000000">
+                <a:alpha val="43000"/>
+              </a:srgbClr>
+            </a:outerShdw>
+          </a:effectLst>
+        </p:spPr>
+      </p:pic>
+      <p:sp>
+        <p:nvSpPr>
+          <p:cNvPr id="7" name="TextBox 6">
+            <a:extLst>
+              <a:ext uri="{FF2B5EF4-FFF2-40B4-BE49-F238E27FC236}">
+                <a16:creationId xmlns:a16="http://schemas.microsoft.com/office/drawing/2014/main" id="{0D35758A-ED96-41F5-A200-C3B4E96F90AC}"/>
+              </a:ext>
+            </a:extLst>
+          </p:cNvPr>
+          <p:cNvSpPr txBox="1"/>
+          <p:nvPr/>
+        </p:nvSpPr>
+        <p:spPr>
+          <a:xfrm>
+            <a:off x="9991773" y="2144110"/>
+            <a:ext cx="1189749" cy="369332"/>
+          </a:xfrm>
+          <a:prstGeom prst="rect">
+            <a:avLst/>
+          </a:prstGeom>
+          <a:noFill/>
+        </p:spPr>
+        <p:txBody>
+          <a:bodyPr wrap="none" rtlCol="0">
+            <a:spAutoFit/>
+          </a:bodyPr>
+          <a:lstStyle/>
+          <a:p>
+            <a:r>
+              <a:rPr lang="ko-KR" altLang="en-US" dirty="0"/>
+              <a:t>뒤에 계속</a:t>
+            </a:r>
+          </a:p>
+        </p:txBody>
+      </p:sp>
+      <p:sp>
+        <p:nvSpPr>
+          <p:cNvPr id="8" name="사각형: 둥근 모서리 7">
+            <a:extLst>
+              <a:ext uri="{FF2B5EF4-FFF2-40B4-BE49-F238E27FC236}">
+                <a16:creationId xmlns:a16="http://schemas.microsoft.com/office/drawing/2014/main" id="{33108A68-9086-42AA-A5C2-336CF2EC6679}"/>
+              </a:ext>
+            </a:extLst>
+          </p:cNvPr>
+          <p:cNvSpPr/>
+          <p:nvPr/>
+        </p:nvSpPr>
+        <p:spPr>
+          <a:xfrm>
+            <a:off x="1497495" y="2260280"/>
+            <a:ext cx="1974575" cy="369332"/>
+          </a:xfrm>
+          <a:prstGeom prst="roundRect">
+            <a:avLst/>
+          </a:prstGeom>
+          <a:noFill/>
+          <a:ln>
+            <a:solidFill>
+              <a:srgbClr val="FF0000"/>
+            </a:solidFill>
+          </a:ln>
+        </p:spPr>
+        <p:style>
+          <a:lnRef idx="2">
+            <a:schemeClr val="accent1">
+              <a:shade val="50000"/>
+            </a:schemeClr>
+          </a:lnRef>
+          <a:fillRef idx="1">
+            <a:schemeClr val="accent1"/>
+          </a:fillRef>
+          <a:effectRef idx="0">
+            <a:schemeClr val="accent1"/>
+          </a:effectRef>
+          <a:fontRef idx="minor">
+            <a:schemeClr val="lt1"/>
+          </a:fontRef>
+        </p:style>
+        <p:txBody>
+          <a:bodyPr rtlCol="0" anchor="ctr"/>
+          <a:lstStyle/>
+          <a:p>
+            <a:pPr algn="ctr"/>
+            <a:endParaRPr lang="ko-KR" altLang="en-US" dirty="0"/>
+          </a:p>
+        </p:txBody>
+      </p:sp>
+      <p:sp>
+        <p:nvSpPr>
+          <p:cNvPr id="9" name="사각형: 둥근 모서리 8">
+            <a:extLst>
+              <a:ext uri="{FF2B5EF4-FFF2-40B4-BE49-F238E27FC236}">
+                <a16:creationId xmlns:a16="http://schemas.microsoft.com/office/drawing/2014/main" id="{E939DEF0-E89C-473F-ADDF-95234E6667CA}"/>
+              </a:ext>
+            </a:extLst>
+          </p:cNvPr>
+          <p:cNvSpPr/>
+          <p:nvPr/>
+        </p:nvSpPr>
+        <p:spPr>
+          <a:xfrm>
+            <a:off x="1497495" y="4572784"/>
+            <a:ext cx="1974575" cy="369332"/>
+          </a:xfrm>
+          <a:prstGeom prst="roundRect">
+            <a:avLst/>
+          </a:prstGeom>
+          <a:noFill/>
+          <a:ln>
+            <a:solidFill>
+              <a:srgbClr val="FF0000"/>
+            </a:solidFill>
+          </a:ln>
+        </p:spPr>
+        <p:style>
+          <a:lnRef idx="2">
+            <a:schemeClr val="accent1">
+              <a:shade val="50000"/>
+            </a:schemeClr>
+          </a:lnRef>
+          <a:fillRef idx="1">
+            <a:schemeClr val="accent1"/>
+          </a:fillRef>
+          <a:effectRef idx="0">
+            <a:schemeClr val="accent1"/>
+          </a:effectRef>
+          <a:fontRef idx="minor">
+            <a:schemeClr val="lt1"/>
+          </a:fontRef>
+        </p:style>
+        <p:txBody>
+          <a:bodyPr rtlCol="0" anchor="ctr"/>
+          <a:lstStyle/>
+          <a:p>
+            <a:pPr algn="ctr"/>
+            <a:endParaRPr lang="ko-KR" altLang="en-US" dirty="0"/>
+          </a:p>
+        </p:txBody>
+      </p:sp>
+      <p:sp>
+        <p:nvSpPr>
+          <p:cNvPr id="10" name="사각형: 둥근 모서리 9">
+            <a:extLst>
+              <a:ext uri="{FF2B5EF4-FFF2-40B4-BE49-F238E27FC236}">
+                <a16:creationId xmlns:a16="http://schemas.microsoft.com/office/drawing/2014/main" id="{997514BC-EABB-4A8F-8D99-863FE44749BC}"/>
+              </a:ext>
+            </a:extLst>
+          </p:cNvPr>
+          <p:cNvSpPr/>
+          <p:nvPr/>
+        </p:nvSpPr>
+        <p:spPr>
+          <a:xfrm>
+            <a:off x="1444487" y="5163497"/>
+            <a:ext cx="9854835" cy="1144538"/>
+          </a:xfrm>
+          <a:prstGeom prst="roundRect">
+            <a:avLst/>
+          </a:prstGeom>
+          <a:noFill/>
+          <a:ln>
+            <a:solidFill>
+              <a:srgbClr val="FF0000"/>
+            </a:solidFill>
+          </a:ln>
+        </p:spPr>
+        <p:style>
+          <a:lnRef idx="2">
+            <a:schemeClr val="accent1">
+              <a:shade val="50000"/>
+            </a:schemeClr>
+          </a:lnRef>
+          <a:fillRef idx="1">
+            <a:schemeClr val="accent1"/>
+          </a:fillRef>
+          <a:effectRef idx="0">
+            <a:schemeClr val="accent1"/>
+          </a:effectRef>
+          <a:fontRef idx="minor">
+            <a:schemeClr val="lt1"/>
+          </a:fontRef>
+        </p:style>
+        <p:txBody>
+          <a:bodyPr rtlCol="0" anchor="ctr"/>
+          <a:lstStyle/>
+          <a:p>
+            <a:pPr algn="ctr"/>
+            <a:endParaRPr lang="ko-KR" altLang="en-US" dirty="0"/>
+          </a:p>
+        </p:txBody>
+      </p:sp>
+    </p:spTree>
+    <p:extLst>
+      <p:ext uri="{BB962C8B-B14F-4D97-AF65-F5344CB8AC3E}">
+        <p14:creationId xmlns:p14="http://schemas.microsoft.com/office/powerpoint/2010/main" val="2672170968"/>
+      </p:ext>
+    </p:extLst>
+  </p:cSld>
+  <p:clrMapOvr>
+    <a:masterClrMapping/>
+  </p:clrMapOvr>
+</p:sld>
+</file>
+
+<file path=ppt/slides/slide32.xml><?xml version="1.0" encoding="utf-8"?>
+<p:sld xmlns:a="http://schemas.openxmlformats.org/drawingml/2006/main" xmlns:r="http://schemas.openxmlformats.org/officeDocument/2006/relationships" xmlns:p="http://schemas.openxmlformats.org/presentationml/2006/main">
+  <p:cSld>
+    <p:spTree>
+      <p:nvGrpSpPr>
+        <p:cNvPr id="1" name=""/>
+        <p:cNvGrpSpPr/>
+        <p:nvPr/>
+      </p:nvGrpSpPr>
+      <p:grpSpPr>
+        <a:xfrm>
+          <a:off x="0" y="0"/>
+          <a:ext cx="0" cy="0"/>
+          <a:chOff x="0" y="0"/>
+          <a:chExt cx="0" cy="0"/>
+        </a:xfrm>
+      </p:grpSpPr>
+      <p:sp>
+        <p:nvSpPr>
+          <p:cNvPr id="2" name="제목 1"/>
+          <p:cNvSpPr>
+            <a:spLocks noGrp="1"/>
+          </p:cNvSpPr>
+          <p:nvPr>
+            <p:ph type="title"/>
+          </p:nvPr>
+        </p:nvSpPr>
+        <p:spPr/>
+        <p:txBody>
+          <a:bodyPr/>
+          <a:lstStyle/>
+          <a:p>
+            <a:r>
+              <a:rPr lang="en-US" altLang="ko-KR" dirty="0"/>
+              <a:t>6. </a:t>
+            </a:r>
+            <a:r>
+              <a:rPr lang="ko-KR" altLang="en-US" dirty="0"/>
+              <a:t>뱀 길이 늘리기</a:t>
+            </a:r>
+          </a:p>
+        </p:txBody>
+      </p:sp>
+      <p:cxnSp>
+        <p:nvCxnSpPr>
+          <p:cNvPr id="4" name="직선 연결선 3"/>
+          <p:cNvCxnSpPr/>
+          <p:nvPr/>
+        </p:nvCxnSpPr>
+        <p:spPr>
+          <a:xfrm>
+            <a:off x="220718" y="1690688"/>
+            <a:ext cx="11429999" cy="0"/>
+          </a:xfrm>
+          <a:prstGeom prst="line">
+            <a:avLst/>
+          </a:prstGeom>
+          <a:ln w="57150">
+            <a:solidFill>
+              <a:srgbClr val="00B050"/>
+            </a:solidFill>
+          </a:ln>
+        </p:spPr>
+        <p:style>
+          <a:lnRef idx="1">
+            <a:schemeClr val="accent1"/>
+          </a:lnRef>
+          <a:fillRef idx="0">
+            <a:schemeClr val="accent1"/>
+          </a:fillRef>
+          <a:effectRef idx="0">
+            <a:schemeClr val="accent1"/>
+          </a:effectRef>
+          <a:fontRef idx="minor">
+            <a:schemeClr val="tx1"/>
+          </a:fontRef>
+        </p:style>
+      </p:cxnSp>
+      <p:cxnSp>
+        <p:nvCxnSpPr>
+          <p:cNvPr id="5" name="직선 연결선 4"/>
+          <p:cNvCxnSpPr/>
+          <p:nvPr/>
+        </p:nvCxnSpPr>
+        <p:spPr>
+          <a:xfrm flipH="1">
+            <a:off x="522067" y="488731"/>
+            <a:ext cx="490" cy="1655379"/>
+          </a:xfrm>
+          <a:prstGeom prst="line">
+            <a:avLst/>
+          </a:prstGeom>
+          <a:ln w="28575">
+            <a:solidFill>
+              <a:srgbClr val="92D050"/>
+            </a:solidFill>
+          </a:ln>
+        </p:spPr>
+        <p:style>
+          <a:lnRef idx="1">
+            <a:schemeClr val="accent1"/>
+          </a:lnRef>
+          <a:fillRef idx="0">
+            <a:schemeClr val="accent1"/>
+          </a:fillRef>
+          <a:effectRef idx="0">
+            <a:schemeClr val="accent1"/>
+          </a:effectRef>
+          <a:fontRef idx="minor">
+            <a:schemeClr val="tx1"/>
+          </a:fontRef>
+        </p:style>
+      </p:cxnSp>
+      <p:pic>
+        <p:nvPicPr>
+          <p:cNvPr id="6" name="내용 개체 틀 5">
+            <a:extLst>
+              <a:ext uri="{FF2B5EF4-FFF2-40B4-BE49-F238E27FC236}">
+                <a16:creationId xmlns:a16="http://schemas.microsoft.com/office/drawing/2014/main" id="{700E4E55-86BB-420C-9CAA-02B9560DA772}"/>
+              </a:ext>
+            </a:extLst>
+          </p:cNvPr>
+          <p:cNvPicPr>
+            <a:picLocks noGrp="1" noChangeAspect="1"/>
+          </p:cNvPicPr>
+          <p:nvPr>
+            <p:ph idx="1"/>
+          </p:nvPr>
+        </p:nvPicPr>
+        <p:blipFill>
+          <a:blip r:embed="rId2"/>
+          <a:stretch>
+            <a:fillRect/>
+          </a:stretch>
+        </p:blipFill>
+        <p:spPr>
+          <a:xfrm>
+            <a:off x="929785" y="1834356"/>
+            <a:ext cx="10011864" cy="4831487"/>
+          </a:xfrm>
+          <a:prstGeom prst="rect">
+            <a:avLst/>
+          </a:prstGeom>
+          <a:ln w="38100" cap="sq">
+            <a:solidFill>
+              <a:srgbClr val="000000"/>
+            </a:solidFill>
+            <a:prstDash val="solid"/>
+            <a:miter lim="800000"/>
+          </a:ln>
+          <a:effectLst>
+            <a:outerShdw blurRad="50800" dist="38100" dir="2700000" algn="tl" rotWithShape="0">
+              <a:srgbClr val="000000">
+                <a:alpha val="43000"/>
+              </a:srgbClr>
+            </a:outerShdw>
+          </a:effectLst>
+        </p:spPr>
+      </p:pic>
+      <p:sp>
+        <p:nvSpPr>
+          <p:cNvPr id="7" name="TextBox 6">
+            <a:extLst>
+              <a:ext uri="{FF2B5EF4-FFF2-40B4-BE49-F238E27FC236}">
+                <a16:creationId xmlns:a16="http://schemas.microsoft.com/office/drawing/2014/main" id="{10972114-0B24-4F8C-BE66-709E4C4E8C75}"/>
+              </a:ext>
+            </a:extLst>
+          </p:cNvPr>
+          <p:cNvSpPr txBox="1"/>
+          <p:nvPr/>
+        </p:nvSpPr>
+        <p:spPr>
+          <a:xfrm>
+            <a:off x="9501442" y="6123543"/>
+            <a:ext cx="1189749" cy="369332"/>
+          </a:xfrm>
+          <a:prstGeom prst="rect">
+            <a:avLst/>
+          </a:prstGeom>
+          <a:noFill/>
+        </p:spPr>
+        <p:txBody>
+          <a:bodyPr wrap="none" rtlCol="0">
+            <a:spAutoFit/>
+          </a:bodyPr>
+          <a:lstStyle/>
+          <a:p>
+            <a:r>
+              <a:rPr lang="ko-KR" altLang="en-US" dirty="0"/>
+              <a:t>뒤에 계속</a:t>
+            </a:r>
+          </a:p>
+        </p:txBody>
+      </p:sp>
+      <p:sp>
+        <p:nvSpPr>
+          <p:cNvPr id="8" name="사각형: 둥근 모서리 7">
+            <a:extLst>
+              <a:ext uri="{FF2B5EF4-FFF2-40B4-BE49-F238E27FC236}">
+                <a16:creationId xmlns:a16="http://schemas.microsoft.com/office/drawing/2014/main" id="{C6505932-9AB4-425C-9E74-8FF0506418ED}"/>
+              </a:ext>
+            </a:extLst>
+          </p:cNvPr>
+          <p:cNvSpPr/>
+          <p:nvPr/>
+        </p:nvSpPr>
+        <p:spPr>
+          <a:xfrm>
+            <a:off x="2557669" y="4374001"/>
+            <a:ext cx="3538331" cy="1165407"/>
+          </a:xfrm>
+          <a:prstGeom prst="roundRect">
+            <a:avLst/>
+          </a:prstGeom>
+          <a:noFill/>
+          <a:ln>
+            <a:solidFill>
+              <a:srgbClr val="FF0000"/>
+            </a:solidFill>
+          </a:ln>
+        </p:spPr>
+        <p:style>
+          <a:lnRef idx="2">
+            <a:schemeClr val="accent1">
+              <a:shade val="50000"/>
+            </a:schemeClr>
+          </a:lnRef>
+          <a:fillRef idx="1">
+            <a:schemeClr val="accent1"/>
+          </a:fillRef>
+          <a:effectRef idx="0">
+            <a:schemeClr val="accent1"/>
+          </a:effectRef>
+          <a:fontRef idx="minor">
+            <a:schemeClr val="lt1"/>
+          </a:fontRef>
+        </p:style>
+        <p:txBody>
+          <a:bodyPr rtlCol="0" anchor="ctr"/>
+          <a:lstStyle/>
+          <a:p>
+            <a:pPr algn="ctr"/>
+            <a:endParaRPr lang="ko-KR" altLang="en-US" dirty="0"/>
+          </a:p>
+        </p:txBody>
+      </p:sp>
+    </p:spTree>
+    <p:extLst>
+      <p:ext uri="{BB962C8B-B14F-4D97-AF65-F5344CB8AC3E}">
+        <p14:creationId xmlns:p14="http://schemas.microsoft.com/office/powerpoint/2010/main" val="3072106838"/>
+      </p:ext>
+    </p:extLst>
+  </p:cSld>
+  <p:clrMapOvr>
+    <a:masterClrMapping/>
+  </p:clrMapOvr>
+</p:sld>
+</file>
+
+<file path=ppt/slides/slide33.xml><?xml version="1.0" encoding="utf-8"?>
+<p:sld xmlns:a="http://schemas.openxmlformats.org/drawingml/2006/main" xmlns:r="http://schemas.openxmlformats.org/officeDocument/2006/relationships" xmlns:p="http://schemas.openxmlformats.org/presentationml/2006/main">
+  <p:cSld>
+    <p:spTree>
+      <p:nvGrpSpPr>
+        <p:cNvPr id="1" name=""/>
+        <p:cNvGrpSpPr/>
+        <p:nvPr/>
+      </p:nvGrpSpPr>
+      <p:grpSpPr>
+        <a:xfrm>
+          <a:off x="0" y="0"/>
+          <a:ext cx="0" cy="0"/>
+          <a:chOff x="0" y="0"/>
+          <a:chExt cx="0" cy="0"/>
+        </a:xfrm>
+      </p:grpSpPr>
+      <p:sp>
+        <p:nvSpPr>
+          <p:cNvPr id="2" name="제목 1"/>
+          <p:cNvSpPr>
+            <a:spLocks noGrp="1"/>
+          </p:cNvSpPr>
+          <p:nvPr>
+            <p:ph type="title"/>
+          </p:nvPr>
+        </p:nvSpPr>
+        <p:spPr/>
+        <p:txBody>
+          <a:bodyPr/>
+          <a:lstStyle/>
+          <a:p>
+            <a:r>
+              <a:rPr lang="en-US" altLang="ko-KR" dirty="0"/>
+              <a:t>6. </a:t>
+            </a:r>
+            <a:r>
+              <a:rPr lang="ko-KR" altLang="en-US" dirty="0"/>
+              <a:t>뱀 길이 늘리기</a:t>
+            </a:r>
+          </a:p>
+        </p:txBody>
+      </p:sp>
+      <p:cxnSp>
+        <p:nvCxnSpPr>
+          <p:cNvPr id="4" name="직선 연결선 3"/>
+          <p:cNvCxnSpPr/>
+          <p:nvPr/>
+        </p:nvCxnSpPr>
+        <p:spPr>
+          <a:xfrm>
+            <a:off x="220718" y="1690688"/>
+            <a:ext cx="11429999" cy="0"/>
+          </a:xfrm>
+          <a:prstGeom prst="line">
+            <a:avLst/>
+          </a:prstGeom>
+          <a:ln w="57150">
+            <a:solidFill>
+              <a:srgbClr val="00B050"/>
+            </a:solidFill>
+          </a:ln>
+        </p:spPr>
+        <p:style>
+          <a:lnRef idx="1">
+            <a:schemeClr val="accent1"/>
+          </a:lnRef>
+          <a:fillRef idx="0">
+            <a:schemeClr val="accent1"/>
+          </a:fillRef>
+          <a:effectRef idx="0">
+            <a:schemeClr val="accent1"/>
+          </a:effectRef>
+          <a:fontRef idx="minor">
+            <a:schemeClr val="tx1"/>
+          </a:fontRef>
+        </p:style>
+      </p:cxnSp>
+      <p:cxnSp>
+        <p:nvCxnSpPr>
+          <p:cNvPr id="5" name="직선 연결선 4"/>
+          <p:cNvCxnSpPr/>
+          <p:nvPr/>
+        </p:nvCxnSpPr>
+        <p:spPr>
+          <a:xfrm flipH="1">
+            <a:off x="522067" y="488731"/>
+            <a:ext cx="490" cy="1655379"/>
+          </a:xfrm>
+          <a:prstGeom prst="line">
+            <a:avLst/>
+          </a:prstGeom>
+          <a:ln w="28575">
+            <a:solidFill>
+              <a:srgbClr val="92D050"/>
+            </a:solidFill>
+          </a:ln>
+        </p:spPr>
+        <p:style>
+          <a:lnRef idx="1">
+            <a:schemeClr val="accent1"/>
+          </a:lnRef>
+          <a:fillRef idx="0">
+            <a:schemeClr val="accent1"/>
+          </a:fillRef>
+          <a:effectRef idx="0">
+            <a:schemeClr val="accent1"/>
+          </a:effectRef>
+          <a:fontRef idx="minor">
+            <a:schemeClr val="tx1"/>
+          </a:fontRef>
+        </p:style>
+      </p:cxnSp>
+      <p:pic>
+        <p:nvPicPr>
+          <p:cNvPr id="6" name="내용 개체 틀 5">
+            <a:extLst>
+              <a:ext uri="{FF2B5EF4-FFF2-40B4-BE49-F238E27FC236}">
+                <a16:creationId xmlns:a16="http://schemas.microsoft.com/office/drawing/2014/main" id="{F7662E48-D0C7-439B-B51E-1AB02C0DFE97}"/>
+              </a:ext>
+            </a:extLst>
+          </p:cNvPr>
+          <p:cNvPicPr>
+            <a:picLocks noGrp="1" noChangeAspect="1"/>
+          </p:cNvPicPr>
+          <p:nvPr>
+            <p:ph idx="1"/>
+          </p:nvPr>
+        </p:nvPicPr>
+        <p:blipFill>
+          <a:blip r:embed="rId2"/>
+          <a:stretch>
+            <a:fillRect/>
+          </a:stretch>
+        </p:blipFill>
+        <p:spPr>
+          <a:xfrm>
+            <a:off x="2166854" y="1825623"/>
+            <a:ext cx="7537726" cy="4800464"/>
+          </a:xfrm>
+          <a:prstGeom prst="rect">
+            <a:avLst/>
+          </a:prstGeom>
+          <a:ln w="38100" cap="sq">
+            <a:solidFill>
+              <a:srgbClr val="000000"/>
+            </a:solidFill>
+            <a:prstDash val="solid"/>
+            <a:miter lim="800000"/>
+          </a:ln>
+          <a:effectLst>
+            <a:outerShdw blurRad="50800" dist="38100" dir="2700000" algn="tl" rotWithShape="0">
+              <a:srgbClr val="000000">
+                <a:alpha val="43000"/>
+              </a:srgbClr>
+            </a:outerShdw>
+          </a:effectLst>
+        </p:spPr>
+      </p:pic>
+      <p:sp>
+        <p:nvSpPr>
+          <p:cNvPr id="7" name="TextBox 6">
+            <a:extLst>
+              <a:ext uri="{FF2B5EF4-FFF2-40B4-BE49-F238E27FC236}">
+                <a16:creationId xmlns:a16="http://schemas.microsoft.com/office/drawing/2014/main" id="{6B85DF88-CC89-494A-BF0A-BB1D7B347A15}"/>
+              </a:ext>
+            </a:extLst>
+          </p:cNvPr>
+          <p:cNvSpPr txBox="1"/>
+          <p:nvPr/>
+        </p:nvSpPr>
+        <p:spPr>
+          <a:xfrm>
+            <a:off x="10025146" y="6123543"/>
+            <a:ext cx="1189749" cy="369332"/>
+          </a:xfrm>
+          <a:prstGeom prst="rect">
+            <a:avLst/>
+          </a:prstGeom>
+          <a:noFill/>
+        </p:spPr>
+        <p:txBody>
+          <a:bodyPr wrap="none" rtlCol="0">
+            <a:spAutoFit/>
+          </a:bodyPr>
+          <a:lstStyle/>
+          <a:p>
+            <a:r>
+              <a:rPr lang="ko-KR" altLang="en-US" dirty="0"/>
+              <a:t>뒤에 계속</a:t>
+            </a:r>
+          </a:p>
+        </p:txBody>
+      </p:sp>
+    </p:spTree>
+    <p:extLst>
+      <p:ext uri="{BB962C8B-B14F-4D97-AF65-F5344CB8AC3E}">
+        <p14:creationId xmlns:p14="http://schemas.microsoft.com/office/powerpoint/2010/main" val="2090081345"/>
+      </p:ext>
+    </p:extLst>
+  </p:cSld>
+  <p:clrMapOvr>
+    <a:masterClrMapping/>
+  </p:clrMapOvr>
+</p:sld>
+</file>
+
+<file path=ppt/slides/slide34.xml><?xml version="1.0" encoding="utf-8"?>
+<p:sld xmlns:a="http://schemas.openxmlformats.org/drawingml/2006/main" xmlns:r="http://schemas.openxmlformats.org/officeDocument/2006/relationships" xmlns:p="http://schemas.openxmlformats.org/presentationml/2006/main">
+  <p:cSld>
+    <p:spTree>
+      <p:nvGrpSpPr>
+        <p:cNvPr id="1" name=""/>
+        <p:cNvGrpSpPr/>
+        <p:nvPr/>
+      </p:nvGrpSpPr>
+      <p:grpSpPr>
+        <a:xfrm>
+          <a:off x="0" y="0"/>
+          <a:ext cx="0" cy="0"/>
+          <a:chOff x="0" y="0"/>
+          <a:chExt cx="0" cy="0"/>
+        </a:xfrm>
+      </p:grpSpPr>
+      <p:sp>
+        <p:nvSpPr>
+          <p:cNvPr id="2" name="제목 1"/>
+          <p:cNvSpPr>
+            <a:spLocks noGrp="1"/>
+          </p:cNvSpPr>
+          <p:nvPr>
+            <p:ph type="title"/>
+          </p:nvPr>
+        </p:nvSpPr>
+        <p:spPr/>
+        <p:txBody>
+          <a:bodyPr/>
+          <a:lstStyle/>
+          <a:p>
+            <a:r>
+              <a:rPr lang="en-US" altLang="ko-KR" dirty="0"/>
+              <a:t>6. </a:t>
+            </a:r>
+            <a:r>
+              <a:rPr lang="ko-KR" altLang="en-US" dirty="0"/>
+              <a:t>뱀 길이 늘리기</a:t>
+            </a:r>
+          </a:p>
+        </p:txBody>
+      </p:sp>
+      <p:cxnSp>
+        <p:nvCxnSpPr>
+          <p:cNvPr id="4" name="직선 연결선 3"/>
+          <p:cNvCxnSpPr/>
+          <p:nvPr/>
+        </p:nvCxnSpPr>
+        <p:spPr>
+          <a:xfrm>
+            <a:off x="220718" y="1690688"/>
+            <a:ext cx="11429999" cy="0"/>
+          </a:xfrm>
+          <a:prstGeom prst="line">
+            <a:avLst/>
+          </a:prstGeom>
+          <a:ln w="57150">
+            <a:solidFill>
+              <a:srgbClr val="00B050"/>
+            </a:solidFill>
+          </a:ln>
+        </p:spPr>
+        <p:style>
+          <a:lnRef idx="1">
+            <a:schemeClr val="accent1"/>
+          </a:lnRef>
+          <a:fillRef idx="0">
+            <a:schemeClr val="accent1"/>
+          </a:fillRef>
+          <a:effectRef idx="0">
+            <a:schemeClr val="accent1"/>
+          </a:effectRef>
+          <a:fontRef idx="minor">
+            <a:schemeClr val="tx1"/>
+          </a:fontRef>
+        </p:style>
+      </p:cxnSp>
+      <p:cxnSp>
+        <p:nvCxnSpPr>
+          <p:cNvPr id="5" name="직선 연결선 4"/>
+          <p:cNvCxnSpPr/>
+          <p:nvPr/>
+        </p:nvCxnSpPr>
+        <p:spPr>
+          <a:xfrm flipH="1">
+            <a:off x="522067" y="488731"/>
+            <a:ext cx="490" cy="1655379"/>
+          </a:xfrm>
+          <a:prstGeom prst="line">
+            <a:avLst/>
+          </a:prstGeom>
+          <a:ln w="28575">
+            <a:solidFill>
+              <a:srgbClr val="92D050"/>
+            </a:solidFill>
+          </a:ln>
+        </p:spPr>
+        <p:style>
+          <a:lnRef idx="1">
+            <a:schemeClr val="accent1"/>
+          </a:lnRef>
+          <a:fillRef idx="0">
+            <a:schemeClr val="accent1"/>
+          </a:fillRef>
+          <a:effectRef idx="0">
+            <a:schemeClr val="accent1"/>
+          </a:effectRef>
+          <a:fontRef idx="minor">
+            <a:schemeClr val="tx1"/>
+          </a:fontRef>
+        </p:style>
+      </p:cxnSp>
+      <p:pic>
+        <p:nvPicPr>
+          <p:cNvPr id="6" name="내용 개체 틀 5">
+            <a:extLst>
+              <a:ext uri="{FF2B5EF4-FFF2-40B4-BE49-F238E27FC236}">
+                <a16:creationId xmlns:a16="http://schemas.microsoft.com/office/drawing/2014/main" id="{B335CD21-D8CD-4278-9C51-5F2461F0D6D2}"/>
+              </a:ext>
+            </a:extLst>
+          </p:cNvPr>
+          <p:cNvPicPr>
+            <a:picLocks noGrp="1" noChangeAspect="1"/>
+          </p:cNvPicPr>
+          <p:nvPr>
+            <p:ph idx="1"/>
+          </p:nvPr>
+        </p:nvPicPr>
+        <p:blipFill>
+          <a:blip r:embed="rId2"/>
+          <a:stretch>
+            <a:fillRect/>
+          </a:stretch>
+        </p:blipFill>
+        <p:spPr>
+          <a:xfrm>
+            <a:off x="866851" y="2026275"/>
+            <a:ext cx="10458298" cy="4466600"/>
+          </a:xfrm>
+          <a:prstGeom prst="rect">
+            <a:avLst/>
+          </a:prstGeom>
+          <a:ln w="38100" cap="sq">
+            <a:solidFill>
+              <a:srgbClr val="000000"/>
+            </a:solidFill>
+            <a:prstDash val="solid"/>
+            <a:miter lim="800000"/>
+          </a:ln>
+          <a:effectLst>
+            <a:outerShdw blurRad="50800" dist="38100" dir="2700000" algn="tl" rotWithShape="0">
+              <a:srgbClr val="000000">
+                <a:alpha val="43000"/>
+              </a:srgbClr>
+            </a:outerShdw>
+          </a:effectLst>
+        </p:spPr>
+      </p:pic>
+      <p:sp>
+        <p:nvSpPr>
+          <p:cNvPr id="7" name="사각형: 둥근 모서리 6">
+            <a:extLst>
+              <a:ext uri="{FF2B5EF4-FFF2-40B4-BE49-F238E27FC236}">
+                <a16:creationId xmlns:a16="http://schemas.microsoft.com/office/drawing/2014/main" id="{7BD4DFEC-EFD3-41BD-AFB1-42F89598DD6A}"/>
+              </a:ext>
+            </a:extLst>
+          </p:cNvPr>
+          <p:cNvSpPr/>
+          <p:nvPr/>
+        </p:nvSpPr>
+        <p:spPr>
+          <a:xfrm>
+            <a:off x="1908312" y="3830661"/>
+            <a:ext cx="3710610" cy="2662213"/>
+          </a:xfrm>
+          <a:prstGeom prst="roundRect">
+            <a:avLst/>
+          </a:prstGeom>
+          <a:noFill/>
+          <a:ln>
+            <a:solidFill>
+              <a:srgbClr val="FF0000"/>
+            </a:solidFill>
+          </a:ln>
+        </p:spPr>
+        <p:style>
+          <a:lnRef idx="2">
+            <a:schemeClr val="accent1">
+              <a:shade val="50000"/>
+            </a:schemeClr>
+          </a:lnRef>
+          <a:fillRef idx="1">
+            <a:schemeClr val="accent1"/>
+          </a:fillRef>
+          <a:effectRef idx="0">
+            <a:schemeClr val="accent1"/>
+          </a:effectRef>
+          <a:fontRef idx="minor">
+            <a:schemeClr val="lt1"/>
+          </a:fontRef>
+        </p:style>
+        <p:txBody>
+          <a:bodyPr rtlCol="0" anchor="ctr"/>
+          <a:lstStyle/>
+          <a:p>
+            <a:pPr algn="ctr"/>
+            <a:endParaRPr lang="ko-KR" altLang="en-US" dirty="0"/>
+          </a:p>
+        </p:txBody>
+      </p:sp>
+      <p:sp>
+        <p:nvSpPr>
+          <p:cNvPr id="8" name="TextBox 7">
+            <a:extLst>
+              <a:ext uri="{FF2B5EF4-FFF2-40B4-BE49-F238E27FC236}">
+                <a16:creationId xmlns:a16="http://schemas.microsoft.com/office/drawing/2014/main" id="{A4E67F0C-E222-44EF-811D-00C4F0F67A0F}"/>
+              </a:ext>
+            </a:extLst>
+          </p:cNvPr>
+          <p:cNvSpPr txBox="1"/>
+          <p:nvPr/>
+        </p:nvSpPr>
+        <p:spPr>
+          <a:xfrm>
+            <a:off x="9945632" y="5951265"/>
+            <a:ext cx="1189749" cy="369332"/>
+          </a:xfrm>
+          <a:prstGeom prst="rect">
+            <a:avLst/>
+          </a:prstGeom>
+          <a:noFill/>
+        </p:spPr>
+        <p:txBody>
+          <a:bodyPr wrap="none" rtlCol="0">
+            <a:spAutoFit/>
+          </a:bodyPr>
+          <a:lstStyle/>
+          <a:p>
+            <a:r>
+              <a:rPr lang="ko-KR" altLang="en-US" dirty="0"/>
+              <a:t>뒤에 계속</a:t>
+            </a:r>
+          </a:p>
+        </p:txBody>
+      </p:sp>
+    </p:spTree>
+    <p:extLst>
+      <p:ext uri="{BB962C8B-B14F-4D97-AF65-F5344CB8AC3E}">
+        <p14:creationId xmlns:p14="http://schemas.microsoft.com/office/powerpoint/2010/main" val="638173028"/>
+      </p:ext>
+    </p:extLst>
+  </p:cSld>
+  <p:clrMapOvr>
+    <a:masterClrMapping/>
+  </p:clrMapOvr>
+</p:sld>
+</file>
+
+<file path=ppt/slides/slide35.xml><?xml version="1.0" encoding="utf-8"?>
+<p:sld xmlns:a="http://schemas.openxmlformats.org/drawingml/2006/main" xmlns:r="http://schemas.openxmlformats.org/officeDocument/2006/relationships" xmlns:p="http://schemas.openxmlformats.org/presentationml/2006/main">
+  <p:cSld>
+    <p:spTree>
+      <p:nvGrpSpPr>
+        <p:cNvPr id="1" name=""/>
+        <p:cNvGrpSpPr/>
+        <p:nvPr/>
+      </p:nvGrpSpPr>
+      <p:grpSpPr>
+        <a:xfrm>
+          <a:off x="0" y="0"/>
+          <a:ext cx="0" cy="0"/>
+          <a:chOff x="0" y="0"/>
+          <a:chExt cx="0" cy="0"/>
+        </a:xfrm>
+      </p:grpSpPr>
+      <p:sp>
+        <p:nvSpPr>
+          <p:cNvPr id="2" name="제목 1"/>
+          <p:cNvSpPr>
+            <a:spLocks noGrp="1"/>
+          </p:cNvSpPr>
+          <p:nvPr>
+            <p:ph type="title"/>
+          </p:nvPr>
+        </p:nvSpPr>
+        <p:spPr/>
+        <p:txBody>
+          <a:bodyPr/>
+          <a:lstStyle/>
+          <a:p>
+            <a:r>
+              <a:rPr lang="en-US" altLang="ko-KR" dirty="0"/>
+              <a:t>6. </a:t>
+            </a:r>
+            <a:r>
+              <a:rPr lang="ko-KR" altLang="en-US" dirty="0"/>
+              <a:t>뱀 길이 늘리기</a:t>
+            </a:r>
+          </a:p>
+        </p:txBody>
+      </p:sp>
+      <p:cxnSp>
+        <p:nvCxnSpPr>
+          <p:cNvPr id="4" name="직선 연결선 3"/>
+          <p:cNvCxnSpPr/>
+          <p:nvPr/>
+        </p:nvCxnSpPr>
+        <p:spPr>
+          <a:xfrm>
+            <a:off x="220718" y="1690688"/>
+            <a:ext cx="11429999" cy="0"/>
+          </a:xfrm>
+          <a:prstGeom prst="line">
+            <a:avLst/>
+          </a:prstGeom>
+          <a:ln w="57150">
+            <a:solidFill>
+              <a:srgbClr val="00B050"/>
+            </a:solidFill>
+          </a:ln>
+        </p:spPr>
+        <p:style>
+          <a:lnRef idx="1">
+            <a:schemeClr val="accent1"/>
+          </a:lnRef>
+          <a:fillRef idx="0">
+            <a:schemeClr val="accent1"/>
+          </a:fillRef>
+          <a:effectRef idx="0">
+            <a:schemeClr val="accent1"/>
+          </a:effectRef>
+          <a:fontRef idx="minor">
+            <a:schemeClr val="tx1"/>
+          </a:fontRef>
+        </p:style>
+      </p:cxnSp>
+      <p:cxnSp>
+        <p:nvCxnSpPr>
+          <p:cNvPr id="5" name="직선 연결선 4"/>
+          <p:cNvCxnSpPr/>
+          <p:nvPr/>
+        </p:nvCxnSpPr>
+        <p:spPr>
+          <a:xfrm flipH="1">
+            <a:off x="522067" y="488731"/>
+            <a:ext cx="490" cy="1655379"/>
+          </a:xfrm>
+          <a:prstGeom prst="line">
+            <a:avLst/>
+          </a:prstGeom>
+          <a:ln w="28575">
+            <a:solidFill>
+              <a:srgbClr val="92D050"/>
+            </a:solidFill>
+          </a:ln>
+        </p:spPr>
+        <p:style>
+          <a:lnRef idx="1">
+            <a:schemeClr val="accent1"/>
+          </a:lnRef>
+          <a:fillRef idx="0">
+            <a:schemeClr val="accent1"/>
+          </a:fillRef>
+          <a:effectRef idx="0">
+            <a:schemeClr val="accent1"/>
+          </a:effectRef>
+          <a:fontRef idx="minor">
+            <a:schemeClr val="tx1"/>
+          </a:fontRef>
+        </p:style>
+      </p:cxnSp>
+      <p:pic>
+        <p:nvPicPr>
+          <p:cNvPr id="6" name="내용 개체 틀 5">
+            <a:extLst>
+              <a:ext uri="{FF2B5EF4-FFF2-40B4-BE49-F238E27FC236}">
+                <a16:creationId xmlns:a16="http://schemas.microsoft.com/office/drawing/2014/main" id="{A662FCC0-AD25-4068-BD36-6D7B27453BB9}"/>
+              </a:ext>
+            </a:extLst>
+          </p:cNvPr>
+          <p:cNvPicPr>
+            <a:picLocks noGrp="1" noChangeAspect="1"/>
+          </p:cNvPicPr>
+          <p:nvPr>
+            <p:ph idx="1"/>
+          </p:nvPr>
+        </p:nvPicPr>
+        <p:blipFill>
+          <a:blip r:embed="rId2"/>
+          <a:stretch>
+            <a:fillRect/>
+          </a:stretch>
+        </p:blipFill>
+        <p:spPr>
+          <a:xfrm>
+            <a:off x="890314" y="1914906"/>
+            <a:ext cx="10411371" cy="4577969"/>
+          </a:xfrm>
+          <a:prstGeom prst="rect">
+            <a:avLst/>
+          </a:prstGeom>
+          <a:ln w="38100" cap="sq">
+            <a:solidFill>
+              <a:srgbClr val="000000"/>
+            </a:solidFill>
+            <a:prstDash val="solid"/>
+            <a:miter lim="800000"/>
+          </a:ln>
+          <a:effectLst>
+            <a:outerShdw blurRad="50800" dist="38100" dir="2700000" algn="tl" rotWithShape="0">
+              <a:srgbClr val="000000">
+                <a:alpha val="43000"/>
+              </a:srgbClr>
+            </a:outerShdw>
+          </a:effectLst>
+        </p:spPr>
+      </p:pic>
+      <p:sp>
+        <p:nvSpPr>
+          <p:cNvPr id="7" name="사각형: 둥근 모서리 6">
+            <a:extLst>
+              <a:ext uri="{FF2B5EF4-FFF2-40B4-BE49-F238E27FC236}">
+                <a16:creationId xmlns:a16="http://schemas.microsoft.com/office/drawing/2014/main" id="{65860F10-95F2-4073-9714-9265D6B5E5A9}"/>
+              </a:ext>
+            </a:extLst>
+          </p:cNvPr>
+          <p:cNvSpPr/>
+          <p:nvPr/>
+        </p:nvSpPr>
+        <p:spPr>
+          <a:xfrm>
+            <a:off x="2225107" y="4334244"/>
+            <a:ext cx="2174615" cy="251007"/>
+          </a:xfrm>
+          <a:prstGeom prst="roundRect">
+            <a:avLst/>
+          </a:prstGeom>
+          <a:noFill/>
+          <a:ln>
+            <a:solidFill>
+              <a:srgbClr val="FF0000"/>
+            </a:solidFill>
+          </a:ln>
+        </p:spPr>
+        <p:style>
+          <a:lnRef idx="2">
+            <a:schemeClr val="accent1">
+              <a:shade val="50000"/>
+            </a:schemeClr>
+          </a:lnRef>
+          <a:fillRef idx="1">
+            <a:schemeClr val="accent1"/>
+          </a:fillRef>
+          <a:effectRef idx="0">
+            <a:schemeClr val="accent1"/>
+          </a:effectRef>
+          <a:fontRef idx="minor">
+            <a:schemeClr val="lt1"/>
+          </a:fontRef>
+        </p:style>
+        <p:txBody>
+          <a:bodyPr rtlCol="0" anchor="ctr"/>
+          <a:lstStyle/>
+          <a:p>
+            <a:pPr algn="ctr"/>
+            <a:endParaRPr lang="ko-KR" altLang="en-US" dirty="0"/>
+          </a:p>
+        </p:txBody>
+      </p:sp>
+    </p:spTree>
+    <p:extLst>
+      <p:ext uri="{BB962C8B-B14F-4D97-AF65-F5344CB8AC3E}">
+        <p14:creationId xmlns:p14="http://schemas.microsoft.com/office/powerpoint/2010/main" val="2573667215"/>
+      </p:ext>
+    </p:extLst>
+  </p:cSld>
+  <p:clrMapOvr>
+    <a:masterClrMapping/>
+  </p:clrMapOvr>
+</p:sld>
+</file>
+
+<file path=ppt/slides/slide36.xml><?xml version="1.0" encoding="utf-8"?>
+<p:sld xmlns:a="http://schemas.openxmlformats.org/drawingml/2006/main" xmlns:r="http://schemas.openxmlformats.org/officeDocument/2006/relationships" xmlns:p="http://schemas.openxmlformats.org/presentationml/2006/main">
+  <p:cSld>
+    <p:spTree>
+      <p:nvGrpSpPr>
+        <p:cNvPr id="1" name=""/>
+        <p:cNvGrpSpPr/>
+        <p:nvPr/>
+      </p:nvGrpSpPr>
+      <p:grpSpPr>
+        <a:xfrm>
+          <a:off x="0" y="0"/>
+          <a:ext cx="0" cy="0"/>
+          <a:chOff x="0" y="0"/>
+          <a:chExt cx="0" cy="0"/>
+        </a:xfrm>
+      </p:grpSpPr>
+      <p:sp>
+        <p:nvSpPr>
+          <p:cNvPr id="2" name="제목 1"/>
+          <p:cNvSpPr>
+            <a:spLocks noGrp="1"/>
+          </p:cNvSpPr>
+          <p:nvPr>
+            <p:ph type="title"/>
+          </p:nvPr>
+        </p:nvSpPr>
+        <p:spPr/>
+        <p:txBody>
+          <a:bodyPr/>
+          <a:lstStyle/>
+          <a:p>
+            <a:r>
+              <a:rPr lang="en-US" altLang="ko-KR" dirty="0"/>
+              <a:t>6. </a:t>
+            </a:r>
+            <a:r>
+              <a:rPr lang="ko-KR" altLang="en-US" dirty="0"/>
+              <a:t>뱀 길이 늘리기 </a:t>
+            </a:r>
+            <a:r>
+              <a:rPr lang="en-US" altLang="ko-KR" dirty="0"/>
+              <a:t>- </a:t>
+            </a:r>
+            <a:r>
+              <a:rPr lang="ko-KR" altLang="en-US" dirty="0"/>
+              <a:t>실행화면</a:t>
+            </a:r>
+          </a:p>
+        </p:txBody>
+      </p:sp>
+      <p:cxnSp>
+        <p:nvCxnSpPr>
+          <p:cNvPr id="4" name="직선 연결선 3"/>
+          <p:cNvCxnSpPr/>
+          <p:nvPr/>
+        </p:nvCxnSpPr>
+        <p:spPr>
+          <a:xfrm>
+            <a:off x="220718" y="1690688"/>
+            <a:ext cx="11429999" cy="0"/>
+          </a:xfrm>
+          <a:prstGeom prst="line">
+            <a:avLst/>
+          </a:prstGeom>
+          <a:ln w="57150">
+            <a:solidFill>
+              <a:srgbClr val="00B050"/>
+            </a:solidFill>
+          </a:ln>
+        </p:spPr>
+        <p:style>
+          <a:lnRef idx="1">
+            <a:schemeClr val="accent1"/>
+          </a:lnRef>
+          <a:fillRef idx="0">
+            <a:schemeClr val="accent1"/>
+          </a:fillRef>
+          <a:effectRef idx="0">
+            <a:schemeClr val="accent1"/>
+          </a:effectRef>
+          <a:fontRef idx="minor">
+            <a:schemeClr val="tx1"/>
+          </a:fontRef>
+        </p:style>
+      </p:cxnSp>
+      <p:cxnSp>
+        <p:nvCxnSpPr>
+          <p:cNvPr id="5" name="직선 연결선 4"/>
+          <p:cNvCxnSpPr/>
+          <p:nvPr/>
+        </p:nvCxnSpPr>
+        <p:spPr>
+          <a:xfrm flipH="1">
+            <a:off x="522067" y="488731"/>
+            <a:ext cx="490" cy="1655379"/>
+          </a:xfrm>
+          <a:prstGeom prst="line">
+            <a:avLst/>
+          </a:prstGeom>
+          <a:ln w="28575">
+            <a:solidFill>
+              <a:srgbClr val="92D050"/>
+            </a:solidFill>
+          </a:ln>
+        </p:spPr>
+        <p:style>
+          <a:lnRef idx="1">
+            <a:schemeClr val="accent1"/>
+          </a:lnRef>
+          <a:fillRef idx="0">
+            <a:schemeClr val="accent1"/>
+          </a:fillRef>
+          <a:effectRef idx="0">
+            <a:schemeClr val="accent1"/>
+          </a:effectRef>
+          <a:fontRef idx="minor">
+            <a:schemeClr val="tx1"/>
+          </a:fontRef>
+        </p:style>
+      </p:cxnSp>
+      <p:pic>
+        <p:nvPicPr>
+          <p:cNvPr id="6" name="내용 개체 틀 5">
+            <a:extLst>
+              <a:ext uri="{FF2B5EF4-FFF2-40B4-BE49-F238E27FC236}">
+                <a16:creationId xmlns:a16="http://schemas.microsoft.com/office/drawing/2014/main" id="{A0E31EBB-6331-4D5B-B855-096F2BFA5D3D}"/>
+              </a:ext>
+            </a:extLst>
+          </p:cNvPr>
+          <p:cNvPicPr>
+            <a:picLocks noGrp="1" noChangeAspect="1"/>
+          </p:cNvPicPr>
+          <p:nvPr>
+            <p:ph idx="1"/>
+          </p:nvPr>
+        </p:nvPicPr>
+        <p:blipFill>
+          <a:blip r:embed="rId2"/>
+          <a:stretch>
+            <a:fillRect/>
+          </a:stretch>
+        </p:blipFill>
+        <p:spPr>
+          <a:xfrm>
+            <a:off x="693545" y="1825625"/>
+            <a:ext cx="5530543" cy="4351338"/>
+          </a:xfrm>
+          <a:prstGeom prst="rect">
+            <a:avLst/>
+          </a:prstGeom>
+        </p:spPr>
+      </p:pic>
+      <p:sp>
+        <p:nvSpPr>
+          <p:cNvPr id="7" name="TextBox 6">
+            <a:extLst>
+              <a:ext uri="{FF2B5EF4-FFF2-40B4-BE49-F238E27FC236}">
+                <a16:creationId xmlns:a16="http://schemas.microsoft.com/office/drawing/2014/main" id="{9069994E-0F55-4D56-AEDD-CFE6E0E86720}"/>
+              </a:ext>
+            </a:extLst>
+          </p:cNvPr>
+          <p:cNvSpPr txBox="1"/>
+          <p:nvPr/>
+        </p:nvSpPr>
+        <p:spPr>
+          <a:xfrm>
+            <a:off x="6599583" y="2569479"/>
+            <a:ext cx="5391091" cy="646331"/>
+          </a:xfrm>
+          <a:prstGeom prst="rect">
+            <a:avLst/>
+          </a:prstGeom>
+          <a:noFill/>
+        </p:spPr>
+        <p:txBody>
+          <a:bodyPr wrap="none" rtlCol="0">
+            <a:spAutoFit/>
+          </a:bodyPr>
+          <a:lstStyle/>
+          <a:p>
+            <a:r>
+              <a:rPr lang="ko-KR" altLang="en-US" dirty="0"/>
+              <a:t>소스코드</a:t>
+            </a:r>
+            <a:endParaRPr lang="en-US" altLang="ko-KR" dirty="0"/>
+          </a:p>
+          <a:p>
+            <a:r>
+              <a:rPr lang="en-US" altLang="ko-KR" dirty="0">
+                <a:hlinkClick r:id="rId3"/>
+              </a:rPr>
+              <a:t>ui/snake3.py at main · kig2929kig/</a:t>
+            </a:r>
+            <a:r>
+              <a:rPr lang="en-US" altLang="ko-KR" dirty="0" err="1">
+                <a:hlinkClick r:id="rId3"/>
+              </a:rPr>
+              <a:t>ui</a:t>
+            </a:r>
+            <a:r>
+              <a:rPr lang="en-US" altLang="ko-KR" dirty="0">
+                <a:hlinkClick r:id="rId3"/>
+              </a:rPr>
+              <a:t> (github.com)</a:t>
+            </a:r>
+            <a:endParaRPr lang="ko-KR" altLang="en-US" dirty="0"/>
+          </a:p>
+        </p:txBody>
+      </p:sp>
+    </p:spTree>
+    <p:extLst>
+      <p:ext uri="{BB962C8B-B14F-4D97-AF65-F5344CB8AC3E}">
+        <p14:creationId xmlns:p14="http://schemas.microsoft.com/office/powerpoint/2010/main" val="1344113813"/>
+      </p:ext>
+    </p:extLst>
+  </p:cSld>
+  <p:clrMapOvr>
+    <a:masterClrMapping/>
+  </p:clrMapOvr>
+</p:sld>
+</file>
+
+<file path=ppt/slides/slide37.xml><?xml version="1.0" encoding="utf-8"?>
+<p:sld xmlns:a="http://schemas.openxmlformats.org/drawingml/2006/main" xmlns:r="http://schemas.openxmlformats.org/officeDocument/2006/relationships" xmlns:p="http://schemas.openxmlformats.org/presentationml/2006/main">
+  <p:cSld>
+    <p:spTree>
+      <p:nvGrpSpPr>
+        <p:cNvPr id="1" name=""/>
+        <p:cNvGrpSpPr/>
+        <p:nvPr/>
+      </p:nvGrpSpPr>
+      <p:grpSpPr>
+        <a:xfrm>
+          <a:off x="0" y="0"/>
+          <a:ext cx="0" cy="0"/>
+          <a:chOff x="0" y="0"/>
+          <a:chExt cx="0" cy="0"/>
+        </a:xfrm>
+      </p:grpSpPr>
+      <p:sp>
+        <p:nvSpPr>
+          <p:cNvPr id="2" name="제목 1"/>
+          <p:cNvSpPr>
+            <a:spLocks noGrp="1"/>
+          </p:cNvSpPr>
+          <p:nvPr>
+            <p:ph type="title"/>
+          </p:nvPr>
+        </p:nvSpPr>
+        <p:spPr/>
+        <p:txBody>
+          <a:bodyPr/>
+          <a:lstStyle/>
+          <a:p>
+            <a:endParaRPr lang="ko-KR" altLang="en-US"/>
+          </a:p>
+        </p:txBody>
+      </p:sp>
+      <p:cxnSp>
+        <p:nvCxnSpPr>
+          <p:cNvPr id="4" name="직선 연결선 3"/>
+          <p:cNvCxnSpPr/>
+          <p:nvPr/>
+        </p:nvCxnSpPr>
+        <p:spPr>
+          <a:xfrm>
+            <a:off x="220718" y="1690688"/>
+            <a:ext cx="11429999" cy="0"/>
+          </a:xfrm>
+          <a:prstGeom prst="line">
+            <a:avLst/>
+          </a:prstGeom>
+          <a:ln w="57150">
+            <a:solidFill>
+              <a:srgbClr val="00B050"/>
+            </a:solidFill>
+          </a:ln>
+        </p:spPr>
+        <p:style>
+          <a:lnRef idx="1">
+            <a:schemeClr val="accent1"/>
+          </a:lnRef>
+          <a:fillRef idx="0">
+            <a:schemeClr val="accent1"/>
+          </a:fillRef>
+          <a:effectRef idx="0">
+            <a:schemeClr val="accent1"/>
+          </a:effectRef>
+          <a:fontRef idx="minor">
+            <a:schemeClr val="tx1"/>
+          </a:fontRef>
+        </p:style>
+      </p:cxnSp>
+      <p:cxnSp>
+        <p:nvCxnSpPr>
+          <p:cNvPr id="5" name="직선 연결선 4"/>
+          <p:cNvCxnSpPr/>
+          <p:nvPr/>
+        </p:nvCxnSpPr>
+        <p:spPr>
+          <a:xfrm flipH="1">
+            <a:off x="522067" y="488731"/>
+            <a:ext cx="490" cy="1655379"/>
+          </a:xfrm>
+          <a:prstGeom prst="line">
+            <a:avLst/>
+          </a:prstGeom>
+          <a:ln w="28575">
+            <a:solidFill>
+              <a:srgbClr val="92D050"/>
+            </a:solidFill>
+          </a:ln>
+        </p:spPr>
+        <p:style>
+          <a:lnRef idx="1">
+            <a:schemeClr val="accent1"/>
+          </a:lnRef>
+          <a:fillRef idx="0">
+            <a:schemeClr val="accent1"/>
+          </a:fillRef>
+          <a:effectRef idx="0">
+            <a:schemeClr val="accent1"/>
+          </a:effectRef>
+          <a:fontRef idx="minor">
+            <a:schemeClr val="tx1"/>
+          </a:fontRef>
+        </p:style>
+      </p:cxnSp>
       <p:sp>
         <p:nvSpPr>
           <p:cNvPr id="3" name="내용 개체 틀 2"/>
@@ -8852,7 +10791,145 @@
     </p:spTree>
     <p:extLst>
       <p:ext uri="{BB962C8B-B14F-4D97-AF65-F5344CB8AC3E}">
-        <p14:creationId xmlns:p14="http://schemas.microsoft.com/office/powerpoint/2010/main" val="3426489206"/>
+        <p14:creationId xmlns:p14="http://schemas.microsoft.com/office/powerpoint/2010/main" val="1144526119"/>
+      </p:ext>
+    </p:extLst>
+  </p:cSld>
+  <p:clrMapOvr>
+    <a:masterClrMapping/>
+  </p:clrMapOvr>
+</p:sld>
+</file>
+
+<file path=ppt/slides/slide38.xml><?xml version="1.0" encoding="utf-8"?>
+<p:sld xmlns:a="http://schemas.openxmlformats.org/drawingml/2006/main" xmlns:r="http://schemas.openxmlformats.org/officeDocument/2006/relationships" xmlns:p="http://schemas.openxmlformats.org/presentationml/2006/main">
+  <p:cSld>
+    <p:spTree>
+      <p:nvGrpSpPr>
+        <p:cNvPr id="1" name=""/>
+        <p:cNvGrpSpPr/>
+        <p:nvPr/>
+      </p:nvGrpSpPr>
+      <p:grpSpPr>
+        <a:xfrm>
+          <a:off x="0" y="0"/>
+          <a:ext cx="0" cy="0"/>
+          <a:chOff x="0" y="0"/>
+          <a:chExt cx="0" cy="0"/>
+        </a:xfrm>
+      </p:grpSpPr>
+      <p:sp>
+        <p:nvSpPr>
+          <p:cNvPr id="2" name="제목 1"/>
+          <p:cNvSpPr>
+            <a:spLocks noGrp="1"/>
+          </p:cNvSpPr>
+          <p:nvPr>
+            <p:ph type="title"/>
+          </p:nvPr>
+        </p:nvSpPr>
+        <p:spPr/>
+        <p:txBody>
+          <a:bodyPr/>
+          <a:lstStyle/>
+          <a:p>
+            <a:endParaRPr lang="ko-KR" altLang="en-US"/>
+          </a:p>
+        </p:txBody>
+      </p:sp>
+      <p:cxnSp>
+        <p:nvCxnSpPr>
+          <p:cNvPr id="4" name="직선 연결선 3"/>
+          <p:cNvCxnSpPr/>
+          <p:nvPr/>
+        </p:nvCxnSpPr>
+        <p:spPr>
+          <a:xfrm>
+            <a:off x="220718" y="1690688"/>
+            <a:ext cx="11429999" cy="0"/>
+          </a:xfrm>
+          <a:prstGeom prst="line">
+            <a:avLst/>
+          </a:prstGeom>
+          <a:ln w="57150">
+            <a:solidFill>
+              <a:srgbClr val="00B050"/>
+            </a:solidFill>
+          </a:ln>
+        </p:spPr>
+        <p:style>
+          <a:lnRef idx="1">
+            <a:schemeClr val="accent1"/>
+          </a:lnRef>
+          <a:fillRef idx="0">
+            <a:schemeClr val="accent1"/>
+          </a:fillRef>
+          <a:effectRef idx="0">
+            <a:schemeClr val="accent1"/>
+          </a:effectRef>
+          <a:fontRef idx="minor">
+            <a:schemeClr val="tx1"/>
+          </a:fontRef>
+        </p:style>
+      </p:cxnSp>
+      <p:cxnSp>
+        <p:nvCxnSpPr>
+          <p:cNvPr id="5" name="직선 연결선 4"/>
+          <p:cNvCxnSpPr/>
+          <p:nvPr/>
+        </p:nvCxnSpPr>
+        <p:spPr>
+          <a:xfrm flipH="1">
+            <a:off x="522067" y="488731"/>
+            <a:ext cx="490" cy="1655379"/>
+          </a:xfrm>
+          <a:prstGeom prst="line">
+            <a:avLst/>
+          </a:prstGeom>
+          <a:ln w="28575">
+            <a:solidFill>
+              <a:srgbClr val="92D050"/>
+            </a:solidFill>
+          </a:ln>
+        </p:spPr>
+        <p:style>
+          <a:lnRef idx="1">
+            <a:schemeClr val="accent1"/>
+          </a:lnRef>
+          <a:fillRef idx="0">
+            <a:schemeClr val="accent1"/>
+          </a:fillRef>
+          <a:effectRef idx="0">
+            <a:schemeClr val="accent1"/>
+          </a:effectRef>
+          <a:fontRef idx="minor">
+            <a:schemeClr val="tx1"/>
+          </a:fontRef>
+        </p:style>
+      </p:cxnSp>
+      <p:sp>
+        <p:nvSpPr>
+          <p:cNvPr id="3" name="내용 개체 틀 2"/>
+          <p:cNvSpPr>
+            <a:spLocks noGrp="1"/>
+          </p:cNvSpPr>
+          <p:nvPr>
+            <p:ph idx="1"/>
+          </p:nvPr>
+        </p:nvSpPr>
+        <p:spPr/>
+        <p:txBody>
+          <a:bodyPr/>
+          <a:lstStyle/>
+          <a:p>
+            <a:endParaRPr lang="ko-KR" altLang="en-US"/>
+          </a:p>
+        </p:txBody>
+      </p:sp>
+    </p:spTree>
+    <p:extLst>
+      <p:ext uri="{BB962C8B-B14F-4D97-AF65-F5344CB8AC3E}">
+        <p14:creationId xmlns:p14="http://schemas.microsoft.com/office/powerpoint/2010/main" val="1474578640"/>
       </p:ext>
     </p:extLst>
   </p:cSld>

--- a/snake.pptx
+++ b/snake.pptx
@@ -43,6 +43,9 @@
     <p:sldId id="291" r:id="rId37"/>
     <p:sldId id="292" r:id="rId38"/>
     <p:sldId id="293" r:id="rId39"/>
+    <p:sldId id="294" r:id="rId40"/>
+    <p:sldId id="295" r:id="rId41"/>
+    <p:sldId id="296" r:id="rId42"/>
   </p:sldIdLst>
   <p:sldSz cx="12192000" cy="6858000"/>
   <p:notesSz cx="6858000" cy="9144000"/>
@@ -3076,7 +3079,7 @@
         </p:spPr>
         <p:txBody>
           <a:bodyPr>
-            <a:normAutofit/>
+            <a:normAutofit lnSpcReduction="10000"/>
           </a:bodyPr>
           <a:lstStyle/>
           <a:p>
@@ -3184,6 +3187,16 @@
             <a:r>
               <a:rPr lang="ko-KR" altLang="en-US" dirty="0"/>
               <a:t>길이 늘리기</a:t>
+            </a:r>
+            <a:endParaRPr lang="en-US" altLang="ko-KR" dirty="0"/>
+          </a:p>
+          <a:p>
+            <a:pPr marL="457200" indent="-457200" algn="l">
+              <a:buAutoNum type="arabicPeriod"/>
+            </a:pPr>
+            <a:r>
+              <a:rPr lang="ko-KR" altLang="en-US" dirty="0"/>
+              <a:t>점수 표시하기</a:t>
             </a:r>
           </a:p>
         </p:txBody>
@@ -10695,7 +10708,14 @@
           <a:bodyPr/>
           <a:lstStyle/>
           <a:p>
-            <a:endParaRPr lang="ko-KR" altLang="en-US"/>
+            <a:r>
+              <a:rPr lang="en-US" altLang="ko-KR" dirty="0"/>
+              <a:t>7. </a:t>
+            </a:r>
+            <a:r>
+              <a:rPr lang="ko-KR" altLang="en-US" dirty="0"/>
+              <a:t>점수 표시하기</a:t>
+            </a:r>
           </a:p>
         </p:txBody>
       </p:sp>
@@ -10769,25 +10789,96 @@
           </a:fontRef>
         </p:style>
       </p:cxnSp>
-      <p:sp>
-        <p:nvSpPr>
-          <p:cNvPr id="3" name="내용 개체 틀 2"/>
-          <p:cNvSpPr>
-            <a:spLocks noGrp="1"/>
-          </p:cNvSpPr>
+      <p:pic>
+        <p:nvPicPr>
+          <p:cNvPr id="6" name="내용 개체 틀 5">
+            <a:extLst>
+              <a:ext uri="{FF2B5EF4-FFF2-40B4-BE49-F238E27FC236}">
+                <a16:creationId xmlns:a16="http://schemas.microsoft.com/office/drawing/2014/main" id="{BB22A4B5-AE63-47A3-9F9A-D4E813BCC18C}"/>
+              </a:ext>
+            </a:extLst>
+          </p:cNvPr>
+          <p:cNvPicPr>
+            <a:picLocks noGrp="1" noChangeAspect="1"/>
+          </p:cNvPicPr>
           <p:nvPr>
             <p:ph idx="1"/>
           </p:nvPr>
-        </p:nvSpPr>
-        <p:spPr/>
-        <p:txBody>
-          <a:bodyPr/>
-          <a:lstStyle/>
-          <a:p>
-            <a:endParaRPr lang="ko-KR" altLang="en-US"/>
-          </a:p>
-        </p:txBody>
-      </p:sp>
+        </p:nvPicPr>
+        <p:blipFill>
+          <a:blip r:embed="rId2"/>
+          <a:stretch>
+            <a:fillRect/>
+          </a:stretch>
+        </p:blipFill>
+        <p:spPr>
+          <a:xfrm>
+            <a:off x="838200" y="2144109"/>
+            <a:ext cx="7807786" cy="1655361"/>
+          </a:xfrm>
+          <a:prstGeom prst="rect">
+            <a:avLst/>
+          </a:prstGeom>
+          <a:ln w="38100" cap="sq">
+            <a:solidFill>
+              <a:srgbClr val="000000"/>
+            </a:solidFill>
+            <a:prstDash val="solid"/>
+            <a:miter lim="800000"/>
+          </a:ln>
+          <a:effectLst>
+            <a:outerShdw blurRad="50800" dist="38100" dir="2700000" algn="tl" rotWithShape="0">
+              <a:srgbClr val="000000">
+                <a:alpha val="43000"/>
+              </a:srgbClr>
+            </a:outerShdw>
+          </a:effectLst>
+        </p:spPr>
+      </p:pic>
+      <p:pic>
+        <p:nvPicPr>
+          <p:cNvPr id="7" name="그림 6">
+            <a:extLst>
+              <a:ext uri="{FF2B5EF4-FFF2-40B4-BE49-F238E27FC236}">
+                <a16:creationId xmlns:a16="http://schemas.microsoft.com/office/drawing/2014/main" id="{5D01067B-F8DD-4BCB-AC43-5DF1F4981E89}"/>
+              </a:ext>
+            </a:extLst>
+          </p:cNvPr>
+          <p:cNvPicPr>
+            <a:picLocks noChangeAspect="1"/>
+          </p:cNvPicPr>
+          <p:nvPr/>
+        </p:nvPicPr>
+        <p:blipFill>
+          <a:blip r:embed="rId3"/>
+          <a:stretch>
+            <a:fillRect/>
+          </a:stretch>
+        </p:blipFill>
+        <p:spPr>
+          <a:xfrm>
+            <a:off x="922568" y="4353960"/>
+            <a:ext cx="7015484" cy="2151882"/>
+          </a:xfrm>
+          <a:prstGeom prst="rect">
+            <a:avLst/>
+          </a:prstGeom>
+          <a:ln w="38100" cap="sq">
+            <a:solidFill>
+              <a:srgbClr val="000000"/>
+            </a:solidFill>
+            <a:prstDash val="solid"/>
+            <a:miter lim="800000"/>
+          </a:ln>
+          <a:effectLst>
+            <a:outerShdw blurRad="50800" dist="38100" dir="2700000" algn="tl" rotWithShape="0">
+              <a:srgbClr val="000000">
+                <a:alpha val="43000"/>
+              </a:srgbClr>
+            </a:outerShdw>
+          </a:effectLst>
+        </p:spPr>
+      </p:pic>
     </p:spTree>
     <p:extLst>
       <p:ext uri="{BB962C8B-B14F-4D97-AF65-F5344CB8AC3E}">
@@ -10833,7 +10924,22 @@
           <a:bodyPr/>
           <a:lstStyle/>
           <a:p>
-            <a:endParaRPr lang="ko-KR" altLang="en-US"/>
+            <a:r>
+              <a:rPr lang="en-US" altLang="ko-KR" dirty="0"/>
+              <a:t>7. </a:t>
+            </a:r>
+            <a:r>
+              <a:rPr lang="ko-KR" altLang="en-US" dirty="0"/>
+              <a:t>점수 표시하기 </a:t>
+            </a:r>
+            <a:r>
+              <a:rPr lang="en-US" altLang="ko-KR" dirty="0"/>
+              <a:t>- </a:t>
+            </a:r>
+            <a:r>
+              <a:rPr lang="ko-KR" altLang="en-US" dirty="0"/>
+              <a:t>실행결과</a:t>
+            </a:r>
           </a:p>
         </p:txBody>
       </p:sp>
@@ -10907,6 +11013,230 @@
           </a:fontRef>
         </p:style>
       </p:cxnSp>
+      <p:pic>
+        <p:nvPicPr>
+          <p:cNvPr id="6" name="내용 개체 틀 5">
+            <a:extLst>
+              <a:ext uri="{FF2B5EF4-FFF2-40B4-BE49-F238E27FC236}">
+                <a16:creationId xmlns:a16="http://schemas.microsoft.com/office/drawing/2014/main" id="{438DCB01-081B-4DF0-AAD5-7A3C6FCE7FF6}"/>
+              </a:ext>
+            </a:extLst>
+          </p:cNvPr>
+          <p:cNvPicPr>
+            <a:picLocks noGrp="1" noChangeAspect="1"/>
+          </p:cNvPicPr>
+          <p:nvPr>
+            <p:ph idx="1"/>
+          </p:nvPr>
+        </p:nvPicPr>
+        <p:blipFill rotWithShape="1">
+          <a:blip r:embed="rId2"/>
+          <a:srcRect l="904"/>
+          <a:stretch/>
+        </p:blipFill>
+        <p:spPr>
+          <a:xfrm>
+            <a:off x="888386" y="2141537"/>
+            <a:ext cx="5499146" cy="4351338"/>
+          </a:xfrm>
+          <a:prstGeom prst="rect">
+            <a:avLst/>
+          </a:prstGeom>
+          <a:ln w="38100" cap="sq">
+            <a:solidFill>
+              <a:srgbClr val="000000"/>
+            </a:solidFill>
+            <a:prstDash val="solid"/>
+            <a:miter lim="800000"/>
+          </a:ln>
+          <a:effectLst>
+            <a:outerShdw blurRad="50800" dist="38100" dir="2700000" algn="tl" rotWithShape="0">
+              <a:srgbClr val="000000">
+                <a:alpha val="43000"/>
+              </a:srgbClr>
+            </a:outerShdw>
+          </a:effectLst>
+        </p:spPr>
+      </p:pic>
+      <p:sp>
+        <p:nvSpPr>
+          <p:cNvPr id="7" name="TextBox 6">
+            <a:extLst>
+              <a:ext uri="{FF2B5EF4-FFF2-40B4-BE49-F238E27FC236}">
+                <a16:creationId xmlns:a16="http://schemas.microsoft.com/office/drawing/2014/main" id="{639DCA88-A48D-40EB-98DA-434FEC2C4CC8}"/>
+              </a:ext>
+            </a:extLst>
+          </p:cNvPr>
+          <p:cNvSpPr txBox="1"/>
+          <p:nvPr/>
+        </p:nvSpPr>
+        <p:spPr>
+          <a:xfrm>
+            <a:off x="6703175" y="2569479"/>
+            <a:ext cx="5391091" cy="646331"/>
+          </a:xfrm>
+          <a:prstGeom prst="rect">
+            <a:avLst/>
+          </a:prstGeom>
+          <a:noFill/>
+        </p:spPr>
+        <p:txBody>
+          <a:bodyPr wrap="none" rtlCol="0">
+            <a:spAutoFit/>
+          </a:bodyPr>
+          <a:lstStyle/>
+          <a:p>
+            <a:r>
+              <a:rPr lang="ko-KR" altLang="en-US" dirty="0"/>
+              <a:t>소스 코드</a:t>
+            </a:r>
+            <a:endParaRPr lang="en-US" altLang="ko-KR" dirty="0"/>
+          </a:p>
+          <a:p>
+            <a:r>
+              <a:rPr lang="en-US" altLang="ko-KR" dirty="0">
+                <a:hlinkClick r:id="rId3"/>
+              </a:rPr>
+              <a:t>ui/snake4.py at main · kig2929kig/</a:t>
+            </a:r>
+            <a:r>
+              <a:rPr lang="en-US" altLang="ko-KR" dirty="0" err="1">
+                <a:hlinkClick r:id="rId3"/>
+              </a:rPr>
+              <a:t>ui</a:t>
+            </a:r>
+            <a:r>
+              <a:rPr lang="en-US" altLang="ko-KR" dirty="0">
+                <a:hlinkClick r:id="rId3"/>
+              </a:rPr>
+              <a:t> (github.com)</a:t>
+            </a:r>
+            <a:endParaRPr lang="ko-KR" altLang="en-US" dirty="0"/>
+          </a:p>
+        </p:txBody>
+      </p:sp>
+    </p:spTree>
+    <p:extLst>
+      <p:ext uri="{BB962C8B-B14F-4D97-AF65-F5344CB8AC3E}">
+        <p14:creationId xmlns:p14="http://schemas.microsoft.com/office/powerpoint/2010/main" val="1474578640"/>
+      </p:ext>
+    </p:extLst>
+  </p:cSld>
+  <p:clrMapOvr>
+    <a:masterClrMapping/>
+  </p:clrMapOvr>
+</p:sld>
+</file>
+
+<file path=ppt/slides/slide39.xml><?xml version="1.0" encoding="utf-8"?>
+<p:sld xmlns:a="http://schemas.openxmlformats.org/drawingml/2006/main" xmlns:r="http://schemas.openxmlformats.org/officeDocument/2006/relationships" xmlns:p="http://schemas.openxmlformats.org/presentationml/2006/main">
+  <p:cSld>
+    <p:spTree>
+      <p:nvGrpSpPr>
+        <p:cNvPr id="1" name=""/>
+        <p:cNvGrpSpPr/>
+        <p:nvPr/>
+      </p:nvGrpSpPr>
+      <p:grpSpPr>
+        <a:xfrm>
+          <a:off x="0" y="0"/>
+          <a:ext cx="0" cy="0"/>
+          <a:chOff x="0" y="0"/>
+          <a:chExt cx="0" cy="0"/>
+        </a:xfrm>
+      </p:grpSpPr>
+      <p:sp>
+        <p:nvSpPr>
+          <p:cNvPr id="2" name="제목 1"/>
+          <p:cNvSpPr>
+            <a:spLocks noGrp="1"/>
+          </p:cNvSpPr>
+          <p:nvPr>
+            <p:ph type="title"/>
+          </p:nvPr>
+        </p:nvSpPr>
+        <p:spPr/>
+        <p:txBody>
+          <a:bodyPr/>
+          <a:lstStyle/>
+          <a:p>
+            <a:r>
+              <a:rPr lang="ko-KR" altLang="en-US" dirty="0"/>
+              <a:t>도전과제</a:t>
+            </a:r>
+          </a:p>
+        </p:txBody>
+      </p:sp>
+      <p:cxnSp>
+        <p:nvCxnSpPr>
+          <p:cNvPr id="4" name="직선 연결선 3"/>
+          <p:cNvCxnSpPr/>
+          <p:nvPr/>
+        </p:nvCxnSpPr>
+        <p:spPr>
+          <a:xfrm>
+            <a:off x="220718" y="1690688"/>
+            <a:ext cx="11429999" cy="0"/>
+          </a:xfrm>
+          <a:prstGeom prst="line">
+            <a:avLst/>
+          </a:prstGeom>
+          <a:ln w="57150">
+            <a:solidFill>
+              <a:srgbClr val="00B050"/>
+            </a:solidFill>
+          </a:ln>
+        </p:spPr>
+        <p:style>
+          <a:lnRef idx="1">
+            <a:schemeClr val="accent1"/>
+          </a:lnRef>
+          <a:fillRef idx="0">
+            <a:schemeClr val="accent1"/>
+          </a:fillRef>
+          <a:effectRef idx="0">
+            <a:schemeClr val="accent1"/>
+          </a:effectRef>
+          <a:fontRef idx="minor">
+            <a:schemeClr val="tx1"/>
+          </a:fontRef>
+        </p:style>
+      </p:cxnSp>
+      <p:cxnSp>
+        <p:nvCxnSpPr>
+          <p:cNvPr id="5" name="직선 연결선 4"/>
+          <p:cNvCxnSpPr/>
+          <p:nvPr/>
+        </p:nvCxnSpPr>
+        <p:spPr>
+          <a:xfrm flipH="1">
+            <a:off x="522067" y="488731"/>
+            <a:ext cx="490" cy="1655379"/>
+          </a:xfrm>
+          <a:prstGeom prst="line">
+            <a:avLst/>
+          </a:prstGeom>
+          <a:ln w="28575">
+            <a:solidFill>
+              <a:srgbClr val="92D050"/>
+            </a:solidFill>
+          </a:ln>
+        </p:spPr>
+        <p:style>
+          <a:lnRef idx="1">
+            <a:schemeClr val="accent1"/>
+          </a:lnRef>
+          <a:fillRef idx="0">
+            <a:schemeClr val="accent1"/>
+          </a:fillRef>
+          <a:effectRef idx="0">
+            <a:schemeClr val="accent1"/>
+          </a:effectRef>
+          <a:fontRef idx="minor">
+            <a:schemeClr val="tx1"/>
+          </a:fontRef>
+        </p:style>
+      </p:cxnSp>
       <p:sp>
         <p:nvSpPr>
           <p:cNvPr id="3" name="내용 개체 틀 2"/>
@@ -10922,14 +11252,55 @@
           <a:bodyPr/>
           <a:lstStyle/>
           <a:p>
-            <a:endParaRPr lang="ko-KR" altLang="en-US"/>
+            <a:r>
+              <a:rPr lang="ko-KR" altLang="en-US" dirty="0"/>
+              <a:t>뱀이 음식을 먹으면 더 빨리 움직이게 하거나</a:t>
+            </a:r>
+            <a:r>
+              <a:rPr lang="en-US" altLang="ko-KR" dirty="0"/>
+              <a:t> </a:t>
+            </a:r>
+            <a:r>
+              <a:rPr lang="ko-KR" altLang="en-US" dirty="0"/>
+              <a:t>가끔씩 나타나는 특별한 음식을 먹으면 추가 점수 등</a:t>
+            </a:r>
+            <a:endParaRPr lang="en-US" altLang="ko-KR" dirty="0"/>
+          </a:p>
+          <a:p>
+            <a:endParaRPr lang="en-US" altLang="ko-KR" dirty="0"/>
+          </a:p>
+          <a:p>
+            <a:r>
+              <a:rPr lang="ko-KR" altLang="en-US" dirty="0"/>
+              <a:t>가장 높은 점수를 파일에 저장하여 불러와서 화면에 표시 등</a:t>
+            </a:r>
+            <a:endParaRPr lang="en-US" altLang="ko-KR" dirty="0"/>
+          </a:p>
+          <a:p>
+            <a:endParaRPr lang="en-US" altLang="ko-KR" dirty="0"/>
+          </a:p>
+          <a:p>
+            <a:r>
+              <a:rPr lang="ko-KR" altLang="en-US" dirty="0"/>
+              <a:t>뱀이 자신의 꼬리에 닿으면 게임 종료 등</a:t>
+            </a:r>
+            <a:endParaRPr lang="en-US" altLang="ko-KR" dirty="0"/>
+          </a:p>
+          <a:p>
+            <a:endParaRPr lang="en-US" altLang="ko-KR" dirty="0"/>
+          </a:p>
+          <a:p>
+            <a:r>
+              <a:rPr lang="ko-KR" altLang="en-US" dirty="0"/>
+              <a:t>게임이 종료되면 다시 시작하거나 종료되도록 메뉴를 구성하는 등</a:t>
+            </a:r>
           </a:p>
         </p:txBody>
       </p:sp>
     </p:spTree>
     <p:extLst>
       <p:ext uri="{BB962C8B-B14F-4D97-AF65-F5344CB8AC3E}">
-        <p14:creationId xmlns:p14="http://schemas.microsoft.com/office/powerpoint/2010/main" val="1474578640"/>
+        <p14:creationId xmlns:p14="http://schemas.microsoft.com/office/powerpoint/2010/main" val="3399590512"/>
       </p:ext>
     </p:extLst>
   </p:cSld>
@@ -11210,6 +11581,346 @@
     <p:extLst>
       <p:ext uri="{BB962C8B-B14F-4D97-AF65-F5344CB8AC3E}">
         <p14:creationId xmlns:p14="http://schemas.microsoft.com/office/powerpoint/2010/main" val="1246091681"/>
+      </p:ext>
+    </p:extLst>
+  </p:cSld>
+  <p:clrMapOvr>
+    <a:masterClrMapping/>
+  </p:clrMapOvr>
+</p:sld>
+</file>
+
+<file path=ppt/slides/slide40.xml><?xml version="1.0" encoding="utf-8"?>
+<p:sld xmlns:a="http://schemas.openxmlformats.org/drawingml/2006/main" xmlns:r="http://schemas.openxmlformats.org/officeDocument/2006/relationships" xmlns:p="http://schemas.openxmlformats.org/presentationml/2006/main">
+  <p:cSld>
+    <p:spTree>
+      <p:nvGrpSpPr>
+        <p:cNvPr id="1" name=""/>
+        <p:cNvGrpSpPr/>
+        <p:nvPr/>
+      </p:nvGrpSpPr>
+      <p:grpSpPr>
+        <a:xfrm>
+          <a:off x="0" y="0"/>
+          <a:ext cx="0" cy="0"/>
+          <a:chOff x="0" y="0"/>
+          <a:chExt cx="0" cy="0"/>
+        </a:xfrm>
+      </p:grpSpPr>
+      <p:sp>
+        <p:nvSpPr>
+          <p:cNvPr id="2" name="제목 1"/>
+          <p:cNvSpPr>
+            <a:spLocks noGrp="1"/>
+          </p:cNvSpPr>
+          <p:nvPr>
+            <p:ph type="title"/>
+          </p:nvPr>
+        </p:nvSpPr>
+        <p:spPr/>
+        <p:txBody>
+          <a:bodyPr/>
+          <a:lstStyle/>
+          <a:p>
+            <a:r>
+              <a:rPr lang="ko-KR" altLang="en-US" dirty="0"/>
+              <a:t>감사합니다</a:t>
+            </a:r>
+            <a:r>
+              <a:rPr lang="en-US" altLang="ko-KR" dirty="0"/>
+              <a:t>.</a:t>
+            </a:r>
+            <a:endParaRPr lang="ko-KR" altLang="en-US" dirty="0"/>
+          </a:p>
+        </p:txBody>
+      </p:sp>
+      <p:cxnSp>
+        <p:nvCxnSpPr>
+          <p:cNvPr id="4" name="직선 연결선 3"/>
+          <p:cNvCxnSpPr/>
+          <p:nvPr/>
+        </p:nvCxnSpPr>
+        <p:spPr>
+          <a:xfrm>
+            <a:off x="220718" y="1690688"/>
+            <a:ext cx="11429999" cy="0"/>
+          </a:xfrm>
+          <a:prstGeom prst="line">
+            <a:avLst/>
+          </a:prstGeom>
+          <a:ln w="57150">
+            <a:solidFill>
+              <a:srgbClr val="00B050"/>
+            </a:solidFill>
+          </a:ln>
+        </p:spPr>
+        <p:style>
+          <a:lnRef idx="1">
+            <a:schemeClr val="accent1"/>
+          </a:lnRef>
+          <a:fillRef idx="0">
+            <a:schemeClr val="accent1"/>
+          </a:fillRef>
+          <a:effectRef idx="0">
+            <a:schemeClr val="accent1"/>
+          </a:effectRef>
+          <a:fontRef idx="minor">
+            <a:schemeClr val="tx1"/>
+          </a:fontRef>
+        </p:style>
+      </p:cxnSp>
+      <p:cxnSp>
+        <p:nvCxnSpPr>
+          <p:cNvPr id="5" name="직선 연결선 4"/>
+          <p:cNvCxnSpPr/>
+          <p:nvPr/>
+        </p:nvCxnSpPr>
+        <p:spPr>
+          <a:xfrm flipH="1">
+            <a:off x="522067" y="488731"/>
+            <a:ext cx="490" cy="1655379"/>
+          </a:xfrm>
+          <a:prstGeom prst="line">
+            <a:avLst/>
+          </a:prstGeom>
+          <a:ln w="28575">
+            <a:solidFill>
+              <a:srgbClr val="92D050"/>
+            </a:solidFill>
+          </a:ln>
+        </p:spPr>
+        <p:style>
+          <a:lnRef idx="1">
+            <a:schemeClr val="accent1"/>
+          </a:lnRef>
+          <a:fillRef idx="0">
+            <a:schemeClr val="accent1"/>
+          </a:fillRef>
+          <a:effectRef idx="0">
+            <a:schemeClr val="accent1"/>
+          </a:effectRef>
+          <a:fontRef idx="minor">
+            <a:schemeClr val="tx1"/>
+          </a:fontRef>
+        </p:style>
+      </p:cxnSp>
+      <p:sp>
+        <p:nvSpPr>
+          <p:cNvPr id="3" name="내용 개체 틀 2"/>
+          <p:cNvSpPr>
+            <a:spLocks noGrp="1"/>
+          </p:cNvSpPr>
+          <p:nvPr>
+            <p:ph idx="1"/>
+          </p:nvPr>
+        </p:nvSpPr>
+        <p:spPr/>
+        <p:txBody>
+          <a:bodyPr/>
+          <a:lstStyle/>
+          <a:p>
+            <a:r>
+              <a:rPr lang="ko-KR" altLang="en-US" dirty="0"/>
+              <a:t>가능한 많은 기능을 추가하고 연습하는 것이 프로그래밍 실력을 키우는 방법입니다</a:t>
+            </a:r>
+            <a:r>
+              <a:rPr lang="en-US" altLang="ko-KR" dirty="0"/>
+              <a:t>.</a:t>
+            </a:r>
+          </a:p>
+          <a:p>
+            <a:endParaRPr lang="en-US" altLang="ko-KR" dirty="0"/>
+          </a:p>
+          <a:p>
+            <a:pPr>
+              <a:lnSpc>
+                <a:spcPct val="150000"/>
+              </a:lnSpc>
+            </a:pPr>
+            <a:r>
+              <a:rPr lang="ko-KR" altLang="en-US" dirty="0"/>
+              <a:t>왕도는 없습니다</a:t>
+            </a:r>
+            <a:r>
+              <a:rPr lang="en-US" altLang="ko-KR" dirty="0"/>
+              <a:t>. </a:t>
+            </a:r>
+          </a:p>
+          <a:p>
+            <a:pPr>
+              <a:lnSpc>
+                <a:spcPct val="150000"/>
+              </a:lnSpc>
+            </a:pPr>
+            <a:endParaRPr lang="en-US" altLang="ko-KR" dirty="0"/>
+          </a:p>
+          <a:p>
+            <a:pPr>
+              <a:lnSpc>
+                <a:spcPct val="150000"/>
+              </a:lnSpc>
+            </a:pPr>
+            <a:r>
+              <a:rPr lang="en-US" altLang="ko-KR" dirty="0"/>
+              <a:t>‘</a:t>
+            </a:r>
+            <a:r>
+              <a:rPr lang="ko-KR" altLang="en-US" dirty="0"/>
+              <a:t>백문이 </a:t>
+            </a:r>
+            <a:r>
+              <a:rPr lang="ko-KR" altLang="en-US" dirty="0" err="1"/>
+              <a:t>불여일타</a:t>
+            </a:r>
+            <a:r>
+              <a:rPr lang="ko-KR" altLang="en-US" dirty="0"/>
+              <a:t>‘ </a:t>
+            </a:r>
+          </a:p>
+        </p:txBody>
+      </p:sp>
+    </p:spTree>
+    <p:extLst>
+      <p:ext uri="{BB962C8B-B14F-4D97-AF65-F5344CB8AC3E}">
+        <p14:creationId xmlns:p14="http://schemas.microsoft.com/office/powerpoint/2010/main" val="3086902952"/>
+      </p:ext>
+    </p:extLst>
+  </p:cSld>
+  <p:clrMapOvr>
+    <a:masterClrMapping/>
+  </p:clrMapOvr>
+</p:sld>
+</file>
+
+<file path=ppt/slides/slide41.xml><?xml version="1.0" encoding="utf-8"?>
+<p:sld xmlns:a="http://schemas.openxmlformats.org/drawingml/2006/main" xmlns:r="http://schemas.openxmlformats.org/officeDocument/2006/relationships" xmlns:p="http://schemas.openxmlformats.org/presentationml/2006/main">
+  <p:cSld>
+    <p:spTree>
+      <p:nvGrpSpPr>
+        <p:cNvPr id="1" name=""/>
+        <p:cNvGrpSpPr/>
+        <p:nvPr/>
+      </p:nvGrpSpPr>
+      <p:grpSpPr>
+        <a:xfrm>
+          <a:off x="0" y="0"/>
+          <a:ext cx="0" cy="0"/>
+          <a:chOff x="0" y="0"/>
+          <a:chExt cx="0" cy="0"/>
+        </a:xfrm>
+      </p:grpSpPr>
+      <p:sp>
+        <p:nvSpPr>
+          <p:cNvPr id="2" name="제목 1"/>
+          <p:cNvSpPr>
+            <a:spLocks noGrp="1"/>
+          </p:cNvSpPr>
+          <p:nvPr>
+            <p:ph type="title"/>
+          </p:nvPr>
+        </p:nvSpPr>
+        <p:spPr/>
+        <p:txBody>
+          <a:bodyPr/>
+          <a:lstStyle/>
+          <a:p>
+            <a:endParaRPr lang="ko-KR" altLang="en-US"/>
+          </a:p>
+        </p:txBody>
+      </p:sp>
+      <p:cxnSp>
+        <p:nvCxnSpPr>
+          <p:cNvPr id="4" name="직선 연결선 3"/>
+          <p:cNvCxnSpPr/>
+          <p:nvPr/>
+        </p:nvCxnSpPr>
+        <p:spPr>
+          <a:xfrm>
+            <a:off x="220718" y="1690688"/>
+            <a:ext cx="11429999" cy="0"/>
+          </a:xfrm>
+          <a:prstGeom prst="line">
+            <a:avLst/>
+          </a:prstGeom>
+          <a:ln w="57150">
+            <a:solidFill>
+              <a:srgbClr val="00B050"/>
+            </a:solidFill>
+          </a:ln>
+        </p:spPr>
+        <p:style>
+          <a:lnRef idx="1">
+            <a:schemeClr val="accent1"/>
+          </a:lnRef>
+          <a:fillRef idx="0">
+            <a:schemeClr val="accent1"/>
+          </a:fillRef>
+          <a:effectRef idx="0">
+            <a:schemeClr val="accent1"/>
+          </a:effectRef>
+          <a:fontRef idx="minor">
+            <a:schemeClr val="tx1"/>
+          </a:fontRef>
+        </p:style>
+      </p:cxnSp>
+      <p:cxnSp>
+        <p:nvCxnSpPr>
+          <p:cNvPr id="5" name="직선 연결선 4"/>
+          <p:cNvCxnSpPr/>
+          <p:nvPr/>
+        </p:nvCxnSpPr>
+        <p:spPr>
+          <a:xfrm flipH="1">
+            <a:off x="522067" y="488731"/>
+            <a:ext cx="490" cy="1655379"/>
+          </a:xfrm>
+          <a:prstGeom prst="line">
+            <a:avLst/>
+          </a:prstGeom>
+          <a:ln w="28575">
+            <a:solidFill>
+              <a:srgbClr val="92D050"/>
+            </a:solidFill>
+          </a:ln>
+        </p:spPr>
+        <p:style>
+          <a:lnRef idx="1">
+            <a:schemeClr val="accent1"/>
+          </a:lnRef>
+          <a:fillRef idx="0">
+            <a:schemeClr val="accent1"/>
+          </a:fillRef>
+          <a:effectRef idx="0">
+            <a:schemeClr val="accent1"/>
+          </a:effectRef>
+          <a:fontRef idx="minor">
+            <a:schemeClr val="tx1"/>
+          </a:fontRef>
+        </p:style>
+      </p:cxnSp>
+      <p:sp>
+        <p:nvSpPr>
+          <p:cNvPr id="3" name="내용 개체 틀 2"/>
+          <p:cNvSpPr>
+            <a:spLocks noGrp="1"/>
+          </p:cNvSpPr>
+          <p:nvPr>
+            <p:ph idx="1"/>
+          </p:nvPr>
+        </p:nvSpPr>
+        <p:spPr/>
+        <p:txBody>
+          <a:bodyPr/>
+          <a:lstStyle/>
+          <a:p>
+            <a:endParaRPr lang="ko-KR" altLang="en-US"/>
+          </a:p>
+        </p:txBody>
+      </p:sp>
+    </p:spTree>
+    <p:extLst>
+      <p:ext uri="{BB962C8B-B14F-4D97-AF65-F5344CB8AC3E}">
+        <p14:creationId xmlns:p14="http://schemas.microsoft.com/office/powerpoint/2010/main" val="3912417249"/>
       </p:ext>
     </p:extLst>
   </p:cSld>
